--- a/doc/Crashcrawler_SYSU.pptx
+++ b/doc/Crashcrawler_SYSU.pptx
@@ -8294,7 +8294,7 @@
           </a:ln>
           <a:extLst>
             <a:ext uri="{C572A759-6A51-4108-AA02-DFA0A04FC94B}">
-              <ma14:wrappingTextBoxFlag xmlns="" xmlns:m="http://schemas.openxmlformats.org/officeDocument/2006/math" xmlns:a14="http://schemas.microsoft.com/office/drawing/2010/main" xmlns:ma14="http://schemas.microsoft.com/office/mac/drawingml/2011/main" val="1"/>
+              <ma14:wrappingTextBoxFlag xmlns:ma14="http://schemas.microsoft.com/office/mac/drawingml/2011/main" xmlns:a14="http://schemas.microsoft.com/office/drawing/2010/main" xmlns:m="http://schemas.openxmlformats.org/officeDocument/2006/math" xmlns="" val="1"/>
             </a:ext>
           </a:extLst>
         </p:spPr>
@@ -8999,7 +8999,7 @@
               </a:ln>
               <a:extLst>
                 <a:ext uri="{C572A759-6A51-4108-AA02-DFA0A04FC94B}">
-                  <ma14:wrappingTextBoxFlag xmlns="" xmlns:m="http://schemas.openxmlformats.org/officeDocument/2006/math" xmlns:ma14="http://schemas.microsoft.com/office/mac/drawingml/2011/main" val="1"/>
+                  <ma14:wrappingTextBoxFlag xmlns:ma14="http://schemas.microsoft.com/office/mac/drawingml/2011/main" xmlns:m="http://schemas.openxmlformats.org/officeDocument/2006/math" xmlns="" val="1"/>
                 </a:ext>
               </a:extLst>
             </p:spPr>
@@ -10019,7 +10019,7 @@
         <p:spPr>
           <a:xfrm>
             <a:off x="610448" y="1765148"/>
-            <a:ext cx="10824366" cy="4188326"/>
+            <a:ext cx="10824366" cy="3829253"/>
           </a:xfrm>
           <a:prstGeom prst="rect">
             <a:avLst/>
@@ -10029,7 +10029,7 @@
           </a:ln>
           <a:extLst>
             <a:ext uri="{C572A759-6A51-4108-AA02-DFA0A04FC94B}">
-              <ma14:wrappingTextBoxFlag xmlns="" xmlns:m="http://schemas.openxmlformats.org/officeDocument/2006/math" xmlns:a14="http://schemas.microsoft.com/office/drawing/2010/main" xmlns:ma14="http://schemas.microsoft.com/office/mac/drawingml/2011/main" val="1"/>
+              <ma14:wrappingTextBoxFlag xmlns:ma14="http://schemas.microsoft.com/office/mac/drawingml/2011/main" xmlns:a14="http://schemas.microsoft.com/office/drawing/2010/main" xmlns:m="http://schemas.openxmlformats.org/officeDocument/2006/math" xmlns="" val="1"/>
             </a:ext>
           </a:extLst>
         </p:spPr>
@@ -10113,20 +10113,6 @@
               <a:rPr lang="zh-CN" altLang="en-US" dirty="0"/>
               <a:t>都代表了该进程地址空间的一段，通过循环读取链表，我们可以从中读出所有映射到进程地址空间中的动态库。</a:t>
             </a:r>
-          </a:p>
-          <a:p>
-            <a:pPr marL="828039" lvl="1" indent="-375919">
-              <a:spcBef>
-                <a:spcPts val="400"/>
-              </a:spcBef>
-              <a:buClr>
-                <a:srgbClr val="181C69"/>
-              </a:buClr>
-              <a:buSzPct val="100000"/>
-              <a:buFontTx/>
-              <a:buChar char="❑"/>
-              <a:defRPr sz="2000"/>
-            </a:pPr>
             <a:endParaRPr lang="en-US" altLang="zh-CN" dirty="0"/>
           </a:p>
           <a:p>
@@ -20540,7 +20526,7 @@
           </a:ln>
           <a:extLst>
             <a:ext uri="{C572A759-6A51-4108-AA02-DFA0A04FC94B}">
-              <ma14:wrappingTextBoxFlag xmlns="" xmlns:m="http://schemas.openxmlformats.org/officeDocument/2006/math" xmlns:ma14="http://schemas.microsoft.com/office/mac/drawingml/2011/main" xmlns:a14="http://schemas.microsoft.com/office/drawing/2010/main" xmlns:mc="http://schemas.openxmlformats.org/markup-compatibility/2006" val="1"/>
+              <ma14:wrappingTextBoxFlag xmlns:mc="http://schemas.openxmlformats.org/markup-compatibility/2006" xmlns:a14="http://schemas.microsoft.com/office/drawing/2010/main" xmlns:ma14="http://schemas.microsoft.com/office/mac/drawingml/2011/main" xmlns:m="http://schemas.openxmlformats.org/officeDocument/2006/math" xmlns="" val="1"/>
             </a:ext>
           </a:extLst>
         </p:spPr>
@@ -25015,7 +25001,7 @@
           </a:ln>
           <a:extLst>
             <a:ext uri="{C572A759-6A51-4108-AA02-DFA0A04FC94B}">
-              <ma14:wrappingTextBoxFlag xmlns="" xmlns:m="http://schemas.openxmlformats.org/officeDocument/2006/math" xmlns:a14="http://schemas.microsoft.com/office/drawing/2010/main" xmlns:ma14="http://schemas.microsoft.com/office/mac/drawingml/2011/main" val="1"/>
+              <ma14:wrappingTextBoxFlag xmlns:ma14="http://schemas.microsoft.com/office/mac/drawingml/2011/main" xmlns:a14="http://schemas.microsoft.com/office/drawing/2010/main" xmlns:m="http://schemas.openxmlformats.org/officeDocument/2006/math" xmlns="" val="1"/>
             </a:ext>
           </a:extLst>
         </p:spPr>
@@ -26129,7 +26115,7 @@
           </a:ln>
           <a:extLst>
             <a:ext uri="{C572A759-6A51-4108-AA02-DFA0A04FC94B}">
-              <ma14:wrappingTextBoxFlag xmlns="" xmlns:m="http://schemas.openxmlformats.org/officeDocument/2006/math" xmlns:a14="http://schemas.microsoft.com/office/drawing/2010/main" xmlns:ma14="http://schemas.microsoft.com/office/mac/drawingml/2011/main" val="1"/>
+              <ma14:wrappingTextBoxFlag xmlns:ma14="http://schemas.microsoft.com/office/mac/drawingml/2011/main" xmlns:a14="http://schemas.microsoft.com/office/drawing/2010/main" xmlns:m="http://schemas.openxmlformats.org/officeDocument/2006/math" xmlns="" val="1"/>
             </a:ext>
           </a:extLst>
         </p:spPr>
@@ -26311,7 +26297,23 @@
             </a:pPr>
             <a:r>
               <a:rPr lang="zh-CN" altLang="en-US" dirty="0"/>
-              <a:t>把崩溃报告用可视化的形式展示出来，如：</a:t>
+              <a:t>把崩溃报告用可视化的形式展示出来，如下页</a:t>
+            </a:r>
+            <a:r>
+              <a:rPr lang="en-US" altLang="zh-CN" dirty="0"/>
+              <a:t>PPT</a:t>
+            </a:r>
+            <a:r>
+              <a:rPr lang="zh-CN" altLang="en-US" dirty="0"/>
+              <a:t>中展示的</a:t>
+            </a:r>
+            <a:r>
+              <a:rPr lang="en-US" altLang="zh-CN" dirty="0"/>
+              <a:t>demo</a:t>
+            </a:r>
+            <a:r>
+              <a:rPr lang="zh-CN" altLang="en-US" dirty="0"/>
+              <a:t>。</a:t>
             </a:r>
             <a:endParaRPr lang="en-US" altLang="zh-CN" dirty="0"/>
           </a:p>
@@ -27779,14 +27781,14 @@
           <p:nvPr>
             <p:extLst>
               <p:ext uri="{D42A27DB-BD31-4B8C-83A1-F6EECF244321}">
-                <p14:modId xmlns:p14="http://schemas.microsoft.com/office/powerpoint/2010/main" val="2766275507"/>
+                <p14:modId xmlns:p14="http://schemas.microsoft.com/office/powerpoint/2010/main" val="1132008372"/>
               </p:ext>
             </p:extLst>
           </p:nvPr>
         </p:nvGraphicFramePr>
         <p:xfrm>
-          <a:off x="1906291" y="1524188"/>
-          <a:ext cx="8214101" cy="5174696"/>
+          <a:off x="1906291" y="1604126"/>
+          <a:ext cx="8214101" cy="4453051"/>
         </p:xfrm>
         <a:graphic>
           <a:graphicData uri="http://schemas.openxmlformats.org/drawingml/2006/table">
@@ -28491,12 +28493,12 @@
                     <a:p>
                       <a:pPr algn="ctr" fontAlgn="ctr"/>
                       <a:r>
-                        <a:rPr lang="zh-CN" altLang="en-US" sz="2400" b="1" u="none" strike="noStrike">
+                        <a:rPr lang="zh-CN" altLang="en-US" sz="2400" b="1" u="none" strike="noStrike" dirty="0">
                           <a:effectLst/>
                         </a:rPr>
                         <a:t>指导老师</a:t>
                       </a:r>
-                      <a:endParaRPr lang="zh-CN" altLang="en-US" sz="2400" b="1" i="0" u="none" strike="noStrike">
+                      <a:endParaRPr lang="zh-CN" altLang="en-US" sz="2400" b="1" i="0" u="none" strike="noStrike" dirty="0">
                         <a:solidFill>
                           <a:srgbClr val="000000"/>
                         </a:solidFill>
@@ -28518,7 +28520,7 @@
                         <a:rPr lang="zh-CN" altLang="en-US" sz="2000" u="none" strike="noStrike" dirty="0">
                           <a:effectLst/>
                         </a:rPr>
-                        <a:t>陈鹏飞</a:t>
+                        <a:t>吉圣杰，陈鹏飞</a:t>
                       </a:r>
                       <a:endParaRPr lang="zh-CN" altLang="en-US" sz="2000" b="0" i="0" u="none" strike="noStrike" dirty="0">
                         <a:solidFill>
@@ -28555,81 +28557,6 @@
                 <a:extLst>
                   <a:ext uri="{0D108BD9-81ED-4DB2-BD59-A6C34878D82A}">
                     <a16:rowId xmlns:a16="http://schemas.microsoft.com/office/drawing/2014/main" val="2519948117"/>
-                  </a:ext>
-                </a:extLst>
-              </a:tr>
-              <a:tr h="721645">
-                <a:tc>
-                  <a:txBody>
-                    <a:bodyPr/>
-                    <a:lstStyle/>
-                    <a:p>
-                      <a:pPr algn="ctr" fontAlgn="ctr"/>
-                      <a:r>
-                        <a:rPr lang="zh-CN" altLang="en-US" sz="2400" b="1" u="none" strike="noStrike" dirty="0">
-                          <a:effectLst/>
-                        </a:rPr>
-                        <a:t>出题老师</a:t>
-                      </a:r>
-                      <a:endParaRPr lang="zh-CN" altLang="en-US" sz="2400" b="1" i="0" u="none" strike="noStrike" dirty="0">
-                        <a:solidFill>
-                          <a:srgbClr val="000000"/>
-                        </a:solidFill>
-                        <a:effectLst/>
-                        <a:latin typeface="等线" panose="02010600030101010101" pitchFamily="2" charset="-122"/>
-                        <a:ea typeface="等线" panose="02010600030101010101" pitchFamily="2" charset="-122"/>
-                      </a:endParaRPr>
-                    </a:p>
-                  </a:txBody>
-                  <a:tcPr marL="4763" marR="4763" marT="4763" marB="0" anchor="ctr"/>
-                </a:tc>
-                <a:tc gridSpan="3">
-                  <a:txBody>
-                    <a:bodyPr/>
-                    <a:lstStyle/>
-                    <a:p>
-                      <a:pPr algn="ctr" fontAlgn="ctr"/>
-                      <a:r>
-                        <a:rPr lang="zh-CN" altLang="en-US" sz="2000" u="none" strike="noStrike" dirty="0">
-                          <a:effectLst/>
-                        </a:rPr>
-                        <a:t>吉圣杰</a:t>
-                      </a:r>
-                      <a:endParaRPr lang="zh-CN" altLang="en-US" sz="2000" b="0" i="0" u="none" strike="noStrike" dirty="0">
-                        <a:solidFill>
-                          <a:srgbClr val="000000"/>
-                        </a:solidFill>
-                        <a:effectLst/>
-                        <a:latin typeface="等线" panose="02010600030101010101" pitchFamily="2" charset="-122"/>
-                        <a:ea typeface="等线" panose="02010600030101010101" pitchFamily="2" charset="-122"/>
-                      </a:endParaRPr>
-                    </a:p>
-                  </a:txBody>
-                  <a:tcPr marL="4763" marR="4763" marT="4763" marB="0" anchor="ctr"/>
-                </a:tc>
-                <a:tc hMerge="1">
-                  <a:txBody>
-                    <a:bodyPr/>
-                    <a:lstStyle/>
-                    <a:p>
-                      <a:endParaRPr lang="zh-CN" altLang="en-US"/>
-                    </a:p>
-                  </a:txBody>
-                  <a:tcPr/>
-                </a:tc>
-                <a:tc hMerge="1">
-                  <a:txBody>
-                    <a:bodyPr/>
-                    <a:lstStyle/>
-                    <a:p>
-                      <a:endParaRPr lang="zh-CN" altLang="en-US"/>
-                    </a:p>
-                  </a:txBody>
-                  <a:tcPr/>
-                </a:tc>
-                <a:extLst>
-                  <a:ext uri="{0D108BD9-81ED-4DB2-BD59-A6C34878D82A}">
-                    <a16:rowId xmlns:a16="http://schemas.microsoft.com/office/drawing/2014/main" val="2542792335"/>
                   </a:ext>
                 </a:extLst>
               </a:tr>
@@ -29050,7 +28977,7 @@
           </a:ln>
           <a:extLst>
             <a:ext uri="{C572A759-6A51-4108-AA02-DFA0A04FC94B}">
-              <ma14:wrappingTextBoxFlag xmlns="" xmlns:m="http://schemas.openxmlformats.org/officeDocument/2006/math" xmlns:a14="http://schemas.microsoft.com/office/drawing/2010/main" xmlns:ma14="http://schemas.microsoft.com/office/mac/drawingml/2011/main" val="1"/>
+              <ma14:wrappingTextBoxFlag xmlns:ma14="http://schemas.microsoft.com/office/mac/drawingml/2011/main" xmlns:a14="http://schemas.microsoft.com/office/drawing/2010/main" xmlns:m="http://schemas.openxmlformats.org/officeDocument/2006/math" xmlns="" val="1"/>
             </a:ext>
           </a:extLst>
         </p:spPr>
@@ -32916,7 +32843,7 @@
           </a:ln>
           <a:extLst>
             <a:ext uri="{C572A759-6A51-4108-AA02-DFA0A04FC94B}">
-              <ma14:wrappingTextBoxFlag xmlns="" xmlns:m="http://schemas.openxmlformats.org/officeDocument/2006/math" xmlns:a14="http://schemas.microsoft.com/office/drawing/2010/main" xmlns:ma14="http://schemas.microsoft.com/office/mac/drawingml/2011/main" val="1"/>
+              <ma14:wrappingTextBoxFlag xmlns:ma14="http://schemas.microsoft.com/office/mac/drawingml/2011/main" xmlns:a14="http://schemas.microsoft.com/office/drawing/2010/main" xmlns:m="http://schemas.openxmlformats.org/officeDocument/2006/math" xmlns="" val="1"/>
             </a:ext>
           </a:extLst>
         </p:spPr>
@@ -34960,7 +34887,7 @@
           </a:ln>
           <a:extLst>
             <a:ext uri="{C572A759-6A51-4108-AA02-DFA0A04FC94B}">
-              <ma14:wrappingTextBoxFlag xmlns="" xmlns:m="http://schemas.openxmlformats.org/officeDocument/2006/math" xmlns:a14="http://schemas.microsoft.com/office/drawing/2010/main" xmlns:ma14="http://schemas.microsoft.com/office/mac/drawingml/2011/main" val="1"/>
+              <ma14:wrappingTextBoxFlag xmlns:ma14="http://schemas.microsoft.com/office/mac/drawingml/2011/main" xmlns:a14="http://schemas.microsoft.com/office/drawing/2010/main" xmlns:m="http://schemas.openxmlformats.org/officeDocument/2006/math" xmlns="" val="1"/>
             </a:ext>
           </a:extLst>
         </p:spPr>
@@ -34990,8 +34917,12 @@
               <a:t>do_exit</a:t>
             </a:r>
             <a:r>
+              <a:rPr lang="en-US" altLang="zh-CN" sz="2400" dirty="0"/>
+              <a:t>()</a:t>
+            </a:r>
+            <a:r>
               <a:rPr lang="zh-CN" altLang="en-US" sz="2400" dirty="0"/>
-              <a:t>（）函数，我们找到了几个可供检测的点：</a:t>
+              <a:t>函数，我们找到了几个可供检测的点：</a:t>
             </a:r>
             <a:endParaRPr lang="en-US" altLang="zh-CN" sz="2800" b="1" dirty="0"/>
           </a:p>
@@ -35100,7 +35031,7 @@
             </a:pPr>
             <a:r>
               <a:rPr lang="en-US" altLang="zh-CN" dirty="0" err="1"/>
-              <a:t>ched_process_exit</a:t>
+              <a:t>do_exit</a:t>
             </a:r>
             <a:r>
               <a:rPr lang="en-US" altLang="zh-CN" dirty="0"/>
@@ -35108,7 +35039,7 @@
             </a:r>
             <a:r>
               <a:rPr lang="en-US" altLang="zh-CN" dirty="0" err="1"/>
-              <a:t>tracepoint</a:t>
+              <a:t>kprobe</a:t>
             </a:r>
             <a:r>
               <a:rPr lang="en-US" altLang="zh-CN" dirty="0"/>
@@ -35852,7 +35783,7 @@
           </a:ln>
           <a:extLst>
             <a:ext uri="{C572A759-6A51-4108-AA02-DFA0A04FC94B}">
-              <ma14:wrappingTextBoxFlag xmlns="" xmlns:m="http://schemas.openxmlformats.org/officeDocument/2006/math" xmlns:a14="http://schemas.microsoft.com/office/drawing/2010/main" xmlns:ma14="http://schemas.microsoft.com/office/mac/drawingml/2011/main" val="1"/>
+              <ma14:wrappingTextBoxFlag xmlns:ma14="http://schemas.microsoft.com/office/mac/drawingml/2011/main" xmlns:a14="http://schemas.microsoft.com/office/drawing/2010/main" xmlns:m="http://schemas.openxmlformats.org/officeDocument/2006/math" xmlns="" val="1"/>
             </a:ext>
           </a:extLst>
         </p:spPr>

--- a/doc/Crashcrawler_SYSU.pptx
+++ b/doc/Crashcrawler_SYSU.pptx
@@ -5,7 +5,7 @@
     <p:sldMasterId id="2147483648" r:id="rId1"/>
   </p:sldMasterIdLst>
   <p:notesMasterIdLst>
-    <p:notesMasterId r:id="rId27"/>
+    <p:notesMasterId r:id="rId28"/>
   </p:notesMasterIdLst>
   <p:sldIdLst>
     <p:sldId id="268" r:id="rId2"/>
@@ -21,18 +21,19 @@
     <p:sldId id="550" r:id="rId12"/>
     <p:sldId id="552" r:id="rId13"/>
     <p:sldId id="551" r:id="rId14"/>
-    <p:sldId id="544" r:id="rId15"/>
-    <p:sldId id="553" r:id="rId16"/>
-    <p:sldId id="554" r:id="rId17"/>
-    <p:sldId id="555" r:id="rId18"/>
-    <p:sldId id="556" r:id="rId19"/>
-    <p:sldId id="559" r:id="rId20"/>
-    <p:sldId id="562" r:id="rId21"/>
-    <p:sldId id="545" r:id="rId22"/>
-    <p:sldId id="557" r:id="rId23"/>
-    <p:sldId id="558" r:id="rId24"/>
-    <p:sldId id="560" r:id="rId25"/>
-    <p:sldId id="277" r:id="rId26"/>
+    <p:sldId id="564" r:id="rId15"/>
+    <p:sldId id="563" r:id="rId16"/>
+    <p:sldId id="544" r:id="rId17"/>
+    <p:sldId id="553" r:id="rId18"/>
+    <p:sldId id="554" r:id="rId19"/>
+    <p:sldId id="555" r:id="rId20"/>
+    <p:sldId id="556" r:id="rId21"/>
+    <p:sldId id="559" r:id="rId22"/>
+    <p:sldId id="562" r:id="rId23"/>
+    <p:sldId id="545" r:id="rId24"/>
+    <p:sldId id="557" r:id="rId25"/>
+    <p:sldId id="558" r:id="rId26"/>
+    <p:sldId id="277" r:id="rId27"/>
   </p:sldIdLst>
   <p:sldSz cx="12192000" cy="6858000"/>
   <p:notesSz cx="6858000" cy="9144000"/>
@@ -236,7 +237,7 @@
             <a:fld id="{49A552A8-ECE7-49AA-8726-BE90DBC11947}" type="datetimeFigureOut">
               <a:rPr lang="zh-CN" altLang="en-US" smtClean="0"/>
               <a:pPr/>
-              <a:t>2022/6/5</a:t>
+              <a:t>2022/8/14</a:t>
             </a:fld>
             <a:endParaRPr lang="zh-CN" altLang="en-US"/>
           </a:p>
@@ -1158,7 +1159,7 @@
             <a:fld id="{B18EAD77-486C-432B-9EE9-E6FD5C91EB8A}" type="slidenum">
               <a:rPr lang="zh-CN" altLang="en-US" smtClean="0"/>
               <a:pPr/>
-              <a:t>15</a:t>
+              <a:t>14</a:t>
             </a:fld>
             <a:endParaRPr lang="zh-CN" altLang="en-US"/>
           </a:p>
@@ -1167,7 +1168,7 @@
     </p:spTree>
     <p:extLst>
       <p:ext uri="{BB962C8B-B14F-4D97-AF65-F5344CB8AC3E}">
-        <p14:creationId xmlns:p14="http://schemas.microsoft.com/office/powerpoint/2010/main" val="893526087"/>
+        <p14:creationId xmlns:p14="http://schemas.microsoft.com/office/powerpoint/2010/main" val="263001858"/>
       </p:ext>
     </p:extLst>
   </p:cSld>
@@ -1239,7 +1240,7 @@
               <a:defRPr/>
             </a:pPr>
             <a:r>
-              <a:rPr lang="zh-CN" altLang="en-US" sz="1200" dirty="0">
+              <a:rPr lang="zh-CN" altLang="en-US" sz="1200">
                 <a:solidFill>
                   <a:schemeClr val="bg1">
                     <a:lumMod val="50000"/>
@@ -1283,7 +1284,7 @@
             <a:fld id="{B18EAD77-486C-432B-9EE9-E6FD5C91EB8A}" type="slidenum">
               <a:rPr lang="zh-CN" altLang="en-US" smtClean="0"/>
               <a:pPr/>
-              <a:t>16</a:t>
+              <a:t>15</a:t>
             </a:fld>
             <a:endParaRPr lang="zh-CN" altLang="en-US"/>
           </a:p>
@@ -1292,7 +1293,7 @@
     </p:spTree>
     <p:extLst>
       <p:ext uri="{BB962C8B-B14F-4D97-AF65-F5344CB8AC3E}">
-        <p14:creationId xmlns:p14="http://schemas.microsoft.com/office/powerpoint/2010/main" val="2515074647"/>
+        <p14:creationId xmlns:p14="http://schemas.microsoft.com/office/powerpoint/2010/main" val="1093918195"/>
       </p:ext>
     </p:extLst>
   </p:cSld>
@@ -1417,7 +1418,7 @@
     </p:spTree>
     <p:extLst>
       <p:ext uri="{BB962C8B-B14F-4D97-AF65-F5344CB8AC3E}">
-        <p14:creationId xmlns:p14="http://schemas.microsoft.com/office/powerpoint/2010/main" val="914806552"/>
+        <p14:creationId xmlns:p14="http://schemas.microsoft.com/office/powerpoint/2010/main" val="893526087"/>
       </p:ext>
     </p:extLst>
   </p:cSld>
@@ -1542,7 +1543,7 @@
     </p:spTree>
     <p:extLst>
       <p:ext uri="{BB962C8B-B14F-4D97-AF65-F5344CB8AC3E}">
-        <p14:creationId xmlns:p14="http://schemas.microsoft.com/office/powerpoint/2010/main" val="194592669"/>
+        <p14:creationId xmlns:p14="http://schemas.microsoft.com/office/powerpoint/2010/main" val="2515074647"/>
       </p:ext>
     </p:extLst>
   </p:cSld>
@@ -1667,7 +1668,7 @@
     </p:spTree>
     <p:extLst>
       <p:ext uri="{BB962C8B-B14F-4D97-AF65-F5344CB8AC3E}">
-        <p14:creationId xmlns:p14="http://schemas.microsoft.com/office/powerpoint/2010/main" val="1386126324"/>
+        <p14:creationId xmlns:p14="http://schemas.microsoft.com/office/powerpoint/2010/main" val="914806552"/>
       </p:ext>
     </p:extLst>
   </p:cSld>
@@ -1792,7 +1793,7 @@
     </p:spTree>
     <p:extLst>
       <p:ext uri="{BB962C8B-B14F-4D97-AF65-F5344CB8AC3E}">
-        <p14:creationId xmlns:p14="http://schemas.microsoft.com/office/powerpoint/2010/main" val="2990077473"/>
+        <p14:creationId xmlns:p14="http://schemas.microsoft.com/office/powerpoint/2010/main" val="194592669"/>
       </p:ext>
     </p:extLst>
   </p:cSld>
@@ -1993,7 +1994,7 @@
             <a:fld id="{B18EAD77-486C-432B-9EE9-E6FD5C91EB8A}" type="slidenum">
               <a:rPr lang="zh-CN" altLang="en-US" smtClean="0"/>
               <a:pPr/>
-              <a:t>22</a:t>
+              <a:t>21</a:t>
             </a:fld>
             <a:endParaRPr lang="zh-CN" altLang="en-US"/>
           </a:p>
@@ -2002,7 +2003,7 @@
     </p:spTree>
     <p:extLst>
       <p:ext uri="{BB962C8B-B14F-4D97-AF65-F5344CB8AC3E}">
-        <p14:creationId xmlns:p14="http://schemas.microsoft.com/office/powerpoint/2010/main" val="2121697910"/>
+        <p14:creationId xmlns:p14="http://schemas.microsoft.com/office/powerpoint/2010/main" val="1386126324"/>
       </p:ext>
     </p:extLst>
   </p:cSld>
@@ -2118,7 +2119,7 @@
             <a:fld id="{B18EAD77-486C-432B-9EE9-E6FD5C91EB8A}" type="slidenum">
               <a:rPr lang="zh-CN" altLang="en-US" smtClean="0"/>
               <a:pPr/>
-              <a:t>23</a:t>
+              <a:t>22</a:t>
             </a:fld>
             <a:endParaRPr lang="zh-CN" altLang="en-US"/>
           </a:p>
@@ -2127,7 +2128,7 @@
     </p:spTree>
     <p:extLst>
       <p:ext uri="{BB962C8B-B14F-4D97-AF65-F5344CB8AC3E}">
-        <p14:creationId xmlns:p14="http://schemas.microsoft.com/office/powerpoint/2010/main" val="1834947869"/>
+        <p14:creationId xmlns:p14="http://schemas.microsoft.com/office/powerpoint/2010/main" val="2990077473"/>
       </p:ext>
     </p:extLst>
   </p:cSld>
@@ -2252,7 +2253,7 @@
     </p:spTree>
     <p:extLst>
       <p:ext uri="{BB962C8B-B14F-4D97-AF65-F5344CB8AC3E}">
-        <p14:creationId xmlns:p14="http://schemas.microsoft.com/office/powerpoint/2010/main" val="608327347"/>
+        <p14:creationId xmlns:p14="http://schemas.microsoft.com/office/powerpoint/2010/main" val="2121697910"/>
       </p:ext>
     </p:extLst>
   </p:cSld>
@@ -2306,6 +2307,131 @@
           <a:bodyPr/>
           <a:lstStyle/>
           <a:p>
+            <a:pPr marL="0" marR="0" lvl="0" indent="0" algn="l" defTabSz="914400" rtl="0" eaLnBrk="1" fontAlgn="auto" latinLnBrk="0" hangingPunct="1">
+              <a:lnSpc>
+                <a:spcPct val="100000"/>
+              </a:lnSpc>
+              <a:spcBef>
+                <a:spcPts val="0"/>
+              </a:spcBef>
+              <a:spcAft>
+                <a:spcPts val="0"/>
+              </a:spcAft>
+              <a:buClrTx/>
+              <a:buSzTx/>
+              <a:buFontTx/>
+              <a:buNone/>
+              <a:tabLst/>
+              <a:defRPr/>
+            </a:pPr>
+            <a:r>
+              <a:rPr lang="zh-CN" altLang="en-US" sz="1200" dirty="0">
+                <a:solidFill>
+                  <a:schemeClr val="bg1">
+                    <a:lumMod val="50000"/>
+                  </a:schemeClr>
+                </a:solidFill>
+                <a:latin typeface="微软雅黑" panose="020B0503020204020204" pitchFamily="34" charset="-122"/>
+                <a:ea typeface="微软雅黑" panose="020B0503020204020204" pitchFamily="34" charset="-122"/>
+              </a:rPr>
+              <a:t>按时换届交接</a:t>
+            </a:r>
+            <a:endParaRPr lang="zh-CN" altLang="en-US" dirty="0"/>
+          </a:p>
+          <a:p>
+            <a:endParaRPr lang="en-US" altLang="zh-CN" sz="1200" dirty="0">
+              <a:solidFill>
+                <a:schemeClr val="bg1">
+                  <a:lumMod val="50000"/>
+                </a:schemeClr>
+              </a:solidFill>
+              <a:latin typeface="微软雅黑" panose="020B0503020204020204" pitchFamily="34" charset="-122"/>
+              <a:ea typeface="微软雅黑" panose="020B0503020204020204" pitchFamily="34" charset="-122"/>
+            </a:endParaRPr>
+          </a:p>
+        </p:txBody>
+      </p:sp>
+      <p:sp>
+        <p:nvSpPr>
+          <p:cNvPr id="4" name="灯片编号占位符 3"/>
+          <p:cNvSpPr>
+            <a:spLocks noGrp="1"/>
+          </p:cNvSpPr>
+          <p:nvPr>
+            <p:ph type="sldNum" sz="quarter" idx="10"/>
+          </p:nvPr>
+        </p:nvSpPr>
+        <p:spPr/>
+        <p:txBody>
+          <a:bodyPr/>
+          <a:lstStyle/>
+          <a:p>
+            <a:fld id="{B18EAD77-486C-432B-9EE9-E6FD5C91EB8A}" type="slidenum">
+              <a:rPr lang="zh-CN" altLang="en-US" smtClean="0"/>
+              <a:pPr/>
+              <a:t>25</a:t>
+            </a:fld>
+            <a:endParaRPr lang="zh-CN" altLang="en-US"/>
+          </a:p>
+        </p:txBody>
+      </p:sp>
+    </p:spTree>
+    <p:extLst>
+      <p:ext uri="{BB962C8B-B14F-4D97-AF65-F5344CB8AC3E}">
+        <p14:creationId xmlns:p14="http://schemas.microsoft.com/office/powerpoint/2010/main" val="1834947869"/>
+      </p:ext>
+    </p:extLst>
+  </p:cSld>
+  <p:clrMapOvr>
+    <a:masterClrMapping/>
+  </p:clrMapOvr>
+</p:notes>
+</file>
+
+<file path=ppt/notesSlides/notesSlide24.xml><?xml version="1.0" encoding="utf-8"?>
+<p:notes xmlns:a="http://schemas.openxmlformats.org/drawingml/2006/main" xmlns:r="http://schemas.openxmlformats.org/officeDocument/2006/relationships" xmlns:p="http://schemas.openxmlformats.org/presentationml/2006/main">
+  <p:cSld>
+    <p:spTree>
+      <p:nvGrpSpPr>
+        <p:cNvPr id="1" name=""/>
+        <p:cNvGrpSpPr/>
+        <p:nvPr/>
+      </p:nvGrpSpPr>
+      <p:grpSpPr>
+        <a:xfrm>
+          <a:off x="0" y="0"/>
+          <a:ext cx="0" cy="0"/>
+          <a:chOff x="0" y="0"/>
+          <a:chExt cx="0" cy="0"/>
+        </a:xfrm>
+      </p:grpSpPr>
+      <p:sp>
+        <p:nvSpPr>
+          <p:cNvPr id="2" name="幻灯片图像占位符 1"/>
+          <p:cNvSpPr>
+            <a:spLocks noGrp="1" noRot="1" noChangeAspect="1"/>
+          </p:cNvSpPr>
+          <p:nvPr>
+            <p:ph type="sldImg"/>
+          </p:nvPr>
+        </p:nvSpPr>
+        <p:spPr/>
+      </p:sp>
+      <p:sp>
+        <p:nvSpPr>
+          <p:cNvPr id="3" name="备注占位符 2"/>
+          <p:cNvSpPr>
+            <a:spLocks noGrp="1"/>
+          </p:cNvSpPr>
+          <p:nvPr>
+            <p:ph type="body" idx="1"/>
+          </p:nvPr>
+        </p:nvSpPr>
+        <p:spPr/>
+        <p:txBody>
+          <a:bodyPr/>
+          <a:lstStyle/>
+          <a:p>
             <a:r>
               <a:rPr lang="zh-CN" altLang="en-US" dirty="0">
                 <a:solidFill>
@@ -2338,7 +2464,7 @@
             <a:fld id="{B18EAD77-486C-432B-9EE9-E6FD5C91EB8A}" type="slidenum">
               <a:rPr lang="zh-CN" altLang="en-US" smtClean="0"/>
               <a:pPr/>
-              <a:t>25</a:t>
+              <a:t>26</a:t>
             </a:fld>
             <a:endParaRPr lang="zh-CN" altLang="en-US"/>
           </a:p>
@@ -3258,7 +3384,7 @@
             <a:fld id="{9C17F9E5-2C3F-427E-9E18-8DB1205C1BD4}" type="datetimeFigureOut">
               <a:rPr lang="zh-CN" altLang="en-US" smtClean="0"/>
               <a:pPr/>
-              <a:t>2022/6/5</a:t>
+              <a:t>2022/8/14</a:t>
             </a:fld>
             <a:endParaRPr lang="zh-CN" altLang="en-US"/>
           </a:p>
@@ -3423,7 +3549,7 @@
             <a:fld id="{9C17F9E5-2C3F-427E-9E18-8DB1205C1BD4}" type="datetimeFigureOut">
               <a:rPr lang="zh-CN" altLang="en-US" smtClean="0"/>
               <a:pPr/>
-              <a:t>2022/6/5</a:t>
+              <a:t>2022/8/14</a:t>
             </a:fld>
             <a:endParaRPr lang="zh-CN" altLang="en-US"/>
           </a:p>
@@ -3598,7 +3724,7 @@
             <a:fld id="{9C17F9E5-2C3F-427E-9E18-8DB1205C1BD4}" type="datetimeFigureOut">
               <a:rPr lang="zh-CN" altLang="en-US" smtClean="0"/>
               <a:pPr/>
-              <a:t>2022/6/5</a:t>
+              <a:t>2022/8/14</a:t>
             </a:fld>
             <a:endParaRPr lang="zh-CN" altLang="en-US"/>
           </a:p>
@@ -3763,7 +3889,7 @@
             <a:fld id="{9C17F9E5-2C3F-427E-9E18-8DB1205C1BD4}" type="datetimeFigureOut">
               <a:rPr lang="zh-CN" altLang="en-US" smtClean="0"/>
               <a:pPr/>
-              <a:t>2022/6/5</a:t>
+              <a:t>2022/8/14</a:t>
             </a:fld>
             <a:endParaRPr lang="zh-CN" altLang="en-US"/>
           </a:p>
@@ -4005,7 +4131,7 @@
             <a:fld id="{9C17F9E5-2C3F-427E-9E18-8DB1205C1BD4}" type="datetimeFigureOut">
               <a:rPr lang="zh-CN" altLang="en-US" smtClean="0"/>
               <a:pPr/>
-              <a:t>2022/6/5</a:t>
+              <a:t>2022/8/14</a:t>
             </a:fld>
             <a:endParaRPr lang="zh-CN" altLang="en-US"/>
           </a:p>
@@ -4231,7 +4357,7 @@
             <a:fld id="{9C17F9E5-2C3F-427E-9E18-8DB1205C1BD4}" type="datetimeFigureOut">
               <a:rPr lang="zh-CN" altLang="en-US" smtClean="0"/>
               <a:pPr/>
-              <a:t>2022/6/5</a:t>
+              <a:t>2022/8/14</a:t>
             </a:fld>
             <a:endParaRPr lang="zh-CN" altLang="en-US"/>
           </a:p>
@@ -4592,7 +4718,7 @@
             <a:fld id="{9C17F9E5-2C3F-427E-9E18-8DB1205C1BD4}" type="datetimeFigureOut">
               <a:rPr lang="zh-CN" altLang="en-US" smtClean="0"/>
               <a:pPr/>
-              <a:t>2022/6/5</a:t>
+              <a:t>2022/8/14</a:t>
             </a:fld>
             <a:endParaRPr lang="zh-CN" altLang="en-US"/>
           </a:p>
@@ -4706,7 +4832,7 @@
             <a:fld id="{9C17F9E5-2C3F-427E-9E18-8DB1205C1BD4}" type="datetimeFigureOut">
               <a:rPr lang="zh-CN" altLang="en-US" smtClean="0"/>
               <a:pPr/>
-              <a:t>2022/6/5</a:t>
+              <a:t>2022/8/14</a:t>
             </a:fld>
             <a:endParaRPr lang="zh-CN" altLang="en-US"/>
           </a:p>
@@ -4798,7 +4924,7 @@
             <a:fld id="{9C17F9E5-2C3F-427E-9E18-8DB1205C1BD4}" type="datetimeFigureOut">
               <a:rPr lang="zh-CN" altLang="en-US" smtClean="0"/>
               <a:pPr/>
-              <a:t>2022/6/5</a:t>
+              <a:t>2022/8/14</a:t>
             </a:fld>
             <a:endParaRPr lang="zh-CN" altLang="en-US"/>
           </a:p>
@@ -5070,7 +5196,7 @@
             <a:fld id="{9C17F9E5-2C3F-427E-9E18-8DB1205C1BD4}" type="datetimeFigureOut">
               <a:rPr lang="zh-CN" altLang="en-US" smtClean="0"/>
               <a:pPr/>
-              <a:t>2022/6/5</a:t>
+              <a:t>2022/8/14</a:t>
             </a:fld>
             <a:endParaRPr lang="zh-CN" altLang="en-US"/>
           </a:p>
@@ -5319,7 +5445,7 @@
             <a:fld id="{9C17F9E5-2C3F-427E-9E18-8DB1205C1BD4}" type="datetimeFigureOut">
               <a:rPr lang="zh-CN" altLang="en-US" smtClean="0"/>
               <a:pPr/>
-              <a:t>2022/6/5</a:t>
+              <a:t>2022/8/14</a:t>
             </a:fld>
             <a:endParaRPr lang="zh-CN" altLang="en-US"/>
           </a:p>
@@ -5536,7 +5662,7 @@
             <a:fld id="{9C17F9E5-2C3F-427E-9E18-8DB1205C1BD4}" type="datetimeFigureOut">
               <a:rPr lang="zh-CN" altLang="en-US" smtClean="0"/>
               <a:pPr/>
-              <a:t>2022/6/5</a:t>
+              <a:t>2022/8/14</a:t>
             </a:fld>
             <a:endParaRPr lang="zh-CN" altLang="en-US"/>
           </a:p>
@@ -6779,7 +6905,7 @@
           <p:spPr>
             <a:xfrm>
               <a:off x="1310387" y="3378752"/>
-              <a:ext cx="1655089" cy="307777"/>
+              <a:ext cx="1655089" cy="347087"/>
             </a:xfrm>
             <a:prstGeom prst="rect">
               <a:avLst/>
@@ -6793,8 +6919,8 @@
             <a:lstStyle/>
             <a:p>
               <a:r>
-                <a:rPr lang="en-US" altLang="zh-CN" sz="1400" dirty="0"/>
-                <a:t>sched_process_exit</a:t>
+                <a:rPr lang="en-US" altLang="zh-CN" sz="1400" dirty="0" err="1"/>
+                <a:t>Kprobe_do_exit</a:t>
               </a:r>
               <a:endParaRPr lang="zh-CN" altLang="en-US" sz="1400" dirty="0"/>
             </a:p>
@@ -8294,7 +8420,7 @@
           </a:ln>
           <a:extLst>
             <a:ext uri="{C572A759-6A51-4108-AA02-DFA0A04FC94B}">
-              <ma14:wrappingTextBoxFlag xmlns:ma14="http://schemas.microsoft.com/office/mac/drawingml/2011/main" xmlns:a14="http://schemas.microsoft.com/office/drawing/2010/main" xmlns:m="http://schemas.openxmlformats.org/officeDocument/2006/math" xmlns="" val="1"/>
+              <ma14:wrappingTextBoxFlag xmlns="" xmlns:m="http://schemas.openxmlformats.org/officeDocument/2006/math" xmlns:a14="http://schemas.microsoft.com/office/drawing/2010/main" xmlns:ma14="http://schemas.microsoft.com/office/mac/drawingml/2011/main" val="1"/>
             </a:ext>
           </a:extLst>
         </p:spPr>
@@ -8972,8 +9098,8 @@
           </a:p>
         </p:txBody>
       </p:sp>
-      <mc:AlternateContent xmlns:mc="http://schemas.openxmlformats.org/markup-compatibility/2006" xmlns:a14="http://schemas.microsoft.com/office/drawing/2010/main">
-        <mc:Choice Requires="a14">
+      <mc:AlternateContent xmlns:mc="http://schemas.openxmlformats.org/markup-compatibility/2006">
+        <mc:Choice xmlns:a14="http://schemas.microsoft.com/office/drawing/2010/main" Requires="a14">
           <p:sp>
             <p:nvSpPr>
               <p:cNvPr id="20" name="内容占位符 2">
@@ -8999,7 +9125,7 @@
               </a:ln>
               <a:extLst>
                 <a:ext uri="{C572A759-6A51-4108-AA02-DFA0A04FC94B}">
-                  <ma14:wrappingTextBoxFlag xmlns:ma14="http://schemas.microsoft.com/office/mac/drawingml/2011/main" xmlns:m="http://schemas.openxmlformats.org/officeDocument/2006/math" xmlns="" val="1"/>
+                  <ma14:wrappingTextBoxFlag xmlns="" xmlns:m="http://schemas.openxmlformats.org/officeDocument/2006/math" xmlns:ma14="http://schemas.microsoft.com/office/mac/drawingml/2011/main" val="1"/>
                 </a:ext>
               </a:extLst>
             </p:spPr>
@@ -9054,7 +9180,7 @@
                 </a:r>
                 <a:r>
                   <a:rPr lang="zh-CN" altLang="en-US" dirty="0"/>
-                  <a:t>位的函数调用栈地址，但其符号含义是我们不能解析的</a:t>
+                  <a:t>位的函数调用栈地址，但其符号含义需要进一步解析</a:t>
                 </a:r>
               </a:p>
               <a:p>
@@ -9478,7 +9604,7 @@
             </p:txBody>
           </p:sp>
         </mc:Choice>
-        <mc:Fallback xmlns="">
+        <mc:Fallback>
           <p:sp>
             <p:nvSpPr>
               <p:cNvPr id="20" name="内容占位符 2">
@@ -9512,7 +9638,7 @@
               </a:ln>
               <a:extLst>
                 <a:ext uri="{C572A759-6A51-4108-AA02-DFA0A04FC94B}">
-                  <ma14:wrappingTextBoxFlag xmlns="" xmlns:m="http://schemas.openxmlformats.org/officeDocument/2006/math" xmlns:a14="http://schemas.microsoft.com/office/drawing/2010/main" xmlns:ma14="http://schemas.microsoft.com/office/mac/drawingml/2011/main" val="1"/>
+                  <ma14:wrappingTextBoxFlag xmlns="" xmlns:m="http://schemas.openxmlformats.org/officeDocument/2006/math" xmlns:ma14="http://schemas.microsoft.com/office/mac/drawingml/2011/main" xmlns:a14="http://schemas.microsoft.com/office/drawing/2010/main" val="1"/>
                 </a:ext>
               </a:extLst>
             </p:spPr>
@@ -10029,7 +10155,7 @@
           </a:ln>
           <a:extLst>
             <a:ext uri="{C572A759-6A51-4108-AA02-DFA0A04FC94B}">
-              <ma14:wrappingTextBoxFlag xmlns:ma14="http://schemas.microsoft.com/office/mac/drawingml/2011/main" xmlns:a14="http://schemas.microsoft.com/office/drawing/2010/main" xmlns:m="http://schemas.openxmlformats.org/officeDocument/2006/math" xmlns="" val="1"/>
+              <ma14:wrappingTextBoxFlag xmlns="" xmlns:m="http://schemas.openxmlformats.org/officeDocument/2006/math" xmlns:a14="http://schemas.microsoft.com/office/drawing/2010/main" xmlns:ma14="http://schemas.microsoft.com/office/mac/drawingml/2011/main" val="1"/>
             </a:ext>
           </a:extLst>
         </p:spPr>
@@ -10079,7 +10205,7 @@
               <a:t>：类似第一点的困难。</a:t>
             </a:r>
             <a:r>
-              <a:rPr lang="en-US" altLang="zh-CN" dirty="0" err="1"/>
+              <a:rPr lang="en-US" altLang="zh-CN" dirty="0"/>
               <a:t>eBPF</a:t>
             </a:r>
             <a:r>
@@ -10111,7 +10237,7 @@
             </a:r>
             <a:r>
               <a:rPr lang="zh-CN" altLang="en-US" dirty="0"/>
-              <a:t>都代表了该进程地址空间的一段，通过循环读取链表，我们可以从中读出所有映射到进程地址空间中的动态库。</a:t>
+              <a:t>都代表了该进程地址空间的一段，通过循环读取链表，我们可以从中读出映射到进程地址空间中的动态库。</a:t>
             </a:r>
             <a:endParaRPr lang="en-US" altLang="zh-CN" dirty="0"/>
           </a:p>
@@ -10677,6 +10803,1417 @@
           <a:chExt cx="0" cy="0"/>
         </a:xfrm>
       </p:grpSpPr>
+      <p:sp>
+        <p:nvSpPr>
+          <p:cNvPr id="17" name="文本框 16">
+            <a:extLst>
+              <a:ext uri="{FF2B5EF4-FFF2-40B4-BE49-F238E27FC236}">
+                <a16:creationId xmlns:a16="http://schemas.microsoft.com/office/drawing/2014/main" id="{6BD956D2-D434-4CA7-B3A8-5493AD9D2A26}"/>
+              </a:ext>
+            </a:extLst>
+          </p:cNvPr>
+          <p:cNvSpPr txBox="1"/>
+          <p:nvPr/>
+        </p:nvSpPr>
+        <p:spPr>
+          <a:xfrm>
+            <a:off x="833016" y="957054"/>
+            <a:ext cx="8063012" cy="523220"/>
+          </a:xfrm>
+          <a:prstGeom prst="rect">
+            <a:avLst/>
+          </a:prstGeom>
+          <a:noFill/>
+        </p:spPr>
+        <p:txBody>
+          <a:bodyPr wrap="square" rtlCol="0">
+            <a:spAutoFit/>
+          </a:bodyPr>
+          <a:lstStyle/>
+          <a:p>
+            <a:r>
+              <a:rPr lang="en-US" altLang="zh-CN" sz="2800" b="1" dirty="0">
+                <a:solidFill>
+                  <a:srgbClr val="740003"/>
+                </a:solidFill>
+                <a:latin typeface="微软雅黑" panose="020B0503020204020204" pitchFamily="34" charset="-122"/>
+                <a:ea typeface="微软雅黑" panose="020B0503020204020204" pitchFamily="34" charset="-122"/>
+              </a:rPr>
+              <a:t>3. </a:t>
+            </a:r>
+            <a:r>
+              <a:rPr lang="zh-CN" altLang="en-US" sz="2800" b="1" dirty="0">
+                <a:solidFill>
+                  <a:srgbClr val="740003"/>
+                </a:solidFill>
+                <a:latin typeface="微软雅黑" panose="020B0503020204020204" pitchFamily="34" charset="-122"/>
+                <a:ea typeface="微软雅黑" panose="020B0503020204020204" pitchFamily="34" charset="-122"/>
+              </a:rPr>
+              <a:t>遇到困难与解决办法</a:t>
+            </a:r>
+          </a:p>
+        </p:txBody>
+      </p:sp>
+      <p:sp>
+        <p:nvSpPr>
+          <p:cNvPr id="20" name="内容占位符 2">
+            <a:extLst>
+              <a:ext uri="{FF2B5EF4-FFF2-40B4-BE49-F238E27FC236}">
+                <a16:creationId xmlns:a16="http://schemas.microsoft.com/office/drawing/2014/main" id="{33181E80-71BF-6985-CBCA-94B946AA49F7}"/>
+              </a:ext>
+            </a:extLst>
+          </p:cNvPr>
+          <p:cNvSpPr txBox="1"/>
+          <p:nvPr/>
+        </p:nvSpPr>
+        <p:spPr>
+          <a:xfrm>
+            <a:off x="610448" y="1765148"/>
+            <a:ext cx="10824366" cy="3162404"/>
+          </a:xfrm>
+          <a:prstGeom prst="rect">
+            <a:avLst/>
+          </a:prstGeom>
+          <a:ln w="12700">
+            <a:miter lim="400000"/>
+          </a:ln>
+          <a:extLst>
+            <a:ext uri="{C572A759-6A51-4108-AA02-DFA0A04FC94B}">
+              <ma14:wrappingTextBoxFlag xmlns="" xmlns:m="http://schemas.openxmlformats.org/officeDocument/2006/math" xmlns:a14="http://schemas.microsoft.com/office/drawing/2010/main" xmlns:ma14="http://schemas.microsoft.com/office/mac/drawingml/2011/main" val="1"/>
+            </a:ext>
+          </a:extLst>
+        </p:spPr>
+        <p:txBody>
+          <a:bodyPr wrap="square" lIns="0" tIns="0" rIns="0" bIns="0">
+            <a:spAutoFit/>
+          </a:bodyPr>
+          <a:lstStyle/>
+          <a:p>
+            <a:pPr marL="452119" indent="-452119">
+              <a:spcBef>
+                <a:spcPts val="500"/>
+              </a:spcBef>
+              <a:buSzPct val="100000"/>
+              <a:buFontTx/>
+              <a:buChar char="❑"/>
+              <a:defRPr sz="2400" b="1">
+                <a:solidFill>
+                  <a:srgbClr val="181C69"/>
+                </a:solidFill>
+              </a:defRPr>
+            </a:pPr>
+            <a:r>
+              <a:rPr lang="zh-CN" altLang="en-US" dirty="0"/>
+              <a:t>无法得到用户函数名</a:t>
+            </a:r>
+          </a:p>
+          <a:p>
+            <a:pPr marL="828039" lvl="1" indent="-375919">
+              <a:spcBef>
+                <a:spcPts val="400"/>
+              </a:spcBef>
+              <a:buClr>
+                <a:srgbClr val="181C69"/>
+              </a:buClr>
+              <a:buSzPct val="100000"/>
+              <a:buFontTx/>
+              <a:buChar char="❑"/>
+              <a:defRPr sz="2000"/>
+            </a:pPr>
+            <a:r>
+              <a:rPr lang="zh-CN" altLang="en-US" b="1" dirty="0"/>
+              <a:t>问题</a:t>
+            </a:r>
+            <a:r>
+              <a:rPr lang="zh-CN" altLang="en-US" dirty="0"/>
+              <a:t>：类似第一点的困难。</a:t>
+            </a:r>
+            <a:r>
+              <a:rPr lang="en-US" altLang="zh-CN" dirty="0" err="1"/>
+              <a:t>eBPF</a:t>
+            </a:r>
+            <a:r>
+              <a:rPr lang="zh-CN" altLang="en-US" dirty="0"/>
+              <a:t>在挂载点读出的用户态调用栈也仅仅是</a:t>
+            </a:r>
+            <a:r>
+              <a:rPr lang="en-US" altLang="zh-CN" dirty="0"/>
+              <a:t>64</a:t>
+            </a:r>
+            <a:r>
+              <a:rPr lang="zh-CN" altLang="en-US" dirty="0"/>
+              <a:t>位的虚拟地址，需要进一步解析得到对应函数名，但是用户态没有现成的符号表。</a:t>
+            </a:r>
+            <a:endParaRPr lang="en-US" altLang="zh-CN" dirty="0"/>
+          </a:p>
+          <a:p>
+            <a:pPr marL="828039" lvl="1" indent="-375919">
+              <a:spcBef>
+                <a:spcPts val="400"/>
+              </a:spcBef>
+              <a:buClr>
+                <a:srgbClr val="181C69"/>
+              </a:buClr>
+              <a:buSzPct val="100000"/>
+              <a:buFontTx/>
+              <a:buChar char="❑"/>
+              <a:defRPr sz="2000"/>
+            </a:pPr>
+            <a:r>
+              <a:rPr lang="zh-CN" altLang="en-US" b="1" dirty="0"/>
+              <a:t>解决办法</a:t>
+            </a:r>
+            <a:r>
+              <a:rPr lang="zh-CN" altLang="en-US" dirty="0"/>
+              <a:t>：受</a:t>
+            </a:r>
+            <a:r>
+              <a:rPr lang="en-US" altLang="zh-CN" dirty="0"/>
+              <a:t>/proc/&lt;</a:t>
+            </a:r>
+            <a:r>
+              <a:rPr lang="en-US" altLang="zh-CN" dirty="0" err="1"/>
+              <a:t>pid</a:t>
+            </a:r>
+            <a:r>
+              <a:rPr lang="en-US" altLang="zh-CN" dirty="0"/>
+              <a:t>&gt;/maps</a:t>
+            </a:r>
+            <a:r>
+              <a:rPr lang="zh-CN" altLang="en-US" dirty="0"/>
+              <a:t>下实现机制的启发，我们通过读进程结构体</a:t>
+            </a:r>
+            <a:r>
+              <a:rPr lang="en-US" altLang="zh-CN" dirty="0" err="1"/>
+              <a:t>task_struct</a:t>
+            </a:r>
+            <a:r>
+              <a:rPr lang="en-US" altLang="zh-CN" dirty="0"/>
+              <a:t> </a:t>
+            </a:r>
+            <a:r>
+              <a:rPr lang="zh-CN" altLang="en-US" dirty="0"/>
+              <a:t>中的 </a:t>
+            </a:r>
+            <a:r>
+              <a:rPr lang="en-US" altLang="zh-CN" dirty="0" err="1"/>
+              <a:t>mm_struct</a:t>
+            </a:r>
+            <a:r>
+              <a:rPr lang="zh-CN" altLang="en-US" dirty="0"/>
+              <a:t>里面管理虚拟内存映射的链表</a:t>
+            </a:r>
+            <a:r>
+              <a:rPr lang="en-US" altLang="zh-CN" dirty="0" err="1"/>
+              <a:t>vm_area_struct</a:t>
+            </a:r>
+            <a:r>
+              <a:rPr lang="en-US" altLang="zh-CN" dirty="0"/>
+              <a:t>* </a:t>
+            </a:r>
+            <a:r>
+              <a:rPr lang="zh-CN" altLang="en-US" dirty="0"/>
+              <a:t>即</a:t>
+            </a:r>
+            <a:r>
+              <a:rPr lang="en-US" altLang="zh-CN" dirty="0"/>
+              <a:t>task-&gt;mm-&gt;</a:t>
+            </a:r>
+            <a:r>
+              <a:rPr lang="en-US" altLang="zh-CN" dirty="0" err="1"/>
+              <a:t>mmap</a:t>
+            </a:r>
+            <a:r>
+              <a:rPr lang="zh-CN" altLang="en-US" dirty="0"/>
+              <a:t>来读取进程每一段。</a:t>
+            </a:r>
+            <a:endParaRPr lang="en-US" altLang="zh-CN" dirty="0"/>
+          </a:p>
+          <a:p>
+            <a:pPr marL="828039" lvl="1" indent="-375919">
+              <a:spcBef>
+                <a:spcPts val="400"/>
+              </a:spcBef>
+              <a:buClr>
+                <a:srgbClr val="181C69"/>
+              </a:buClr>
+              <a:buSzPct val="100000"/>
+              <a:buFontTx/>
+              <a:buChar char="❑"/>
+              <a:defRPr sz="2000"/>
+            </a:pPr>
+            <a:endParaRPr lang="zh-CN" altLang="en-US" dirty="0"/>
+          </a:p>
+          <a:p>
+            <a:pPr marL="828039" lvl="1" indent="-375919">
+              <a:spcBef>
+                <a:spcPts val="400"/>
+              </a:spcBef>
+              <a:buClr>
+                <a:srgbClr val="181C69"/>
+              </a:buClr>
+              <a:buSzPct val="100000"/>
+              <a:buFontTx/>
+              <a:buChar char="❑"/>
+              <a:defRPr sz="2000"/>
+            </a:pPr>
+            <a:endParaRPr lang="en-US" altLang="zh-CN" dirty="0"/>
+          </a:p>
+          <a:p>
+            <a:pPr>
+              <a:spcBef>
+                <a:spcPts val="500"/>
+              </a:spcBef>
+              <a:buSzPct val="100000"/>
+              <a:defRPr sz="2400" b="1">
+                <a:solidFill>
+                  <a:srgbClr val="181C69"/>
+                </a:solidFill>
+              </a:defRPr>
+            </a:pPr>
+            <a:endParaRPr lang="zh-CN" altLang="en-US" dirty="0"/>
+          </a:p>
+        </p:txBody>
+      </p:sp>
+      <p:grpSp>
+        <p:nvGrpSpPr>
+          <p:cNvPr id="13" name="组合 12">
+            <a:extLst>
+              <a:ext uri="{FF2B5EF4-FFF2-40B4-BE49-F238E27FC236}">
+                <a16:creationId xmlns:a16="http://schemas.microsoft.com/office/drawing/2014/main" id="{C87CBD81-73D7-7DC5-781B-58680C3BE8A6}"/>
+              </a:ext>
+            </a:extLst>
+          </p:cNvPr>
+          <p:cNvGrpSpPr/>
+          <p:nvPr/>
+        </p:nvGrpSpPr>
+        <p:grpSpPr>
+          <a:xfrm>
+            <a:off x="-216816" y="135603"/>
+            <a:ext cx="12897712" cy="614851"/>
+            <a:chOff x="-216816" y="135603"/>
+            <a:chExt cx="12897712" cy="614851"/>
+          </a:xfrm>
+        </p:grpSpPr>
+        <p:grpSp>
+          <p:nvGrpSpPr>
+            <p:cNvPr id="16" name="组合 15">
+              <a:extLst>
+                <a:ext uri="{FF2B5EF4-FFF2-40B4-BE49-F238E27FC236}">
+                  <a16:creationId xmlns:a16="http://schemas.microsoft.com/office/drawing/2014/main" id="{F575EC82-FC14-4B87-E0BB-46B8A9702B57}"/>
+                </a:ext>
+              </a:extLst>
+            </p:cNvPr>
+            <p:cNvGrpSpPr/>
+            <p:nvPr/>
+          </p:nvGrpSpPr>
+          <p:grpSpPr>
+            <a:xfrm>
+              <a:off x="-216816" y="135603"/>
+              <a:ext cx="1407260" cy="523220"/>
+              <a:chOff x="-254000" y="172720"/>
+              <a:chExt cx="898070" cy="523220"/>
+            </a:xfrm>
+            <a:solidFill>
+              <a:srgbClr val="C00000"/>
+            </a:solidFill>
+          </p:grpSpPr>
+          <p:sp>
+            <p:nvSpPr>
+              <p:cNvPr id="26" name="圆角矩形 4">
+                <a:extLst>
+                  <a:ext uri="{FF2B5EF4-FFF2-40B4-BE49-F238E27FC236}">
+                    <a16:creationId xmlns:a16="http://schemas.microsoft.com/office/drawing/2014/main" id="{BB301030-0898-0128-011C-36264A839128}"/>
+                  </a:ext>
+                </a:extLst>
+              </p:cNvPr>
+              <p:cNvSpPr/>
+              <p:nvPr/>
+            </p:nvSpPr>
+            <p:spPr>
+              <a:xfrm>
+                <a:off x="-254000" y="227083"/>
+                <a:ext cx="898070" cy="439668"/>
+              </a:xfrm>
+              <a:prstGeom prst="roundRect">
+                <a:avLst>
+                  <a:gd name="adj" fmla="val 50000"/>
+                </a:avLst>
+              </a:prstGeom>
+              <a:solidFill>
+                <a:srgbClr val="204E72"/>
+              </a:solidFill>
+              <a:ln>
+                <a:noFill/>
+              </a:ln>
+            </p:spPr>
+            <p:style>
+              <a:lnRef idx="2">
+                <a:schemeClr val="accent1">
+                  <a:shade val="50000"/>
+                </a:schemeClr>
+              </a:lnRef>
+              <a:fillRef idx="1">
+                <a:schemeClr val="accent1"/>
+              </a:fillRef>
+              <a:effectRef idx="0">
+                <a:schemeClr val="accent1"/>
+              </a:effectRef>
+              <a:fontRef idx="minor">
+                <a:schemeClr val="lt1"/>
+              </a:fontRef>
+            </p:style>
+            <p:txBody>
+              <a:bodyPr rtlCol="0" anchor="ctr"/>
+              <a:lstStyle/>
+              <a:p>
+                <a:pPr algn="ctr"/>
+                <a:endParaRPr lang="zh-CN" altLang="en-US"/>
+              </a:p>
+            </p:txBody>
+          </p:sp>
+          <p:sp>
+            <p:nvSpPr>
+              <p:cNvPr id="27" name="文本框 26">
+                <a:extLst>
+                  <a:ext uri="{FF2B5EF4-FFF2-40B4-BE49-F238E27FC236}">
+                    <a16:creationId xmlns:a16="http://schemas.microsoft.com/office/drawing/2014/main" id="{E2949B94-3252-4E94-1598-2764335FEBB1}"/>
+                  </a:ext>
+                </a:extLst>
+              </p:cNvPr>
+              <p:cNvSpPr txBox="1"/>
+              <p:nvPr/>
+            </p:nvSpPr>
+            <p:spPr>
+              <a:xfrm>
+                <a:off x="-84461" y="172720"/>
+                <a:ext cx="716790" cy="523220"/>
+              </a:xfrm>
+              <a:prstGeom prst="rect">
+                <a:avLst/>
+              </a:prstGeom>
+              <a:noFill/>
+            </p:spPr>
+            <p:txBody>
+              <a:bodyPr wrap="square" rtlCol="0">
+                <a:spAutoFit/>
+              </a:bodyPr>
+              <a:lstStyle/>
+              <a:p>
+                <a:pPr algn="ctr"/>
+                <a:r>
+                  <a:rPr lang="zh-CN" altLang="en-US" sz="2800" b="1" dirty="0">
+                    <a:solidFill>
+                      <a:schemeClr val="bg1"/>
+                    </a:solidFill>
+                    <a:latin typeface="微软雅黑" panose="020B0503020204020204" pitchFamily="34" charset="-122"/>
+                    <a:ea typeface="微软雅黑" panose="020B0503020204020204" pitchFamily="34" charset="-122"/>
+                  </a:rPr>
+                  <a:t>二、</a:t>
+                </a:r>
+              </a:p>
+            </p:txBody>
+          </p:sp>
+        </p:grpSp>
+        <p:sp>
+          <p:nvSpPr>
+            <p:cNvPr id="19" name="文本框 18">
+              <a:extLst>
+                <a:ext uri="{FF2B5EF4-FFF2-40B4-BE49-F238E27FC236}">
+                  <a16:creationId xmlns:a16="http://schemas.microsoft.com/office/drawing/2014/main" id="{0E500DB9-18A5-8EDF-DC9D-B885074DB862}"/>
+                </a:ext>
+              </a:extLst>
+            </p:cNvPr>
+            <p:cNvSpPr txBox="1"/>
+            <p:nvPr/>
+          </p:nvSpPr>
+          <p:spPr>
+            <a:xfrm>
+              <a:off x="1355413" y="165683"/>
+              <a:ext cx="3057239" cy="584771"/>
+            </a:xfrm>
+            <a:prstGeom prst="rect">
+              <a:avLst/>
+            </a:prstGeom>
+            <a:noFill/>
+          </p:spPr>
+          <p:txBody>
+            <a:bodyPr wrap="none" lIns="91436" tIns="45718" rIns="91436" bIns="45718" rtlCol="0">
+              <a:spAutoFit/>
+            </a:bodyPr>
+            <a:lstStyle/>
+            <a:p>
+              <a:r>
+                <a:rPr lang="zh-CN" altLang="en-US" sz="3200" dirty="0">
+                  <a:solidFill>
+                    <a:schemeClr val="tx1">
+                      <a:lumMod val="65000"/>
+                      <a:lumOff val="35000"/>
+                    </a:schemeClr>
+                  </a:solidFill>
+                  <a:latin typeface="微软雅黑" panose="020B0503020204020204" pitchFamily="34" charset="-122"/>
+                  <a:ea typeface="微软雅黑" panose="020B0503020204020204" pitchFamily="34" charset="-122"/>
+                </a:rPr>
+                <a:t>项目设计与实现</a:t>
+              </a:r>
+            </a:p>
+          </p:txBody>
+        </p:sp>
+        <p:grpSp>
+          <p:nvGrpSpPr>
+            <p:cNvPr id="21" name="组合 20">
+              <a:extLst>
+                <a:ext uri="{FF2B5EF4-FFF2-40B4-BE49-F238E27FC236}">
+                  <a16:creationId xmlns:a16="http://schemas.microsoft.com/office/drawing/2014/main" id="{3B513A4D-C503-1932-8E9A-C54FA898826D}"/>
+                </a:ext>
+              </a:extLst>
+            </p:cNvPr>
+            <p:cNvGrpSpPr/>
+            <p:nvPr/>
+          </p:nvGrpSpPr>
+          <p:grpSpPr>
+            <a:xfrm>
+              <a:off x="4412651" y="217491"/>
+              <a:ext cx="8268245" cy="439541"/>
+              <a:chOff x="2584397" y="217491"/>
+              <a:chExt cx="10096500" cy="439541"/>
+            </a:xfrm>
+            <a:solidFill>
+              <a:srgbClr val="204E72"/>
+            </a:solidFill>
+          </p:grpSpPr>
+          <p:sp>
+            <p:nvSpPr>
+              <p:cNvPr id="24" name="圆角矩形 3">
+                <a:extLst>
+                  <a:ext uri="{FF2B5EF4-FFF2-40B4-BE49-F238E27FC236}">
+                    <a16:creationId xmlns:a16="http://schemas.microsoft.com/office/drawing/2014/main" id="{08E5F5EB-3378-A3EE-E9DD-EBE41C6240D1}"/>
+                  </a:ext>
+                </a:extLst>
+              </p:cNvPr>
+              <p:cNvSpPr/>
+              <p:nvPr/>
+            </p:nvSpPr>
+            <p:spPr>
+              <a:xfrm>
+                <a:off x="2584397" y="217491"/>
+                <a:ext cx="10083800" cy="328609"/>
+              </a:xfrm>
+              <a:prstGeom prst="roundRect">
+                <a:avLst>
+                  <a:gd name="adj" fmla="val 50000"/>
+                </a:avLst>
+              </a:prstGeom>
+              <a:grpFill/>
+              <a:ln>
+                <a:noFill/>
+              </a:ln>
+            </p:spPr>
+            <p:style>
+              <a:lnRef idx="2">
+                <a:schemeClr val="accent1">
+                  <a:shade val="50000"/>
+                </a:schemeClr>
+              </a:lnRef>
+              <a:fillRef idx="1">
+                <a:schemeClr val="accent1"/>
+              </a:fillRef>
+              <a:effectRef idx="0">
+                <a:schemeClr val="accent1"/>
+              </a:effectRef>
+              <a:fontRef idx="minor">
+                <a:schemeClr val="lt1"/>
+              </a:fontRef>
+            </p:style>
+            <p:txBody>
+              <a:bodyPr rtlCol="0" anchor="ctr"/>
+              <a:lstStyle/>
+              <a:p>
+                <a:pPr algn="ctr"/>
+                <a:endParaRPr lang="zh-CN" altLang="en-US"/>
+              </a:p>
+            </p:txBody>
+          </p:sp>
+          <p:sp>
+            <p:nvSpPr>
+              <p:cNvPr id="25" name="圆角矩形 7">
+                <a:extLst>
+                  <a:ext uri="{FF2B5EF4-FFF2-40B4-BE49-F238E27FC236}">
+                    <a16:creationId xmlns:a16="http://schemas.microsoft.com/office/drawing/2014/main" id="{E92A8FC3-9441-198D-2A22-2FA3CAEB09EA}"/>
+                  </a:ext>
+                </a:extLst>
+              </p:cNvPr>
+              <p:cNvSpPr/>
+              <p:nvPr/>
+            </p:nvSpPr>
+            <p:spPr>
+              <a:xfrm flipV="1">
+                <a:off x="2597097" y="621032"/>
+                <a:ext cx="10083800" cy="36000"/>
+              </a:xfrm>
+              <a:prstGeom prst="roundRect">
+                <a:avLst>
+                  <a:gd name="adj" fmla="val 50000"/>
+                </a:avLst>
+              </a:prstGeom>
+              <a:grpFill/>
+              <a:ln>
+                <a:noFill/>
+              </a:ln>
+            </p:spPr>
+            <p:style>
+              <a:lnRef idx="2">
+                <a:schemeClr val="accent1">
+                  <a:shade val="50000"/>
+                </a:schemeClr>
+              </a:lnRef>
+              <a:fillRef idx="1">
+                <a:schemeClr val="accent1"/>
+              </a:fillRef>
+              <a:effectRef idx="0">
+                <a:schemeClr val="accent1"/>
+              </a:effectRef>
+              <a:fontRef idx="minor">
+                <a:schemeClr val="lt1"/>
+              </a:fontRef>
+            </p:style>
+            <p:txBody>
+              <a:bodyPr rtlCol="0" anchor="ctr"/>
+              <a:lstStyle/>
+              <a:p>
+                <a:pPr algn="ctr"/>
+                <a:endParaRPr lang="zh-CN" altLang="en-US"/>
+              </a:p>
+            </p:txBody>
+          </p:sp>
+        </p:grpSp>
+        <p:pic>
+          <p:nvPicPr>
+            <p:cNvPr id="22" name="图片 21">
+              <a:extLst>
+                <a:ext uri="{FF2B5EF4-FFF2-40B4-BE49-F238E27FC236}">
+                  <a16:creationId xmlns:a16="http://schemas.microsoft.com/office/drawing/2014/main" id="{96BFF201-84E1-2814-BDDB-394A160D4617}"/>
+                </a:ext>
+              </a:extLst>
+            </p:cNvPr>
+            <p:cNvPicPr>
+              <a:picLocks noChangeAspect="1"/>
+            </p:cNvPicPr>
+            <p:nvPr/>
+          </p:nvPicPr>
+          <p:blipFill>
+            <a:blip r:embed="rId3" cstate="print">
+              <a:extLst>
+                <a:ext uri="{28A0092B-C50C-407E-A947-70E740481C1C}">
+                  <a14:useLocalDpi xmlns:a14="http://schemas.microsoft.com/office/drawing/2010/main" val="0"/>
+                </a:ext>
+              </a:extLst>
+            </a:blip>
+            <a:srcRect l="5863" r="5863"/>
+            <a:stretch/>
+          </p:blipFill>
+          <p:spPr>
+            <a:xfrm>
+              <a:off x="10743083" y="159405"/>
+              <a:ext cx="1264639" cy="444778"/>
+            </a:xfrm>
+            <a:prstGeom prst="rect">
+              <a:avLst/>
+            </a:prstGeom>
+          </p:spPr>
+        </p:pic>
+        <p:sp>
+          <p:nvSpPr>
+            <p:cNvPr id="23" name="矩形 22">
+              <a:extLst>
+                <a:ext uri="{FF2B5EF4-FFF2-40B4-BE49-F238E27FC236}">
+                  <a16:creationId xmlns:a16="http://schemas.microsoft.com/office/drawing/2014/main" id="{77E6AA4B-EE7B-6D6B-A9CB-D7254CDAAF82}"/>
+                </a:ext>
+              </a:extLst>
+            </p:cNvPr>
+            <p:cNvSpPr/>
+            <p:nvPr/>
+          </p:nvSpPr>
+          <p:spPr>
+            <a:xfrm>
+              <a:off x="4564786" y="251251"/>
+              <a:ext cx="2234899" cy="276995"/>
+            </a:xfrm>
+            <a:prstGeom prst="rect">
+              <a:avLst/>
+            </a:prstGeom>
+            <a:solidFill>
+              <a:srgbClr val="204E72"/>
+            </a:solidFill>
+          </p:spPr>
+          <p:txBody>
+            <a:bodyPr wrap="none" lIns="91436" tIns="45718" rIns="91436" bIns="45718">
+              <a:spAutoFit/>
+            </a:bodyPr>
+            <a:lstStyle/>
+            <a:p>
+              <a:pPr algn="ctr"/>
+              <a:r>
+                <a:rPr lang="en-US" altLang="zh-CN" sz="1200" dirty="0">
+                  <a:solidFill>
+                    <a:schemeClr val="bg1"/>
+                  </a:solidFill>
+                  <a:latin typeface="微软雅黑" panose="020B0503020204020204" pitchFamily="34" charset="-122"/>
+                  <a:ea typeface="微软雅黑" panose="020B0503020204020204" pitchFamily="34" charset="-122"/>
+                </a:rPr>
+                <a:t>Design and Implementation</a:t>
+              </a:r>
+            </a:p>
+          </p:txBody>
+        </p:sp>
+      </p:grpSp>
+    </p:spTree>
+    <p:extLst>
+      <p:ext uri="{BB962C8B-B14F-4D97-AF65-F5344CB8AC3E}">
+        <p14:creationId xmlns:p14="http://schemas.microsoft.com/office/powerpoint/2010/main" val="30163851"/>
+      </p:ext>
+    </p:extLst>
+  </p:cSld>
+  <p:clrMapOvr>
+    <a:masterClrMapping/>
+  </p:clrMapOvr>
+</p:sld>
+</file>
+
+<file path=ppt/slides/slide15.xml><?xml version="1.0" encoding="utf-8"?>
+<p:sld xmlns:a="http://schemas.openxmlformats.org/drawingml/2006/main" xmlns:r="http://schemas.openxmlformats.org/officeDocument/2006/relationships" xmlns:p="http://schemas.openxmlformats.org/presentationml/2006/main">
+  <p:cSld>
+    <p:spTree>
+      <p:nvGrpSpPr>
+        <p:cNvPr id="1" name=""/>
+        <p:cNvGrpSpPr/>
+        <p:nvPr/>
+      </p:nvGrpSpPr>
+      <p:grpSpPr>
+        <a:xfrm>
+          <a:off x="0" y="0"/>
+          <a:ext cx="0" cy="0"/>
+          <a:chOff x="0" y="0"/>
+          <a:chExt cx="0" cy="0"/>
+        </a:xfrm>
+      </p:grpSpPr>
+      <p:sp>
+        <p:nvSpPr>
+          <p:cNvPr id="17" name="文本框 16">
+            <a:extLst>
+              <a:ext uri="{FF2B5EF4-FFF2-40B4-BE49-F238E27FC236}">
+                <a16:creationId xmlns:a16="http://schemas.microsoft.com/office/drawing/2014/main" id="{6BD956D2-D434-4CA7-B3A8-5493AD9D2A26}"/>
+              </a:ext>
+            </a:extLst>
+          </p:cNvPr>
+          <p:cNvSpPr txBox="1"/>
+          <p:nvPr/>
+        </p:nvSpPr>
+        <p:spPr>
+          <a:xfrm>
+            <a:off x="833016" y="957054"/>
+            <a:ext cx="8063012" cy="523220"/>
+          </a:xfrm>
+          <a:prstGeom prst="rect">
+            <a:avLst/>
+          </a:prstGeom>
+          <a:noFill/>
+        </p:spPr>
+        <p:txBody>
+          <a:bodyPr wrap="square" rtlCol="0">
+            <a:spAutoFit/>
+          </a:bodyPr>
+          <a:lstStyle/>
+          <a:p>
+            <a:r>
+              <a:rPr lang="en-US" altLang="zh-CN" sz="2800" b="1" dirty="0">
+                <a:solidFill>
+                  <a:srgbClr val="740003"/>
+                </a:solidFill>
+                <a:latin typeface="微软雅黑" panose="020B0503020204020204" pitchFamily="34" charset="-122"/>
+                <a:ea typeface="微软雅黑" panose="020B0503020204020204" pitchFamily="34" charset="-122"/>
+              </a:rPr>
+              <a:t>3. </a:t>
+            </a:r>
+            <a:r>
+              <a:rPr lang="zh-CN" altLang="en-US" sz="2800" b="1" dirty="0">
+                <a:solidFill>
+                  <a:srgbClr val="740003"/>
+                </a:solidFill>
+                <a:latin typeface="微软雅黑" panose="020B0503020204020204" pitchFamily="34" charset="-122"/>
+                <a:ea typeface="微软雅黑" panose="020B0503020204020204" pitchFamily="34" charset="-122"/>
+              </a:rPr>
+              <a:t>遇到困难与解决办法</a:t>
+            </a:r>
+          </a:p>
+        </p:txBody>
+      </p:sp>
+      <p:sp>
+        <p:nvSpPr>
+          <p:cNvPr id="20" name="内容占位符 2">
+            <a:extLst>
+              <a:ext uri="{FF2B5EF4-FFF2-40B4-BE49-F238E27FC236}">
+                <a16:creationId xmlns:a16="http://schemas.microsoft.com/office/drawing/2014/main" id="{33181E80-71BF-6985-CBCA-94B946AA49F7}"/>
+              </a:ext>
+            </a:extLst>
+          </p:cNvPr>
+          <p:cNvSpPr txBox="1"/>
+          <p:nvPr/>
+        </p:nvSpPr>
+        <p:spPr>
+          <a:xfrm>
+            <a:off x="610448" y="1765148"/>
+            <a:ext cx="10824366" cy="4496103"/>
+          </a:xfrm>
+          <a:prstGeom prst="rect">
+            <a:avLst/>
+          </a:prstGeom>
+          <a:ln w="12700">
+            <a:miter lim="400000"/>
+          </a:ln>
+          <a:extLst>
+            <a:ext uri="{C572A759-6A51-4108-AA02-DFA0A04FC94B}">
+              <ma14:wrappingTextBoxFlag xmlns="" xmlns:m="http://schemas.openxmlformats.org/officeDocument/2006/math" xmlns:a14="http://schemas.microsoft.com/office/drawing/2010/main" xmlns:ma14="http://schemas.microsoft.com/office/mac/drawingml/2011/main" val="1"/>
+            </a:ext>
+          </a:extLst>
+        </p:spPr>
+        <p:txBody>
+          <a:bodyPr wrap="square" lIns="0" tIns="0" rIns="0" bIns="0">
+            <a:spAutoFit/>
+          </a:bodyPr>
+          <a:lstStyle/>
+          <a:p>
+            <a:pPr marL="452119" indent="-452119">
+              <a:spcBef>
+                <a:spcPts val="500"/>
+              </a:spcBef>
+              <a:buSzPct val="100000"/>
+              <a:buFontTx/>
+              <a:buChar char="❑"/>
+              <a:defRPr sz="2400" b="1">
+                <a:solidFill>
+                  <a:srgbClr val="181C69"/>
+                </a:solidFill>
+              </a:defRPr>
+            </a:pPr>
+            <a:r>
+              <a:rPr lang="en-US" altLang="zh-CN" dirty="0"/>
+              <a:t>eBPF</a:t>
+            </a:r>
+            <a:r>
+              <a:rPr lang="zh-CN" altLang="en-US" dirty="0"/>
+              <a:t>存在限制导致动态库读取不全</a:t>
+            </a:r>
+          </a:p>
+          <a:p>
+            <a:pPr marL="828039" lvl="1" indent="-375919">
+              <a:spcBef>
+                <a:spcPts val="400"/>
+              </a:spcBef>
+              <a:buClr>
+                <a:srgbClr val="181C69"/>
+              </a:buClr>
+              <a:buSzPct val="100000"/>
+              <a:buFontTx/>
+              <a:buChar char="❑"/>
+              <a:defRPr sz="2000"/>
+            </a:pPr>
+            <a:r>
+              <a:rPr lang="zh-CN" altLang="en-US" b="1" dirty="0"/>
+              <a:t>问题</a:t>
+            </a:r>
+            <a:r>
+              <a:rPr lang="zh-CN" altLang="en-US" dirty="0"/>
+              <a:t>：</a:t>
+            </a:r>
+            <a:r>
+              <a:rPr lang="en-US" altLang="zh-CN" dirty="0"/>
+              <a:t>eBPF</a:t>
+            </a:r>
+            <a:r>
+              <a:rPr lang="zh-CN" altLang="en-US" dirty="0"/>
+              <a:t>程序的最大指令数和加载</a:t>
+            </a:r>
+            <a:r>
+              <a:rPr lang="en-US" altLang="zh-CN" dirty="0"/>
+              <a:t>eBPF</a:t>
+            </a:r>
+            <a:r>
+              <a:rPr lang="zh-CN" altLang="en-US" dirty="0"/>
+              <a:t>程序时的</a:t>
+            </a:r>
+            <a:r>
+              <a:rPr lang="en-US" altLang="zh-CN" dirty="0"/>
+              <a:t>verifier</a:t>
+            </a:r>
+            <a:r>
+              <a:rPr lang="zh-CN" altLang="en-US" dirty="0"/>
+              <a:t>的本身性能问题限制了我们读取内存映射段链表的最大循环次数，导致动态库读取不全，进而影响用户调用栈的函数名解析。</a:t>
+            </a:r>
+            <a:endParaRPr lang="en-US" altLang="zh-CN" dirty="0"/>
+          </a:p>
+          <a:p>
+            <a:pPr marL="828039" lvl="1" indent="-375919">
+              <a:spcBef>
+                <a:spcPts val="400"/>
+              </a:spcBef>
+              <a:buClr>
+                <a:srgbClr val="181C69"/>
+              </a:buClr>
+              <a:buSzPct val="100000"/>
+              <a:buFontTx/>
+              <a:buChar char="❑"/>
+              <a:defRPr sz="2000"/>
+            </a:pPr>
+            <a:r>
+              <a:rPr lang="zh-CN" altLang="en-US" b="1" dirty="0"/>
+              <a:t>解决办法：</a:t>
+            </a:r>
+            <a:endParaRPr lang="en-US" altLang="zh-CN" b="1" dirty="0"/>
+          </a:p>
+          <a:p>
+            <a:pPr marL="1285239" lvl="2" indent="-375919">
+              <a:spcBef>
+                <a:spcPts val="400"/>
+              </a:spcBef>
+              <a:buClr>
+                <a:srgbClr val="181C69"/>
+              </a:buClr>
+              <a:buSzPct val="100000"/>
+              <a:buFontTx/>
+              <a:buChar char="❑"/>
+              <a:defRPr sz="2000"/>
+            </a:pPr>
+            <a:r>
+              <a:rPr lang="zh-CN" altLang="en-US" dirty="0"/>
+              <a:t>减少循环内分支数，进而减少</a:t>
+            </a:r>
+            <a:r>
+              <a:rPr lang="en-US" altLang="zh-CN" dirty="0"/>
+              <a:t>verifier</a:t>
+            </a:r>
+            <a:r>
+              <a:rPr lang="zh-CN" altLang="en-US" dirty="0"/>
+              <a:t>在验证程序时需要记录的状态数，从而可以支持更大的循环次数</a:t>
+            </a:r>
+            <a:r>
+              <a:rPr lang="zh-CN" altLang="en-US" b="1" dirty="0"/>
+              <a:t>。</a:t>
+            </a:r>
+            <a:endParaRPr lang="en-US" altLang="zh-CN" b="1" dirty="0"/>
+          </a:p>
+          <a:p>
+            <a:pPr marL="1285239" lvl="2" indent="-375919">
+              <a:spcBef>
+                <a:spcPts val="400"/>
+              </a:spcBef>
+              <a:buClr>
+                <a:srgbClr val="181C69"/>
+              </a:buClr>
+              <a:buSzPct val="100000"/>
+              <a:buFontTx/>
+              <a:buChar char="❑"/>
+              <a:defRPr sz="2000"/>
+            </a:pPr>
+            <a:r>
+              <a:rPr lang="zh-CN" altLang="en-US" dirty="0"/>
+              <a:t>简化循环内的读取数据的逻辑，保留一些关键的信息，使得每一层循环的指令数更少，总而支持更大循环次数。</a:t>
+            </a:r>
+            <a:endParaRPr lang="en-US" altLang="zh-CN" dirty="0"/>
+          </a:p>
+          <a:p>
+            <a:pPr marL="1285239" lvl="2" indent="-375919">
+              <a:spcBef>
+                <a:spcPts val="400"/>
+              </a:spcBef>
+              <a:buClr>
+                <a:srgbClr val="181C69"/>
+              </a:buClr>
+              <a:buSzPct val="100000"/>
+              <a:buFontTx/>
+              <a:buChar char="❑"/>
+              <a:defRPr sz="2000"/>
+            </a:pPr>
+            <a:r>
+              <a:rPr lang="zh-CN" altLang="en-US" dirty="0"/>
+              <a:t>把循环体内的读取数据代码逻辑划分成独立的数部份，各自分到一个</a:t>
+            </a:r>
+            <a:r>
+              <a:rPr lang="en-US" altLang="zh-CN" dirty="0"/>
+              <a:t>eBPF</a:t>
+            </a:r>
+            <a:r>
+              <a:rPr lang="zh-CN" altLang="en-US" dirty="0"/>
+              <a:t>程序形成数个循环，然后通过</a:t>
+            </a:r>
+            <a:r>
+              <a:rPr lang="en-US" altLang="zh-CN" dirty="0" err="1"/>
+              <a:t>bpf_tail_call</a:t>
+            </a:r>
+            <a:r>
+              <a:rPr lang="zh-CN" altLang="en-US" dirty="0"/>
+              <a:t>辅助函数按序跳转执行，达到突破</a:t>
+            </a:r>
+            <a:r>
+              <a:rPr lang="en-US" altLang="zh-CN" dirty="0"/>
+              <a:t>eBPF</a:t>
+            </a:r>
+            <a:r>
+              <a:rPr lang="zh-CN" altLang="en-US" dirty="0"/>
+              <a:t>指令限制的目的。</a:t>
+            </a:r>
+          </a:p>
+          <a:p>
+            <a:pPr marL="452120" lvl="1">
+              <a:spcBef>
+                <a:spcPts val="400"/>
+              </a:spcBef>
+              <a:buClr>
+                <a:srgbClr val="181C69"/>
+              </a:buClr>
+              <a:buSzPct val="100000"/>
+              <a:defRPr sz="2000"/>
+            </a:pPr>
+            <a:endParaRPr lang="en-US" altLang="zh-CN" dirty="0"/>
+          </a:p>
+          <a:p>
+            <a:pPr>
+              <a:spcBef>
+                <a:spcPts val="500"/>
+              </a:spcBef>
+              <a:buSzPct val="100000"/>
+              <a:defRPr sz="2400" b="1">
+                <a:solidFill>
+                  <a:srgbClr val="181C69"/>
+                </a:solidFill>
+              </a:defRPr>
+            </a:pPr>
+            <a:endParaRPr lang="zh-CN" altLang="en-US" dirty="0"/>
+          </a:p>
+        </p:txBody>
+      </p:sp>
+      <p:grpSp>
+        <p:nvGrpSpPr>
+          <p:cNvPr id="13" name="组合 12">
+            <a:extLst>
+              <a:ext uri="{FF2B5EF4-FFF2-40B4-BE49-F238E27FC236}">
+                <a16:creationId xmlns:a16="http://schemas.microsoft.com/office/drawing/2014/main" id="{C87CBD81-73D7-7DC5-781B-58680C3BE8A6}"/>
+              </a:ext>
+            </a:extLst>
+          </p:cNvPr>
+          <p:cNvGrpSpPr/>
+          <p:nvPr/>
+        </p:nvGrpSpPr>
+        <p:grpSpPr>
+          <a:xfrm>
+            <a:off x="-216816" y="135603"/>
+            <a:ext cx="12897712" cy="614851"/>
+            <a:chOff x="-216816" y="135603"/>
+            <a:chExt cx="12897712" cy="614851"/>
+          </a:xfrm>
+        </p:grpSpPr>
+        <p:grpSp>
+          <p:nvGrpSpPr>
+            <p:cNvPr id="16" name="组合 15">
+              <a:extLst>
+                <a:ext uri="{FF2B5EF4-FFF2-40B4-BE49-F238E27FC236}">
+                  <a16:creationId xmlns:a16="http://schemas.microsoft.com/office/drawing/2014/main" id="{F575EC82-FC14-4B87-E0BB-46B8A9702B57}"/>
+                </a:ext>
+              </a:extLst>
+            </p:cNvPr>
+            <p:cNvGrpSpPr/>
+            <p:nvPr/>
+          </p:nvGrpSpPr>
+          <p:grpSpPr>
+            <a:xfrm>
+              <a:off x="-216816" y="135603"/>
+              <a:ext cx="1407260" cy="523220"/>
+              <a:chOff x="-254000" y="172720"/>
+              <a:chExt cx="898070" cy="523220"/>
+            </a:xfrm>
+            <a:solidFill>
+              <a:srgbClr val="C00000"/>
+            </a:solidFill>
+          </p:grpSpPr>
+          <p:sp>
+            <p:nvSpPr>
+              <p:cNvPr id="26" name="圆角矩形 4">
+                <a:extLst>
+                  <a:ext uri="{FF2B5EF4-FFF2-40B4-BE49-F238E27FC236}">
+                    <a16:creationId xmlns:a16="http://schemas.microsoft.com/office/drawing/2014/main" id="{BB301030-0898-0128-011C-36264A839128}"/>
+                  </a:ext>
+                </a:extLst>
+              </p:cNvPr>
+              <p:cNvSpPr/>
+              <p:nvPr/>
+            </p:nvSpPr>
+            <p:spPr>
+              <a:xfrm>
+                <a:off x="-254000" y="227083"/>
+                <a:ext cx="898070" cy="439668"/>
+              </a:xfrm>
+              <a:prstGeom prst="roundRect">
+                <a:avLst>
+                  <a:gd name="adj" fmla="val 50000"/>
+                </a:avLst>
+              </a:prstGeom>
+              <a:solidFill>
+                <a:srgbClr val="204E72"/>
+              </a:solidFill>
+              <a:ln>
+                <a:noFill/>
+              </a:ln>
+            </p:spPr>
+            <p:style>
+              <a:lnRef idx="2">
+                <a:schemeClr val="accent1">
+                  <a:shade val="50000"/>
+                </a:schemeClr>
+              </a:lnRef>
+              <a:fillRef idx="1">
+                <a:schemeClr val="accent1"/>
+              </a:fillRef>
+              <a:effectRef idx="0">
+                <a:schemeClr val="accent1"/>
+              </a:effectRef>
+              <a:fontRef idx="minor">
+                <a:schemeClr val="lt1"/>
+              </a:fontRef>
+            </p:style>
+            <p:txBody>
+              <a:bodyPr rtlCol="0" anchor="ctr"/>
+              <a:lstStyle/>
+              <a:p>
+                <a:pPr algn="ctr"/>
+                <a:endParaRPr lang="zh-CN" altLang="en-US"/>
+              </a:p>
+            </p:txBody>
+          </p:sp>
+          <p:sp>
+            <p:nvSpPr>
+              <p:cNvPr id="27" name="文本框 26">
+                <a:extLst>
+                  <a:ext uri="{FF2B5EF4-FFF2-40B4-BE49-F238E27FC236}">
+                    <a16:creationId xmlns:a16="http://schemas.microsoft.com/office/drawing/2014/main" id="{E2949B94-3252-4E94-1598-2764335FEBB1}"/>
+                  </a:ext>
+                </a:extLst>
+              </p:cNvPr>
+              <p:cNvSpPr txBox="1"/>
+              <p:nvPr/>
+            </p:nvSpPr>
+            <p:spPr>
+              <a:xfrm>
+                <a:off x="-84461" y="172720"/>
+                <a:ext cx="716790" cy="523220"/>
+              </a:xfrm>
+              <a:prstGeom prst="rect">
+                <a:avLst/>
+              </a:prstGeom>
+              <a:noFill/>
+            </p:spPr>
+            <p:txBody>
+              <a:bodyPr wrap="square" rtlCol="0">
+                <a:spAutoFit/>
+              </a:bodyPr>
+              <a:lstStyle/>
+              <a:p>
+                <a:pPr algn="ctr"/>
+                <a:r>
+                  <a:rPr lang="zh-CN" altLang="en-US" sz="2800" b="1" dirty="0">
+                    <a:solidFill>
+                      <a:schemeClr val="bg1"/>
+                    </a:solidFill>
+                    <a:latin typeface="微软雅黑" panose="020B0503020204020204" pitchFamily="34" charset="-122"/>
+                    <a:ea typeface="微软雅黑" panose="020B0503020204020204" pitchFamily="34" charset="-122"/>
+                  </a:rPr>
+                  <a:t>二、</a:t>
+                </a:r>
+              </a:p>
+            </p:txBody>
+          </p:sp>
+        </p:grpSp>
+        <p:sp>
+          <p:nvSpPr>
+            <p:cNvPr id="19" name="文本框 18">
+              <a:extLst>
+                <a:ext uri="{FF2B5EF4-FFF2-40B4-BE49-F238E27FC236}">
+                  <a16:creationId xmlns:a16="http://schemas.microsoft.com/office/drawing/2014/main" id="{0E500DB9-18A5-8EDF-DC9D-B885074DB862}"/>
+                </a:ext>
+              </a:extLst>
+            </p:cNvPr>
+            <p:cNvSpPr txBox="1"/>
+            <p:nvPr/>
+          </p:nvSpPr>
+          <p:spPr>
+            <a:xfrm>
+              <a:off x="1355413" y="165683"/>
+              <a:ext cx="3057239" cy="584771"/>
+            </a:xfrm>
+            <a:prstGeom prst="rect">
+              <a:avLst/>
+            </a:prstGeom>
+            <a:noFill/>
+          </p:spPr>
+          <p:txBody>
+            <a:bodyPr wrap="none" lIns="91436" tIns="45718" rIns="91436" bIns="45718" rtlCol="0">
+              <a:spAutoFit/>
+            </a:bodyPr>
+            <a:lstStyle/>
+            <a:p>
+              <a:r>
+                <a:rPr lang="zh-CN" altLang="en-US" sz="3200" dirty="0">
+                  <a:solidFill>
+                    <a:schemeClr val="tx1">
+                      <a:lumMod val="65000"/>
+                      <a:lumOff val="35000"/>
+                    </a:schemeClr>
+                  </a:solidFill>
+                  <a:latin typeface="微软雅黑" panose="020B0503020204020204" pitchFamily="34" charset="-122"/>
+                  <a:ea typeface="微软雅黑" panose="020B0503020204020204" pitchFamily="34" charset="-122"/>
+                </a:rPr>
+                <a:t>项目设计与实现</a:t>
+              </a:r>
+            </a:p>
+          </p:txBody>
+        </p:sp>
+        <p:grpSp>
+          <p:nvGrpSpPr>
+            <p:cNvPr id="21" name="组合 20">
+              <a:extLst>
+                <a:ext uri="{FF2B5EF4-FFF2-40B4-BE49-F238E27FC236}">
+                  <a16:creationId xmlns:a16="http://schemas.microsoft.com/office/drawing/2014/main" id="{3B513A4D-C503-1932-8E9A-C54FA898826D}"/>
+                </a:ext>
+              </a:extLst>
+            </p:cNvPr>
+            <p:cNvGrpSpPr/>
+            <p:nvPr/>
+          </p:nvGrpSpPr>
+          <p:grpSpPr>
+            <a:xfrm>
+              <a:off x="4412651" y="217491"/>
+              <a:ext cx="8268245" cy="439541"/>
+              <a:chOff x="2584397" y="217491"/>
+              <a:chExt cx="10096500" cy="439541"/>
+            </a:xfrm>
+            <a:solidFill>
+              <a:srgbClr val="204E72"/>
+            </a:solidFill>
+          </p:grpSpPr>
+          <p:sp>
+            <p:nvSpPr>
+              <p:cNvPr id="24" name="圆角矩形 3">
+                <a:extLst>
+                  <a:ext uri="{FF2B5EF4-FFF2-40B4-BE49-F238E27FC236}">
+                    <a16:creationId xmlns:a16="http://schemas.microsoft.com/office/drawing/2014/main" id="{08E5F5EB-3378-A3EE-E9DD-EBE41C6240D1}"/>
+                  </a:ext>
+                </a:extLst>
+              </p:cNvPr>
+              <p:cNvSpPr/>
+              <p:nvPr/>
+            </p:nvSpPr>
+            <p:spPr>
+              <a:xfrm>
+                <a:off x="2584397" y="217491"/>
+                <a:ext cx="10083800" cy="328609"/>
+              </a:xfrm>
+              <a:prstGeom prst="roundRect">
+                <a:avLst>
+                  <a:gd name="adj" fmla="val 50000"/>
+                </a:avLst>
+              </a:prstGeom>
+              <a:grpFill/>
+              <a:ln>
+                <a:noFill/>
+              </a:ln>
+            </p:spPr>
+            <p:style>
+              <a:lnRef idx="2">
+                <a:schemeClr val="accent1">
+                  <a:shade val="50000"/>
+                </a:schemeClr>
+              </a:lnRef>
+              <a:fillRef idx="1">
+                <a:schemeClr val="accent1"/>
+              </a:fillRef>
+              <a:effectRef idx="0">
+                <a:schemeClr val="accent1"/>
+              </a:effectRef>
+              <a:fontRef idx="minor">
+                <a:schemeClr val="lt1"/>
+              </a:fontRef>
+            </p:style>
+            <p:txBody>
+              <a:bodyPr rtlCol="0" anchor="ctr"/>
+              <a:lstStyle/>
+              <a:p>
+                <a:pPr algn="ctr"/>
+                <a:endParaRPr lang="zh-CN" altLang="en-US"/>
+              </a:p>
+            </p:txBody>
+          </p:sp>
+          <p:sp>
+            <p:nvSpPr>
+              <p:cNvPr id="25" name="圆角矩形 7">
+                <a:extLst>
+                  <a:ext uri="{FF2B5EF4-FFF2-40B4-BE49-F238E27FC236}">
+                    <a16:creationId xmlns:a16="http://schemas.microsoft.com/office/drawing/2014/main" id="{E92A8FC3-9441-198D-2A22-2FA3CAEB09EA}"/>
+                  </a:ext>
+                </a:extLst>
+              </p:cNvPr>
+              <p:cNvSpPr/>
+              <p:nvPr/>
+            </p:nvSpPr>
+            <p:spPr>
+              <a:xfrm flipV="1">
+                <a:off x="2597097" y="621032"/>
+                <a:ext cx="10083800" cy="36000"/>
+              </a:xfrm>
+              <a:prstGeom prst="roundRect">
+                <a:avLst>
+                  <a:gd name="adj" fmla="val 50000"/>
+                </a:avLst>
+              </a:prstGeom>
+              <a:grpFill/>
+              <a:ln>
+                <a:noFill/>
+              </a:ln>
+            </p:spPr>
+            <p:style>
+              <a:lnRef idx="2">
+                <a:schemeClr val="accent1">
+                  <a:shade val="50000"/>
+                </a:schemeClr>
+              </a:lnRef>
+              <a:fillRef idx="1">
+                <a:schemeClr val="accent1"/>
+              </a:fillRef>
+              <a:effectRef idx="0">
+                <a:schemeClr val="accent1"/>
+              </a:effectRef>
+              <a:fontRef idx="minor">
+                <a:schemeClr val="lt1"/>
+              </a:fontRef>
+            </p:style>
+            <p:txBody>
+              <a:bodyPr rtlCol="0" anchor="ctr"/>
+              <a:lstStyle/>
+              <a:p>
+                <a:pPr algn="ctr"/>
+                <a:endParaRPr lang="zh-CN" altLang="en-US"/>
+              </a:p>
+            </p:txBody>
+          </p:sp>
+        </p:grpSp>
+        <p:pic>
+          <p:nvPicPr>
+            <p:cNvPr id="22" name="图片 21">
+              <a:extLst>
+                <a:ext uri="{FF2B5EF4-FFF2-40B4-BE49-F238E27FC236}">
+                  <a16:creationId xmlns:a16="http://schemas.microsoft.com/office/drawing/2014/main" id="{96BFF201-84E1-2814-BDDB-394A160D4617}"/>
+                </a:ext>
+              </a:extLst>
+            </p:cNvPr>
+            <p:cNvPicPr>
+              <a:picLocks noChangeAspect="1"/>
+            </p:cNvPicPr>
+            <p:nvPr/>
+          </p:nvPicPr>
+          <p:blipFill>
+            <a:blip r:embed="rId3" cstate="print">
+              <a:extLst>
+                <a:ext uri="{28A0092B-C50C-407E-A947-70E740481C1C}">
+                  <a14:useLocalDpi xmlns:a14="http://schemas.microsoft.com/office/drawing/2010/main" val="0"/>
+                </a:ext>
+              </a:extLst>
+            </a:blip>
+            <a:srcRect l="5863" r="5863"/>
+            <a:stretch/>
+          </p:blipFill>
+          <p:spPr>
+            <a:xfrm>
+              <a:off x="10743083" y="159405"/>
+              <a:ext cx="1264639" cy="444778"/>
+            </a:xfrm>
+            <a:prstGeom prst="rect">
+              <a:avLst/>
+            </a:prstGeom>
+          </p:spPr>
+        </p:pic>
+        <p:sp>
+          <p:nvSpPr>
+            <p:cNvPr id="23" name="矩形 22">
+              <a:extLst>
+                <a:ext uri="{FF2B5EF4-FFF2-40B4-BE49-F238E27FC236}">
+                  <a16:creationId xmlns:a16="http://schemas.microsoft.com/office/drawing/2014/main" id="{77E6AA4B-EE7B-6D6B-A9CB-D7254CDAAF82}"/>
+                </a:ext>
+              </a:extLst>
+            </p:cNvPr>
+            <p:cNvSpPr/>
+            <p:nvPr/>
+          </p:nvSpPr>
+          <p:spPr>
+            <a:xfrm>
+              <a:off x="4564786" y="251251"/>
+              <a:ext cx="2234899" cy="276995"/>
+            </a:xfrm>
+            <a:prstGeom prst="rect">
+              <a:avLst/>
+            </a:prstGeom>
+            <a:solidFill>
+              <a:srgbClr val="204E72"/>
+            </a:solidFill>
+          </p:spPr>
+          <p:txBody>
+            <a:bodyPr wrap="none" lIns="91436" tIns="45718" rIns="91436" bIns="45718">
+              <a:spAutoFit/>
+            </a:bodyPr>
+            <a:lstStyle/>
+            <a:p>
+              <a:pPr algn="ctr"/>
+              <a:r>
+                <a:rPr lang="en-US" altLang="zh-CN" sz="1200" dirty="0">
+                  <a:solidFill>
+                    <a:schemeClr val="bg1"/>
+                  </a:solidFill>
+                  <a:latin typeface="微软雅黑" panose="020B0503020204020204" pitchFamily="34" charset="-122"/>
+                  <a:ea typeface="微软雅黑" panose="020B0503020204020204" pitchFamily="34" charset="-122"/>
+                </a:rPr>
+                <a:t>Design and Implementation</a:t>
+              </a:r>
+            </a:p>
+          </p:txBody>
+        </p:sp>
+      </p:grpSp>
+    </p:spTree>
+    <p:extLst>
+      <p:ext uri="{BB962C8B-B14F-4D97-AF65-F5344CB8AC3E}">
+        <p14:creationId xmlns:p14="http://schemas.microsoft.com/office/powerpoint/2010/main" val="2531925751"/>
+      </p:ext>
+    </p:extLst>
+  </p:cSld>
+  <p:clrMapOvr>
+    <a:masterClrMapping/>
+  </p:clrMapOvr>
+</p:sld>
+</file>
+
+<file path=ppt/slides/slide16.xml><?xml version="1.0" encoding="utf-8"?>
+<p:sld xmlns:a="http://schemas.openxmlformats.org/drawingml/2006/main" xmlns:r="http://schemas.openxmlformats.org/officeDocument/2006/relationships" xmlns:p="http://schemas.openxmlformats.org/presentationml/2006/main">
+  <p:cSld>
+    <p:spTree>
+      <p:nvGrpSpPr>
+        <p:cNvPr id="1" name=""/>
+        <p:cNvGrpSpPr/>
+        <p:nvPr/>
+      </p:nvGrpSpPr>
+      <p:grpSpPr>
+        <a:xfrm>
+          <a:off x="0" y="0"/>
+          <a:ext cx="0" cy="0"/>
+          <a:chOff x="0" y="0"/>
+          <a:chExt cx="0" cy="0"/>
+        </a:xfrm>
+      </p:grpSpPr>
       <p:pic>
         <p:nvPicPr>
           <p:cNvPr id="88" name="图片 87">
@@ -10916,7 +12453,7 @@
               <a:pPr>
                 <a:defRPr/>
               </a:pPr>
-              <a:t>14</a:t>
+              <a:t>16</a:t>
             </a:fld>
             <a:endParaRPr lang="en-US" altLang="ko-KR">
               <a:latin typeface="Verdana" panose="020B0604030504040204" pitchFamily="34" charset="0"/>
@@ -14224,7 +15761,7 @@
 </p:sld>
 </file>
 
-<file path=ppt/slides/slide15.xml><?xml version="1.0" encoding="utf-8"?>
+<file path=ppt/slides/slide17.xml><?xml version="1.0" encoding="utf-8"?>
 <p:sld xmlns:a="http://schemas.openxmlformats.org/drawingml/2006/main" xmlns:r="http://schemas.openxmlformats.org/officeDocument/2006/relationships" xmlns:p="http://schemas.openxmlformats.org/presentationml/2006/main">
   <p:cSld>
     <p:spTree>
@@ -14771,7 +16308,7 @@
 </p:sld>
 </file>
 
-<file path=ppt/slides/slide16.xml><?xml version="1.0" encoding="utf-8"?>
+<file path=ppt/slides/slide18.xml><?xml version="1.0" encoding="utf-8"?>
 <p:sld xmlns:a="http://schemas.openxmlformats.org/drawingml/2006/main" xmlns:r="http://schemas.openxmlformats.org/officeDocument/2006/relationships" xmlns:p="http://schemas.openxmlformats.org/presentationml/2006/main">
   <p:cSld>
     <p:spTree>
@@ -15288,7 +16825,7 @@
 </p:sld>
 </file>
 
-<file path=ppt/slides/slide17.xml><?xml version="1.0" encoding="utf-8"?>
+<file path=ppt/slides/slide19.xml><?xml version="1.0" encoding="utf-8"?>
 <p:sld xmlns:a="http://schemas.openxmlformats.org/drawingml/2006/main" xmlns:r="http://schemas.openxmlformats.org/officeDocument/2006/relationships" xmlns:p="http://schemas.openxmlformats.org/presentationml/2006/main">
   <p:cSld>
     <p:spTree>
@@ -15790,1034 +17327,6 @@
     <p:extLst>
       <p:ext uri="{BB962C8B-B14F-4D97-AF65-F5344CB8AC3E}">
         <p14:creationId xmlns:p14="http://schemas.microsoft.com/office/powerpoint/2010/main" val="3396012642"/>
-      </p:ext>
-    </p:extLst>
-  </p:cSld>
-  <p:clrMapOvr>
-    <a:masterClrMapping/>
-  </p:clrMapOvr>
-</p:sld>
-</file>
-
-<file path=ppt/slides/slide18.xml><?xml version="1.0" encoding="utf-8"?>
-<p:sld xmlns:a="http://schemas.openxmlformats.org/drawingml/2006/main" xmlns:r="http://schemas.openxmlformats.org/officeDocument/2006/relationships" xmlns:p="http://schemas.openxmlformats.org/presentationml/2006/main">
-  <p:cSld>
-    <p:spTree>
-      <p:nvGrpSpPr>
-        <p:cNvPr id="1" name=""/>
-        <p:cNvGrpSpPr/>
-        <p:nvPr/>
-      </p:nvGrpSpPr>
-      <p:grpSpPr>
-        <a:xfrm>
-          <a:off x="0" y="0"/>
-          <a:ext cx="0" cy="0"/>
-          <a:chOff x="0" y="0"/>
-          <a:chExt cx="0" cy="0"/>
-        </a:xfrm>
-      </p:grpSpPr>
-      <p:sp>
-        <p:nvSpPr>
-          <p:cNvPr id="17" name="文本框 16">
-            <a:extLst>
-              <a:ext uri="{FF2B5EF4-FFF2-40B4-BE49-F238E27FC236}">
-                <a16:creationId xmlns:a16="http://schemas.microsoft.com/office/drawing/2014/main" id="{6BD956D2-D434-4CA7-B3A8-5493AD9D2A26}"/>
-              </a:ext>
-            </a:extLst>
-          </p:cNvPr>
-          <p:cNvSpPr txBox="1"/>
-          <p:nvPr/>
-        </p:nvSpPr>
-        <p:spPr>
-          <a:xfrm>
-            <a:off x="833016" y="957054"/>
-            <a:ext cx="8063012" cy="523220"/>
-          </a:xfrm>
-          <a:prstGeom prst="rect">
-            <a:avLst/>
-          </a:prstGeom>
-          <a:noFill/>
-        </p:spPr>
-        <p:txBody>
-          <a:bodyPr wrap="square" rtlCol="0">
-            <a:spAutoFit/>
-          </a:bodyPr>
-          <a:lstStyle/>
-          <a:p>
-            <a:r>
-              <a:rPr lang="zh-CN" altLang="en-US" sz="2800" b="1" dirty="0">
-                <a:solidFill>
-                  <a:srgbClr val="740003"/>
-                </a:solidFill>
-                <a:latin typeface="微软雅黑" panose="020B0503020204020204" pitchFamily="34" charset="-122"/>
-                <a:ea typeface="微软雅黑" panose="020B0503020204020204" pitchFamily="34" charset="-122"/>
-              </a:rPr>
-              <a:t>结果展现</a:t>
-            </a:r>
-            <a:r>
-              <a:rPr lang="en-US" altLang="zh-CN" sz="2800" b="1" dirty="0">
-                <a:solidFill>
-                  <a:srgbClr val="740003"/>
-                </a:solidFill>
-                <a:latin typeface="微软雅黑" panose="020B0503020204020204" pitchFamily="34" charset="-122"/>
-                <a:ea typeface="微软雅黑" panose="020B0503020204020204" pitchFamily="34" charset="-122"/>
-              </a:rPr>
-              <a:t>——</a:t>
-            </a:r>
-            <a:r>
-              <a:rPr lang="zh-CN" altLang="en-US" sz="2800" b="1" dirty="0">
-                <a:solidFill>
-                  <a:srgbClr val="740003"/>
-                </a:solidFill>
-                <a:latin typeface="微软雅黑" panose="020B0503020204020204" pitchFamily="34" charset="-122"/>
-                <a:ea typeface="微软雅黑" panose="020B0503020204020204" pitchFamily="34" charset="-122"/>
-              </a:rPr>
-              <a:t>多线程崩溃</a:t>
-            </a:r>
-          </a:p>
-        </p:txBody>
-      </p:sp>
-      <p:grpSp>
-        <p:nvGrpSpPr>
-          <p:cNvPr id="14" name="组合 13">
-            <a:extLst>
-              <a:ext uri="{FF2B5EF4-FFF2-40B4-BE49-F238E27FC236}">
-                <a16:creationId xmlns:a16="http://schemas.microsoft.com/office/drawing/2014/main" id="{013AE987-BB6E-6150-FACF-97D279765600}"/>
-              </a:ext>
-            </a:extLst>
-          </p:cNvPr>
-          <p:cNvGrpSpPr/>
-          <p:nvPr/>
-        </p:nvGrpSpPr>
-        <p:grpSpPr>
-          <a:xfrm>
-            <a:off x="-216816" y="135603"/>
-            <a:ext cx="12897712" cy="614851"/>
-            <a:chOff x="-216816" y="135603"/>
-            <a:chExt cx="12897712" cy="614851"/>
-          </a:xfrm>
-        </p:grpSpPr>
-        <p:grpSp>
-          <p:nvGrpSpPr>
-            <p:cNvPr id="15" name="组合 14">
-              <a:extLst>
-                <a:ext uri="{FF2B5EF4-FFF2-40B4-BE49-F238E27FC236}">
-                  <a16:creationId xmlns:a16="http://schemas.microsoft.com/office/drawing/2014/main" id="{AD343CE6-3401-F42F-5FB7-9E27EB8D2188}"/>
-                </a:ext>
-              </a:extLst>
-            </p:cNvPr>
-            <p:cNvGrpSpPr/>
-            <p:nvPr/>
-          </p:nvGrpSpPr>
-          <p:grpSpPr>
-            <a:xfrm>
-              <a:off x="-216816" y="135603"/>
-              <a:ext cx="1407260" cy="523220"/>
-              <a:chOff x="-254000" y="172720"/>
-              <a:chExt cx="898070" cy="523220"/>
-            </a:xfrm>
-            <a:solidFill>
-              <a:srgbClr val="C00000"/>
-            </a:solidFill>
-          </p:grpSpPr>
-          <p:sp>
-            <p:nvSpPr>
-              <p:cNvPr id="33" name="圆角矩形 4">
-                <a:extLst>
-                  <a:ext uri="{FF2B5EF4-FFF2-40B4-BE49-F238E27FC236}">
-                    <a16:creationId xmlns:a16="http://schemas.microsoft.com/office/drawing/2014/main" id="{F479731E-C8B4-3BAB-00DC-E61D8DBD8331}"/>
-                  </a:ext>
-                </a:extLst>
-              </p:cNvPr>
-              <p:cNvSpPr/>
-              <p:nvPr/>
-            </p:nvSpPr>
-            <p:spPr>
-              <a:xfrm>
-                <a:off x="-254000" y="227083"/>
-                <a:ext cx="898070" cy="439668"/>
-              </a:xfrm>
-              <a:prstGeom prst="roundRect">
-                <a:avLst>
-                  <a:gd name="adj" fmla="val 50000"/>
-                </a:avLst>
-              </a:prstGeom>
-              <a:solidFill>
-                <a:srgbClr val="204E72"/>
-              </a:solidFill>
-              <a:ln>
-                <a:noFill/>
-              </a:ln>
-            </p:spPr>
-            <p:style>
-              <a:lnRef idx="2">
-                <a:schemeClr val="accent1">
-                  <a:shade val="50000"/>
-                </a:schemeClr>
-              </a:lnRef>
-              <a:fillRef idx="1">
-                <a:schemeClr val="accent1"/>
-              </a:fillRef>
-              <a:effectRef idx="0">
-                <a:schemeClr val="accent1"/>
-              </a:effectRef>
-              <a:fontRef idx="minor">
-                <a:schemeClr val="lt1"/>
-              </a:fontRef>
-            </p:style>
-            <p:txBody>
-              <a:bodyPr rtlCol="0" anchor="ctr"/>
-              <a:lstStyle/>
-              <a:p>
-                <a:pPr algn="ctr"/>
-                <a:endParaRPr lang="zh-CN" altLang="en-US"/>
-              </a:p>
-            </p:txBody>
-          </p:sp>
-          <p:sp>
-            <p:nvSpPr>
-              <p:cNvPr id="34" name="文本框 33">
-                <a:extLst>
-                  <a:ext uri="{FF2B5EF4-FFF2-40B4-BE49-F238E27FC236}">
-                    <a16:creationId xmlns:a16="http://schemas.microsoft.com/office/drawing/2014/main" id="{5C53EBD8-B7F3-1439-FD4B-72E5D63D06E7}"/>
-                  </a:ext>
-                </a:extLst>
-              </p:cNvPr>
-              <p:cNvSpPr txBox="1"/>
-              <p:nvPr/>
-            </p:nvSpPr>
-            <p:spPr>
-              <a:xfrm>
-                <a:off x="-84461" y="172720"/>
-                <a:ext cx="716790" cy="523220"/>
-              </a:xfrm>
-              <a:prstGeom prst="rect">
-                <a:avLst/>
-              </a:prstGeom>
-              <a:noFill/>
-            </p:spPr>
-            <p:txBody>
-              <a:bodyPr wrap="square" rtlCol="0">
-                <a:spAutoFit/>
-              </a:bodyPr>
-              <a:lstStyle/>
-              <a:p>
-                <a:pPr algn="r"/>
-                <a:r>
-                  <a:rPr lang="zh-CN" altLang="en-US" sz="2800" b="1" dirty="0">
-                    <a:solidFill>
-                      <a:schemeClr val="bg1"/>
-                    </a:solidFill>
-                    <a:latin typeface="微软雅黑" panose="020B0503020204020204" pitchFamily="34" charset="-122"/>
-                    <a:ea typeface="微软雅黑" panose="020B0503020204020204" pitchFamily="34" charset="-122"/>
-                  </a:rPr>
-                  <a:t>三、</a:t>
-                </a:r>
-              </a:p>
-            </p:txBody>
-          </p:sp>
-        </p:grpSp>
-        <p:sp>
-          <p:nvSpPr>
-            <p:cNvPr id="18" name="文本框 17">
-              <a:extLst>
-                <a:ext uri="{FF2B5EF4-FFF2-40B4-BE49-F238E27FC236}">
-                  <a16:creationId xmlns:a16="http://schemas.microsoft.com/office/drawing/2014/main" id="{D19EF854-9942-A952-6172-B22B25FEE3B9}"/>
-                </a:ext>
-              </a:extLst>
-            </p:cNvPr>
-            <p:cNvSpPr txBox="1"/>
-            <p:nvPr/>
-          </p:nvSpPr>
-          <p:spPr>
-            <a:xfrm>
-              <a:off x="1355413" y="165683"/>
-              <a:ext cx="3057239" cy="584771"/>
-            </a:xfrm>
-            <a:prstGeom prst="rect">
-              <a:avLst/>
-            </a:prstGeom>
-            <a:noFill/>
-          </p:spPr>
-          <p:txBody>
-            <a:bodyPr wrap="none" lIns="91436" tIns="45718" rIns="91436" bIns="45718" rtlCol="0">
-              <a:spAutoFit/>
-            </a:bodyPr>
-            <a:lstStyle/>
-            <a:p>
-              <a:r>
-                <a:rPr lang="zh-CN" altLang="en-US" sz="3200" dirty="0">
-                  <a:solidFill>
-                    <a:schemeClr val="tx1">
-                      <a:lumMod val="65000"/>
-                      <a:lumOff val="35000"/>
-                    </a:schemeClr>
-                  </a:solidFill>
-                  <a:latin typeface="微软雅黑" panose="020B0503020204020204" pitchFamily="34" charset="-122"/>
-                  <a:ea typeface="微软雅黑" panose="020B0503020204020204" pitchFamily="34" charset="-122"/>
-                </a:rPr>
-                <a:t>效果展现与创新</a:t>
-              </a:r>
-            </a:p>
-          </p:txBody>
-        </p:sp>
-        <p:grpSp>
-          <p:nvGrpSpPr>
-            <p:cNvPr id="28" name="组合 27">
-              <a:extLst>
-                <a:ext uri="{FF2B5EF4-FFF2-40B4-BE49-F238E27FC236}">
-                  <a16:creationId xmlns:a16="http://schemas.microsoft.com/office/drawing/2014/main" id="{036A065F-D4A0-CD82-177B-EF17AE64D141}"/>
-                </a:ext>
-              </a:extLst>
-            </p:cNvPr>
-            <p:cNvGrpSpPr/>
-            <p:nvPr/>
-          </p:nvGrpSpPr>
-          <p:grpSpPr>
-            <a:xfrm>
-              <a:off x="4459900" y="217491"/>
-              <a:ext cx="8220996" cy="439541"/>
-              <a:chOff x="2584397" y="217491"/>
-              <a:chExt cx="10096500" cy="439541"/>
-            </a:xfrm>
-            <a:solidFill>
-              <a:srgbClr val="204E72"/>
-            </a:solidFill>
-          </p:grpSpPr>
-          <p:sp>
-            <p:nvSpPr>
-              <p:cNvPr id="30" name="圆角矩形 3">
-                <a:extLst>
-                  <a:ext uri="{FF2B5EF4-FFF2-40B4-BE49-F238E27FC236}">
-                    <a16:creationId xmlns:a16="http://schemas.microsoft.com/office/drawing/2014/main" id="{C32CA8D3-0380-3D05-299C-9CED4AED7EEB}"/>
-                  </a:ext>
-                </a:extLst>
-              </p:cNvPr>
-              <p:cNvSpPr/>
-              <p:nvPr/>
-            </p:nvSpPr>
-            <p:spPr>
-              <a:xfrm>
-                <a:off x="2584397" y="217491"/>
-                <a:ext cx="10083800" cy="328609"/>
-              </a:xfrm>
-              <a:prstGeom prst="roundRect">
-                <a:avLst>
-                  <a:gd name="adj" fmla="val 50000"/>
-                </a:avLst>
-              </a:prstGeom>
-              <a:grpFill/>
-              <a:ln>
-                <a:noFill/>
-              </a:ln>
-            </p:spPr>
-            <p:style>
-              <a:lnRef idx="2">
-                <a:schemeClr val="accent1">
-                  <a:shade val="50000"/>
-                </a:schemeClr>
-              </a:lnRef>
-              <a:fillRef idx="1">
-                <a:schemeClr val="accent1"/>
-              </a:fillRef>
-              <a:effectRef idx="0">
-                <a:schemeClr val="accent1"/>
-              </a:effectRef>
-              <a:fontRef idx="minor">
-                <a:schemeClr val="lt1"/>
-              </a:fontRef>
-            </p:style>
-            <p:txBody>
-              <a:bodyPr rtlCol="0" anchor="ctr"/>
-              <a:lstStyle/>
-              <a:p>
-                <a:pPr algn="ctr"/>
-                <a:endParaRPr lang="zh-CN" altLang="en-US"/>
-              </a:p>
-            </p:txBody>
-          </p:sp>
-          <p:sp>
-            <p:nvSpPr>
-              <p:cNvPr id="31" name="圆角矩形 7">
-                <a:extLst>
-                  <a:ext uri="{FF2B5EF4-FFF2-40B4-BE49-F238E27FC236}">
-                    <a16:creationId xmlns:a16="http://schemas.microsoft.com/office/drawing/2014/main" id="{8BE56C90-5CFE-220B-E0BF-77DA34F16C85}"/>
-                  </a:ext>
-                </a:extLst>
-              </p:cNvPr>
-              <p:cNvSpPr/>
-              <p:nvPr/>
-            </p:nvSpPr>
-            <p:spPr>
-              <a:xfrm flipV="1">
-                <a:off x="2597097" y="621032"/>
-                <a:ext cx="10083800" cy="36000"/>
-              </a:xfrm>
-              <a:prstGeom prst="roundRect">
-                <a:avLst>
-                  <a:gd name="adj" fmla="val 50000"/>
-                </a:avLst>
-              </a:prstGeom>
-              <a:grpFill/>
-              <a:ln>
-                <a:noFill/>
-              </a:ln>
-            </p:spPr>
-            <p:style>
-              <a:lnRef idx="2">
-                <a:schemeClr val="accent1">
-                  <a:shade val="50000"/>
-                </a:schemeClr>
-              </a:lnRef>
-              <a:fillRef idx="1">
-                <a:schemeClr val="accent1"/>
-              </a:fillRef>
-              <a:effectRef idx="0">
-                <a:schemeClr val="accent1"/>
-              </a:effectRef>
-              <a:fontRef idx="minor">
-                <a:schemeClr val="lt1"/>
-              </a:fontRef>
-            </p:style>
-            <p:txBody>
-              <a:bodyPr rtlCol="0" anchor="ctr"/>
-              <a:lstStyle/>
-              <a:p>
-                <a:pPr algn="ctr"/>
-                <a:endParaRPr lang="zh-CN" altLang="en-US"/>
-              </a:p>
-            </p:txBody>
-          </p:sp>
-          <p:sp>
-            <p:nvSpPr>
-              <p:cNvPr id="32" name="矩形 31">
-                <a:extLst>
-                  <a:ext uri="{FF2B5EF4-FFF2-40B4-BE49-F238E27FC236}">
-                    <a16:creationId xmlns:a16="http://schemas.microsoft.com/office/drawing/2014/main" id="{7DA367D9-F4FA-8212-D44B-407C0F8718B0}"/>
-                  </a:ext>
-                </a:extLst>
-              </p:cNvPr>
-              <p:cNvSpPr/>
-              <p:nvPr/>
-            </p:nvSpPr>
-            <p:spPr>
-              <a:xfrm>
-                <a:off x="2829573" y="243296"/>
-                <a:ext cx="2191947" cy="276995"/>
-              </a:xfrm>
-              <a:prstGeom prst="rect">
-                <a:avLst/>
-              </a:prstGeom>
-              <a:grpFill/>
-            </p:spPr>
-            <p:txBody>
-              <a:bodyPr wrap="none" lIns="91436" tIns="45718" rIns="91436" bIns="45718">
-                <a:spAutoFit/>
-              </a:bodyPr>
-              <a:lstStyle/>
-              <a:p>
-                <a:pPr algn="ctr"/>
-                <a:r>
-                  <a:rPr lang="en-US" altLang="zh-CN" sz="1200" dirty="0">
-                    <a:solidFill>
-                      <a:schemeClr val="bg1"/>
-                    </a:solidFill>
-                    <a:latin typeface="微软雅黑" panose="020B0503020204020204" pitchFamily="34" charset="-122"/>
-                    <a:ea typeface="微软雅黑" panose="020B0503020204020204" pitchFamily="34" charset="-122"/>
-                  </a:rPr>
-                  <a:t>Result and Innovation</a:t>
-                </a:r>
-              </a:p>
-            </p:txBody>
-          </p:sp>
-        </p:grpSp>
-        <p:pic>
-          <p:nvPicPr>
-            <p:cNvPr id="29" name="图片 28">
-              <a:extLst>
-                <a:ext uri="{FF2B5EF4-FFF2-40B4-BE49-F238E27FC236}">
-                  <a16:creationId xmlns:a16="http://schemas.microsoft.com/office/drawing/2014/main" id="{8CF7AE85-BBE0-A6AF-EB62-00E8C61B4CD3}"/>
-                </a:ext>
-              </a:extLst>
-            </p:cNvPr>
-            <p:cNvPicPr>
-              <a:picLocks noChangeAspect="1"/>
-            </p:cNvPicPr>
-            <p:nvPr/>
-          </p:nvPicPr>
-          <p:blipFill>
-            <a:blip r:embed="rId3" cstate="print">
-              <a:extLst>
-                <a:ext uri="{28A0092B-C50C-407E-A947-70E740481C1C}">
-                  <a14:useLocalDpi xmlns:a14="http://schemas.microsoft.com/office/drawing/2010/main" val="0"/>
-                </a:ext>
-              </a:extLst>
-            </a:blip>
-            <a:srcRect l="5863" r="5863"/>
-            <a:stretch/>
-          </p:blipFill>
-          <p:spPr>
-            <a:xfrm>
-              <a:off x="10743083" y="159405"/>
-              <a:ext cx="1264639" cy="444778"/>
-            </a:xfrm>
-            <a:prstGeom prst="rect">
-              <a:avLst/>
-            </a:prstGeom>
-          </p:spPr>
-        </p:pic>
-      </p:grpSp>
-      <p:pic>
-        <p:nvPicPr>
-          <p:cNvPr id="3" name="图片 2">
-            <a:extLst>
-              <a:ext uri="{FF2B5EF4-FFF2-40B4-BE49-F238E27FC236}">
-                <a16:creationId xmlns:a16="http://schemas.microsoft.com/office/drawing/2014/main" id="{7C195EE1-35CE-4121-8CEC-9F970D34821A}"/>
-              </a:ext>
-            </a:extLst>
-          </p:cNvPr>
-          <p:cNvPicPr>
-            <a:picLocks noChangeAspect="1"/>
-          </p:cNvPicPr>
-          <p:nvPr/>
-        </p:nvPicPr>
-        <p:blipFill>
-          <a:blip r:embed="rId4" cstate="print">
-            <a:extLst>
-              <a:ext uri="{28A0092B-C50C-407E-A947-70E740481C1C}">
-                <a14:useLocalDpi xmlns:a14="http://schemas.microsoft.com/office/drawing/2010/main" val="0"/>
-              </a:ext>
-            </a:extLst>
-          </a:blip>
-          <a:stretch>
-            <a:fillRect/>
-          </a:stretch>
-        </p:blipFill>
-        <p:spPr>
-          <a:xfrm>
-            <a:off x="2147913" y="1567543"/>
-            <a:ext cx="8177646" cy="4953158"/>
-          </a:xfrm>
-          <a:prstGeom prst="rect">
-            <a:avLst/>
-          </a:prstGeom>
-        </p:spPr>
-      </p:pic>
-    </p:spTree>
-    <p:extLst>
-      <p:ext uri="{BB962C8B-B14F-4D97-AF65-F5344CB8AC3E}">
-        <p14:creationId xmlns:p14="http://schemas.microsoft.com/office/powerpoint/2010/main" val="210975100"/>
-      </p:ext>
-    </p:extLst>
-  </p:cSld>
-  <p:clrMapOvr>
-    <a:masterClrMapping/>
-  </p:clrMapOvr>
-</p:sld>
-</file>
-
-<file path=ppt/slides/slide19.xml><?xml version="1.0" encoding="utf-8"?>
-<p:sld xmlns:a="http://schemas.openxmlformats.org/drawingml/2006/main" xmlns:r="http://schemas.openxmlformats.org/officeDocument/2006/relationships" xmlns:p="http://schemas.openxmlformats.org/presentationml/2006/main">
-  <p:cSld>
-    <p:spTree>
-      <p:nvGrpSpPr>
-        <p:cNvPr id="1" name=""/>
-        <p:cNvGrpSpPr/>
-        <p:nvPr/>
-      </p:nvGrpSpPr>
-      <p:grpSpPr>
-        <a:xfrm>
-          <a:off x="0" y="0"/>
-          <a:ext cx="0" cy="0"/>
-          <a:chOff x="0" y="0"/>
-          <a:chExt cx="0" cy="0"/>
-        </a:xfrm>
-      </p:grpSpPr>
-      <p:sp>
-        <p:nvSpPr>
-          <p:cNvPr id="17" name="文本框 16">
-            <a:extLst>
-              <a:ext uri="{FF2B5EF4-FFF2-40B4-BE49-F238E27FC236}">
-                <a16:creationId xmlns:a16="http://schemas.microsoft.com/office/drawing/2014/main" id="{6BD956D2-D434-4CA7-B3A8-5493AD9D2A26}"/>
-              </a:ext>
-            </a:extLst>
-          </p:cNvPr>
-          <p:cNvSpPr txBox="1"/>
-          <p:nvPr/>
-        </p:nvSpPr>
-        <p:spPr>
-          <a:xfrm>
-            <a:off x="833016" y="957054"/>
-            <a:ext cx="8063012" cy="523220"/>
-          </a:xfrm>
-          <a:prstGeom prst="rect">
-            <a:avLst/>
-          </a:prstGeom>
-          <a:noFill/>
-        </p:spPr>
-        <p:txBody>
-          <a:bodyPr wrap="square" rtlCol="0">
-            <a:spAutoFit/>
-          </a:bodyPr>
-          <a:lstStyle/>
-          <a:p>
-            <a:r>
-              <a:rPr lang="zh-CN" altLang="en-US" sz="2800" b="1" dirty="0">
-                <a:solidFill>
-                  <a:srgbClr val="740003"/>
-                </a:solidFill>
-                <a:latin typeface="微软雅黑" panose="020B0503020204020204" pitchFamily="34" charset="-122"/>
-                <a:ea typeface="微软雅黑" panose="020B0503020204020204" pitchFamily="34" charset="-122"/>
-              </a:rPr>
-              <a:t>结果展现</a:t>
-            </a:r>
-            <a:r>
-              <a:rPr lang="en-US" altLang="zh-CN" sz="2800" b="1" dirty="0">
-                <a:solidFill>
-                  <a:srgbClr val="740003"/>
-                </a:solidFill>
-                <a:latin typeface="微软雅黑" panose="020B0503020204020204" pitchFamily="34" charset="-122"/>
-                <a:ea typeface="微软雅黑" panose="020B0503020204020204" pitchFamily="34" charset="-122"/>
-              </a:rPr>
-              <a:t>——</a:t>
-            </a:r>
-            <a:r>
-              <a:rPr lang="zh-CN" altLang="en-US" sz="2800" b="1" dirty="0">
-                <a:solidFill>
-                  <a:srgbClr val="740003"/>
-                </a:solidFill>
-                <a:latin typeface="微软雅黑" panose="020B0503020204020204" pitchFamily="34" charset="-122"/>
-                <a:ea typeface="微软雅黑" panose="020B0503020204020204" pitchFamily="34" charset="-122"/>
-              </a:rPr>
-              <a:t>多线程崩溃</a:t>
-            </a:r>
-          </a:p>
-        </p:txBody>
-      </p:sp>
-      <p:grpSp>
-        <p:nvGrpSpPr>
-          <p:cNvPr id="14" name="组合 13">
-            <a:extLst>
-              <a:ext uri="{FF2B5EF4-FFF2-40B4-BE49-F238E27FC236}">
-                <a16:creationId xmlns:a16="http://schemas.microsoft.com/office/drawing/2014/main" id="{013AE987-BB6E-6150-FACF-97D279765600}"/>
-              </a:ext>
-            </a:extLst>
-          </p:cNvPr>
-          <p:cNvGrpSpPr/>
-          <p:nvPr/>
-        </p:nvGrpSpPr>
-        <p:grpSpPr>
-          <a:xfrm>
-            <a:off x="-216816" y="135603"/>
-            <a:ext cx="12897712" cy="614851"/>
-            <a:chOff x="-216816" y="135603"/>
-            <a:chExt cx="12897712" cy="614851"/>
-          </a:xfrm>
-        </p:grpSpPr>
-        <p:grpSp>
-          <p:nvGrpSpPr>
-            <p:cNvPr id="15" name="组合 14">
-              <a:extLst>
-                <a:ext uri="{FF2B5EF4-FFF2-40B4-BE49-F238E27FC236}">
-                  <a16:creationId xmlns:a16="http://schemas.microsoft.com/office/drawing/2014/main" id="{AD343CE6-3401-F42F-5FB7-9E27EB8D2188}"/>
-                </a:ext>
-              </a:extLst>
-            </p:cNvPr>
-            <p:cNvGrpSpPr/>
-            <p:nvPr/>
-          </p:nvGrpSpPr>
-          <p:grpSpPr>
-            <a:xfrm>
-              <a:off x="-216816" y="135603"/>
-              <a:ext cx="1407260" cy="523220"/>
-              <a:chOff x="-254000" y="172720"/>
-              <a:chExt cx="898070" cy="523220"/>
-            </a:xfrm>
-            <a:solidFill>
-              <a:srgbClr val="C00000"/>
-            </a:solidFill>
-          </p:grpSpPr>
-          <p:sp>
-            <p:nvSpPr>
-              <p:cNvPr id="33" name="圆角矩形 4">
-                <a:extLst>
-                  <a:ext uri="{FF2B5EF4-FFF2-40B4-BE49-F238E27FC236}">
-                    <a16:creationId xmlns:a16="http://schemas.microsoft.com/office/drawing/2014/main" id="{F479731E-C8B4-3BAB-00DC-E61D8DBD8331}"/>
-                  </a:ext>
-                </a:extLst>
-              </p:cNvPr>
-              <p:cNvSpPr/>
-              <p:nvPr/>
-            </p:nvSpPr>
-            <p:spPr>
-              <a:xfrm>
-                <a:off x="-254000" y="227083"/>
-                <a:ext cx="898070" cy="439668"/>
-              </a:xfrm>
-              <a:prstGeom prst="roundRect">
-                <a:avLst>
-                  <a:gd name="adj" fmla="val 50000"/>
-                </a:avLst>
-              </a:prstGeom>
-              <a:solidFill>
-                <a:srgbClr val="204E72"/>
-              </a:solidFill>
-              <a:ln>
-                <a:noFill/>
-              </a:ln>
-            </p:spPr>
-            <p:style>
-              <a:lnRef idx="2">
-                <a:schemeClr val="accent1">
-                  <a:shade val="50000"/>
-                </a:schemeClr>
-              </a:lnRef>
-              <a:fillRef idx="1">
-                <a:schemeClr val="accent1"/>
-              </a:fillRef>
-              <a:effectRef idx="0">
-                <a:schemeClr val="accent1"/>
-              </a:effectRef>
-              <a:fontRef idx="minor">
-                <a:schemeClr val="lt1"/>
-              </a:fontRef>
-            </p:style>
-            <p:txBody>
-              <a:bodyPr rtlCol="0" anchor="ctr"/>
-              <a:lstStyle/>
-              <a:p>
-                <a:pPr algn="ctr"/>
-                <a:endParaRPr lang="zh-CN" altLang="en-US"/>
-              </a:p>
-            </p:txBody>
-          </p:sp>
-          <p:sp>
-            <p:nvSpPr>
-              <p:cNvPr id="34" name="文本框 33">
-                <a:extLst>
-                  <a:ext uri="{FF2B5EF4-FFF2-40B4-BE49-F238E27FC236}">
-                    <a16:creationId xmlns:a16="http://schemas.microsoft.com/office/drawing/2014/main" id="{5C53EBD8-B7F3-1439-FD4B-72E5D63D06E7}"/>
-                  </a:ext>
-                </a:extLst>
-              </p:cNvPr>
-              <p:cNvSpPr txBox="1"/>
-              <p:nvPr/>
-            </p:nvSpPr>
-            <p:spPr>
-              <a:xfrm>
-                <a:off x="-84461" y="172720"/>
-                <a:ext cx="716790" cy="523220"/>
-              </a:xfrm>
-              <a:prstGeom prst="rect">
-                <a:avLst/>
-              </a:prstGeom>
-              <a:noFill/>
-            </p:spPr>
-            <p:txBody>
-              <a:bodyPr wrap="square" rtlCol="0">
-                <a:spAutoFit/>
-              </a:bodyPr>
-              <a:lstStyle/>
-              <a:p>
-                <a:pPr algn="r"/>
-                <a:r>
-                  <a:rPr lang="zh-CN" altLang="en-US" sz="2800" b="1" dirty="0">
-                    <a:solidFill>
-                      <a:schemeClr val="bg1"/>
-                    </a:solidFill>
-                    <a:latin typeface="微软雅黑" panose="020B0503020204020204" pitchFamily="34" charset="-122"/>
-                    <a:ea typeface="微软雅黑" panose="020B0503020204020204" pitchFamily="34" charset="-122"/>
-                  </a:rPr>
-                  <a:t>三、</a:t>
-                </a:r>
-              </a:p>
-            </p:txBody>
-          </p:sp>
-        </p:grpSp>
-        <p:sp>
-          <p:nvSpPr>
-            <p:cNvPr id="18" name="文本框 17">
-              <a:extLst>
-                <a:ext uri="{FF2B5EF4-FFF2-40B4-BE49-F238E27FC236}">
-                  <a16:creationId xmlns:a16="http://schemas.microsoft.com/office/drawing/2014/main" id="{D19EF854-9942-A952-6172-B22B25FEE3B9}"/>
-                </a:ext>
-              </a:extLst>
-            </p:cNvPr>
-            <p:cNvSpPr txBox="1"/>
-            <p:nvPr/>
-          </p:nvSpPr>
-          <p:spPr>
-            <a:xfrm>
-              <a:off x="1355413" y="165683"/>
-              <a:ext cx="3057239" cy="584771"/>
-            </a:xfrm>
-            <a:prstGeom prst="rect">
-              <a:avLst/>
-            </a:prstGeom>
-            <a:noFill/>
-          </p:spPr>
-          <p:txBody>
-            <a:bodyPr wrap="none" lIns="91436" tIns="45718" rIns="91436" bIns="45718" rtlCol="0">
-              <a:spAutoFit/>
-            </a:bodyPr>
-            <a:lstStyle/>
-            <a:p>
-              <a:r>
-                <a:rPr lang="zh-CN" altLang="en-US" sz="3200" dirty="0">
-                  <a:solidFill>
-                    <a:schemeClr val="tx1">
-                      <a:lumMod val="65000"/>
-                      <a:lumOff val="35000"/>
-                    </a:schemeClr>
-                  </a:solidFill>
-                  <a:latin typeface="微软雅黑" panose="020B0503020204020204" pitchFamily="34" charset="-122"/>
-                  <a:ea typeface="微软雅黑" panose="020B0503020204020204" pitchFamily="34" charset="-122"/>
-                </a:rPr>
-                <a:t>效果展现与创新</a:t>
-              </a:r>
-            </a:p>
-          </p:txBody>
-        </p:sp>
-        <p:grpSp>
-          <p:nvGrpSpPr>
-            <p:cNvPr id="28" name="组合 27">
-              <a:extLst>
-                <a:ext uri="{FF2B5EF4-FFF2-40B4-BE49-F238E27FC236}">
-                  <a16:creationId xmlns:a16="http://schemas.microsoft.com/office/drawing/2014/main" id="{036A065F-D4A0-CD82-177B-EF17AE64D141}"/>
-                </a:ext>
-              </a:extLst>
-            </p:cNvPr>
-            <p:cNvGrpSpPr/>
-            <p:nvPr/>
-          </p:nvGrpSpPr>
-          <p:grpSpPr>
-            <a:xfrm>
-              <a:off x="4459900" y="217491"/>
-              <a:ext cx="8220996" cy="439541"/>
-              <a:chOff x="2584397" y="217491"/>
-              <a:chExt cx="10096500" cy="439541"/>
-            </a:xfrm>
-            <a:solidFill>
-              <a:srgbClr val="204E72"/>
-            </a:solidFill>
-          </p:grpSpPr>
-          <p:sp>
-            <p:nvSpPr>
-              <p:cNvPr id="30" name="圆角矩形 3">
-                <a:extLst>
-                  <a:ext uri="{FF2B5EF4-FFF2-40B4-BE49-F238E27FC236}">
-                    <a16:creationId xmlns:a16="http://schemas.microsoft.com/office/drawing/2014/main" id="{C32CA8D3-0380-3D05-299C-9CED4AED7EEB}"/>
-                  </a:ext>
-                </a:extLst>
-              </p:cNvPr>
-              <p:cNvSpPr/>
-              <p:nvPr/>
-            </p:nvSpPr>
-            <p:spPr>
-              <a:xfrm>
-                <a:off x="2584397" y="217491"/>
-                <a:ext cx="10083800" cy="328609"/>
-              </a:xfrm>
-              <a:prstGeom prst="roundRect">
-                <a:avLst>
-                  <a:gd name="adj" fmla="val 50000"/>
-                </a:avLst>
-              </a:prstGeom>
-              <a:grpFill/>
-              <a:ln>
-                <a:noFill/>
-              </a:ln>
-            </p:spPr>
-            <p:style>
-              <a:lnRef idx="2">
-                <a:schemeClr val="accent1">
-                  <a:shade val="50000"/>
-                </a:schemeClr>
-              </a:lnRef>
-              <a:fillRef idx="1">
-                <a:schemeClr val="accent1"/>
-              </a:fillRef>
-              <a:effectRef idx="0">
-                <a:schemeClr val="accent1"/>
-              </a:effectRef>
-              <a:fontRef idx="minor">
-                <a:schemeClr val="lt1"/>
-              </a:fontRef>
-            </p:style>
-            <p:txBody>
-              <a:bodyPr rtlCol="0" anchor="ctr"/>
-              <a:lstStyle/>
-              <a:p>
-                <a:pPr algn="ctr"/>
-                <a:endParaRPr lang="zh-CN" altLang="en-US"/>
-              </a:p>
-            </p:txBody>
-          </p:sp>
-          <p:sp>
-            <p:nvSpPr>
-              <p:cNvPr id="31" name="圆角矩形 7">
-                <a:extLst>
-                  <a:ext uri="{FF2B5EF4-FFF2-40B4-BE49-F238E27FC236}">
-                    <a16:creationId xmlns:a16="http://schemas.microsoft.com/office/drawing/2014/main" id="{8BE56C90-5CFE-220B-E0BF-77DA34F16C85}"/>
-                  </a:ext>
-                </a:extLst>
-              </p:cNvPr>
-              <p:cNvSpPr/>
-              <p:nvPr/>
-            </p:nvSpPr>
-            <p:spPr>
-              <a:xfrm flipV="1">
-                <a:off x="2597097" y="621032"/>
-                <a:ext cx="10083800" cy="36000"/>
-              </a:xfrm>
-              <a:prstGeom prst="roundRect">
-                <a:avLst>
-                  <a:gd name="adj" fmla="val 50000"/>
-                </a:avLst>
-              </a:prstGeom>
-              <a:grpFill/>
-              <a:ln>
-                <a:noFill/>
-              </a:ln>
-            </p:spPr>
-            <p:style>
-              <a:lnRef idx="2">
-                <a:schemeClr val="accent1">
-                  <a:shade val="50000"/>
-                </a:schemeClr>
-              </a:lnRef>
-              <a:fillRef idx="1">
-                <a:schemeClr val="accent1"/>
-              </a:fillRef>
-              <a:effectRef idx="0">
-                <a:schemeClr val="accent1"/>
-              </a:effectRef>
-              <a:fontRef idx="minor">
-                <a:schemeClr val="lt1"/>
-              </a:fontRef>
-            </p:style>
-            <p:txBody>
-              <a:bodyPr rtlCol="0" anchor="ctr"/>
-              <a:lstStyle/>
-              <a:p>
-                <a:pPr algn="ctr"/>
-                <a:endParaRPr lang="zh-CN" altLang="en-US"/>
-              </a:p>
-            </p:txBody>
-          </p:sp>
-          <p:sp>
-            <p:nvSpPr>
-              <p:cNvPr id="32" name="矩形 31">
-                <a:extLst>
-                  <a:ext uri="{FF2B5EF4-FFF2-40B4-BE49-F238E27FC236}">
-                    <a16:creationId xmlns:a16="http://schemas.microsoft.com/office/drawing/2014/main" id="{7DA367D9-F4FA-8212-D44B-407C0F8718B0}"/>
-                  </a:ext>
-                </a:extLst>
-              </p:cNvPr>
-              <p:cNvSpPr/>
-              <p:nvPr/>
-            </p:nvSpPr>
-            <p:spPr>
-              <a:xfrm>
-                <a:off x="2829573" y="243296"/>
-                <a:ext cx="2191947" cy="276995"/>
-              </a:xfrm>
-              <a:prstGeom prst="rect">
-                <a:avLst/>
-              </a:prstGeom>
-              <a:grpFill/>
-            </p:spPr>
-            <p:txBody>
-              <a:bodyPr wrap="none" lIns="91436" tIns="45718" rIns="91436" bIns="45718">
-                <a:spAutoFit/>
-              </a:bodyPr>
-              <a:lstStyle/>
-              <a:p>
-                <a:pPr algn="ctr"/>
-                <a:r>
-                  <a:rPr lang="en-US" altLang="zh-CN" sz="1200" dirty="0">
-                    <a:solidFill>
-                      <a:schemeClr val="bg1"/>
-                    </a:solidFill>
-                    <a:latin typeface="微软雅黑" panose="020B0503020204020204" pitchFamily="34" charset="-122"/>
-                    <a:ea typeface="微软雅黑" panose="020B0503020204020204" pitchFamily="34" charset="-122"/>
-                  </a:rPr>
-                  <a:t>Result and Innovation</a:t>
-                </a:r>
-              </a:p>
-            </p:txBody>
-          </p:sp>
-        </p:grpSp>
-        <p:pic>
-          <p:nvPicPr>
-            <p:cNvPr id="29" name="图片 28">
-              <a:extLst>
-                <a:ext uri="{FF2B5EF4-FFF2-40B4-BE49-F238E27FC236}">
-                  <a16:creationId xmlns:a16="http://schemas.microsoft.com/office/drawing/2014/main" id="{8CF7AE85-BBE0-A6AF-EB62-00E8C61B4CD3}"/>
-                </a:ext>
-              </a:extLst>
-            </p:cNvPr>
-            <p:cNvPicPr>
-              <a:picLocks noChangeAspect="1"/>
-            </p:cNvPicPr>
-            <p:nvPr/>
-          </p:nvPicPr>
-          <p:blipFill>
-            <a:blip r:embed="rId3" cstate="print">
-              <a:extLst>
-                <a:ext uri="{28A0092B-C50C-407E-A947-70E740481C1C}">
-                  <a14:useLocalDpi xmlns:a14="http://schemas.microsoft.com/office/drawing/2010/main" val="0"/>
-                </a:ext>
-              </a:extLst>
-            </a:blip>
-            <a:srcRect l="5863" r="5863"/>
-            <a:stretch/>
-          </p:blipFill>
-          <p:spPr>
-            <a:xfrm>
-              <a:off x="10743083" y="159405"/>
-              <a:ext cx="1264639" cy="444778"/>
-            </a:xfrm>
-            <a:prstGeom prst="rect">
-              <a:avLst/>
-            </a:prstGeom>
-          </p:spPr>
-        </p:pic>
-      </p:grpSp>
-      <p:pic>
-        <p:nvPicPr>
-          <p:cNvPr id="5" name="图片 4">
-            <a:extLst>
-              <a:ext uri="{FF2B5EF4-FFF2-40B4-BE49-F238E27FC236}">
-                <a16:creationId xmlns:a16="http://schemas.microsoft.com/office/drawing/2014/main" id="{CE8ECCDF-7177-D8FE-6C63-3E5B6C869B88}"/>
-              </a:ext>
-            </a:extLst>
-          </p:cNvPr>
-          <p:cNvPicPr>
-            <a:picLocks noChangeAspect="1"/>
-          </p:cNvPicPr>
-          <p:nvPr/>
-        </p:nvPicPr>
-        <p:blipFill>
-          <a:blip r:embed="rId4"/>
-          <a:stretch>
-            <a:fillRect/>
-          </a:stretch>
-        </p:blipFill>
-        <p:spPr>
-          <a:xfrm>
-            <a:off x="3924966" y="1620611"/>
-            <a:ext cx="4244098" cy="4861638"/>
-          </a:xfrm>
-          <a:prstGeom prst="rect">
-            <a:avLst/>
-          </a:prstGeom>
-        </p:spPr>
-      </p:pic>
-    </p:spTree>
-    <p:extLst>
-      <p:ext uri="{BB962C8B-B14F-4D97-AF65-F5344CB8AC3E}">
-        <p14:creationId xmlns:p14="http://schemas.microsoft.com/office/powerpoint/2010/main" val="2076076697"/>
       </p:ext>
     </p:extLst>
   </p:cSld>
@@ -20479,6 +20988,1034 @@
           <a:lstStyle/>
           <a:p>
             <a:r>
+              <a:rPr lang="zh-CN" altLang="en-US" sz="2800" b="1" dirty="0">
+                <a:solidFill>
+                  <a:srgbClr val="740003"/>
+                </a:solidFill>
+                <a:latin typeface="微软雅黑" panose="020B0503020204020204" pitchFamily="34" charset="-122"/>
+                <a:ea typeface="微软雅黑" panose="020B0503020204020204" pitchFamily="34" charset="-122"/>
+              </a:rPr>
+              <a:t>结果展现</a:t>
+            </a:r>
+            <a:r>
+              <a:rPr lang="en-US" altLang="zh-CN" sz="2800" b="1" dirty="0">
+                <a:solidFill>
+                  <a:srgbClr val="740003"/>
+                </a:solidFill>
+                <a:latin typeface="微软雅黑" panose="020B0503020204020204" pitchFamily="34" charset="-122"/>
+                <a:ea typeface="微软雅黑" panose="020B0503020204020204" pitchFamily="34" charset="-122"/>
+              </a:rPr>
+              <a:t>——</a:t>
+            </a:r>
+            <a:r>
+              <a:rPr lang="zh-CN" altLang="en-US" sz="2800" b="1" dirty="0">
+                <a:solidFill>
+                  <a:srgbClr val="740003"/>
+                </a:solidFill>
+                <a:latin typeface="微软雅黑" panose="020B0503020204020204" pitchFamily="34" charset="-122"/>
+                <a:ea typeface="微软雅黑" panose="020B0503020204020204" pitchFamily="34" charset="-122"/>
+              </a:rPr>
+              <a:t>多线程崩溃</a:t>
+            </a:r>
+          </a:p>
+        </p:txBody>
+      </p:sp>
+      <p:grpSp>
+        <p:nvGrpSpPr>
+          <p:cNvPr id="14" name="组合 13">
+            <a:extLst>
+              <a:ext uri="{FF2B5EF4-FFF2-40B4-BE49-F238E27FC236}">
+                <a16:creationId xmlns:a16="http://schemas.microsoft.com/office/drawing/2014/main" id="{013AE987-BB6E-6150-FACF-97D279765600}"/>
+              </a:ext>
+            </a:extLst>
+          </p:cNvPr>
+          <p:cNvGrpSpPr/>
+          <p:nvPr/>
+        </p:nvGrpSpPr>
+        <p:grpSpPr>
+          <a:xfrm>
+            <a:off x="-216816" y="135603"/>
+            <a:ext cx="12897712" cy="614851"/>
+            <a:chOff x="-216816" y="135603"/>
+            <a:chExt cx="12897712" cy="614851"/>
+          </a:xfrm>
+        </p:grpSpPr>
+        <p:grpSp>
+          <p:nvGrpSpPr>
+            <p:cNvPr id="15" name="组合 14">
+              <a:extLst>
+                <a:ext uri="{FF2B5EF4-FFF2-40B4-BE49-F238E27FC236}">
+                  <a16:creationId xmlns:a16="http://schemas.microsoft.com/office/drawing/2014/main" id="{AD343CE6-3401-F42F-5FB7-9E27EB8D2188}"/>
+                </a:ext>
+              </a:extLst>
+            </p:cNvPr>
+            <p:cNvGrpSpPr/>
+            <p:nvPr/>
+          </p:nvGrpSpPr>
+          <p:grpSpPr>
+            <a:xfrm>
+              <a:off x="-216816" y="135603"/>
+              <a:ext cx="1407260" cy="523220"/>
+              <a:chOff x="-254000" y="172720"/>
+              <a:chExt cx="898070" cy="523220"/>
+            </a:xfrm>
+            <a:solidFill>
+              <a:srgbClr val="C00000"/>
+            </a:solidFill>
+          </p:grpSpPr>
+          <p:sp>
+            <p:nvSpPr>
+              <p:cNvPr id="33" name="圆角矩形 4">
+                <a:extLst>
+                  <a:ext uri="{FF2B5EF4-FFF2-40B4-BE49-F238E27FC236}">
+                    <a16:creationId xmlns:a16="http://schemas.microsoft.com/office/drawing/2014/main" id="{F479731E-C8B4-3BAB-00DC-E61D8DBD8331}"/>
+                  </a:ext>
+                </a:extLst>
+              </p:cNvPr>
+              <p:cNvSpPr/>
+              <p:nvPr/>
+            </p:nvSpPr>
+            <p:spPr>
+              <a:xfrm>
+                <a:off x="-254000" y="227083"/>
+                <a:ext cx="898070" cy="439668"/>
+              </a:xfrm>
+              <a:prstGeom prst="roundRect">
+                <a:avLst>
+                  <a:gd name="adj" fmla="val 50000"/>
+                </a:avLst>
+              </a:prstGeom>
+              <a:solidFill>
+                <a:srgbClr val="204E72"/>
+              </a:solidFill>
+              <a:ln>
+                <a:noFill/>
+              </a:ln>
+            </p:spPr>
+            <p:style>
+              <a:lnRef idx="2">
+                <a:schemeClr val="accent1">
+                  <a:shade val="50000"/>
+                </a:schemeClr>
+              </a:lnRef>
+              <a:fillRef idx="1">
+                <a:schemeClr val="accent1"/>
+              </a:fillRef>
+              <a:effectRef idx="0">
+                <a:schemeClr val="accent1"/>
+              </a:effectRef>
+              <a:fontRef idx="minor">
+                <a:schemeClr val="lt1"/>
+              </a:fontRef>
+            </p:style>
+            <p:txBody>
+              <a:bodyPr rtlCol="0" anchor="ctr"/>
+              <a:lstStyle/>
+              <a:p>
+                <a:pPr algn="ctr"/>
+                <a:endParaRPr lang="zh-CN" altLang="en-US"/>
+              </a:p>
+            </p:txBody>
+          </p:sp>
+          <p:sp>
+            <p:nvSpPr>
+              <p:cNvPr id="34" name="文本框 33">
+                <a:extLst>
+                  <a:ext uri="{FF2B5EF4-FFF2-40B4-BE49-F238E27FC236}">
+                    <a16:creationId xmlns:a16="http://schemas.microsoft.com/office/drawing/2014/main" id="{5C53EBD8-B7F3-1439-FD4B-72E5D63D06E7}"/>
+                  </a:ext>
+                </a:extLst>
+              </p:cNvPr>
+              <p:cNvSpPr txBox="1"/>
+              <p:nvPr/>
+            </p:nvSpPr>
+            <p:spPr>
+              <a:xfrm>
+                <a:off x="-84461" y="172720"/>
+                <a:ext cx="716790" cy="523220"/>
+              </a:xfrm>
+              <a:prstGeom prst="rect">
+                <a:avLst/>
+              </a:prstGeom>
+              <a:noFill/>
+            </p:spPr>
+            <p:txBody>
+              <a:bodyPr wrap="square" rtlCol="0">
+                <a:spAutoFit/>
+              </a:bodyPr>
+              <a:lstStyle/>
+              <a:p>
+                <a:pPr algn="r"/>
+                <a:r>
+                  <a:rPr lang="zh-CN" altLang="en-US" sz="2800" b="1" dirty="0">
+                    <a:solidFill>
+                      <a:schemeClr val="bg1"/>
+                    </a:solidFill>
+                    <a:latin typeface="微软雅黑" panose="020B0503020204020204" pitchFamily="34" charset="-122"/>
+                    <a:ea typeface="微软雅黑" panose="020B0503020204020204" pitchFamily="34" charset="-122"/>
+                  </a:rPr>
+                  <a:t>三、</a:t>
+                </a:r>
+              </a:p>
+            </p:txBody>
+          </p:sp>
+        </p:grpSp>
+        <p:sp>
+          <p:nvSpPr>
+            <p:cNvPr id="18" name="文本框 17">
+              <a:extLst>
+                <a:ext uri="{FF2B5EF4-FFF2-40B4-BE49-F238E27FC236}">
+                  <a16:creationId xmlns:a16="http://schemas.microsoft.com/office/drawing/2014/main" id="{D19EF854-9942-A952-6172-B22B25FEE3B9}"/>
+                </a:ext>
+              </a:extLst>
+            </p:cNvPr>
+            <p:cNvSpPr txBox="1"/>
+            <p:nvPr/>
+          </p:nvSpPr>
+          <p:spPr>
+            <a:xfrm>
+              <a:off x="1355413" y="165683"/>
+              <a:ext cx="3057239" cy="584771"/>
+            </a:xfrm>
+            <a:prstGeom prst="rect">
+              <a:avLst/>
+            </a:prstGeom>
+            <a:noFill/>
+          </p:spPr>
+          <p:txBody>
+            <a:bodyPr wrap="none" lIns="91436" tIns="45718" rIns="91436" bIns="45718" rtlCol="0">
+              <a:spAutoFit/>
+            </a:bodyPr>
+            <a:lstStyle/>
+            <a:p>
+              <a:r>
+                <a:rPr lang="zh-CN" altLang="en-US" sz="3200" dirty="0">
+                  <a:solidFill>
+                    <a:schemeClr val="tx1">
+                      <a:lumMod val="65000"/>
+                      <a:lumOff val="35000"/>
+                    </a:schemeClr>
+                  </a:solidFill>
+                  <a:latin typeface="微软雅黑" panose="020B0503020204020204" pitchFamily="34" charset="-122"/>
+                  <a:ea typeface="微软雅黑" panose="020B0503020204020204" pitchFamily="34" charset="-122"/>
+                </a:rPr>
+                <a:t>效果展现与创新</a:t>
+              </a:r>
+            </a:p>
+          </p:txBody>
+        </p:sp>
+        <p:grpSp>
+          <p:nvGrpSpPr>
+            <p:cNvPr id="28" name="组合 27">
+              <a:extLst>
+                <a:ext uri="{FF2B5EF4-FFF2-40B4-BE49-F238E27FC236}">
+                  <a16:creationId xmlns:a16="http://schemas.microsoft.com/office/drawing/2014/main" id="{036A065F-D4A0-CD82-177B-EF17AE64D141}"/>
+                </a:ext>
+              </a:extLst>
+            </p:cNvPr>
+            <p:cNvGrpSpPr/>
+            <p:nvPr/>
+          </p:nvGrpSpPr>
+          <p:grpSpPr>
+            <a:xfrm>
+              <a:off x="4459900" y="217491"/>
+              <a:ext cx="8220996" cy="439541"/>
+              <a:chOff x="2584397" y="217491"/>
+              <a:chExt cx="10096500" cy="439541"/>
+            </a:xfrm>
+            <a:solidFill>
+              <a:srgbClr val="204E72"/>
+            </a:solidFill>
+          </p:grpSpPr>
+          <p:sp>
+            <p:nvSpPr>
+              <p:cNvPr id="30" name="圆角矩形 3">
+                <a:extLst>
+                  <a:ext uri="{FF2B5EF4-FFF2-40B4-BE49-F238E27FC236}">
+                    <a16:creationId xmlns:a16="http://schemas.microsoft.com/office/drawing/2014/main" id="{C32CA8D3-0380-3D05-299C-9CED4AED7EEB}"/>
+                  </a:ext>
+                </a:extLst>
+              </p:cNvPr>
+              <p:cNvSpPr/>
+              <p:nvPr/>
+            </p:nvSpPr>
+            <p:spPr>
+              <a:xfrm>
+                <a:off x="2584397" y="217491"/>
+                <a:ext cx="10083800" cy="328609"/>
+              </a:xfrm>
+              <a:prstGeom prst="roundRect">
+                <a:avLst>
+                  <a:gd name="adj" fmla="val 50000"/>
+                </a:avLst>
+              </a:prstGeom>
+              <a:grpFill/>
+              <a:ln>
+                <a:noFill/>
+              </a:ln>
+            </p:spPr>
+            <p:style>
+              <a:lnRef idx="2">
+                <a:schemeClr val="accent1">
+                  <a:shade val="50000"/>
+                </a:schemeClr>
+              </a:lnRef>
+              <a:fillRef idx="1">
+                <a:schemeClr val="accent1"/>
+              </a:fillRef>
+              <a:effectRef idx="0">
+                <a:schemeClr val="accent1"/>
+              </a:effectRef>
+              <a:fontRef idx="minor">
+                <a:schemeClr val="lt1"/>
+              </a:fontRef>
+            </p:style>
+            <p:txBody>
+              <a:bodyPr rtlCol="0" anchor="ctr"/>
+              <a:lstStyle/>
+              <a:p>
+                <a:pPr algn="ctr"/>
+                <a:endParaRPr lang="zh-CN" altLang="en-US"/>
+              </a:p>
+            </p:txBody>
+          </p:sp>
+          <p:sp>
+            <p:nvSpPr>
+              <p:cNvPr id="31" name="圆角矩形 7">
+                <a:extLst>
+                  <a:ext uri="{FF2B5EF4-FFF2-40B4-BE49-F238E27FC236}">
+                    <a16:creationId xmlns:a16="http://schemas.microsoft.com/office/drawing/2014/main" id="{8BE56C90-5CFE-220B-E0BF-77DA34F16C85}"/>
+                  </a:ext>
+                </a:extLst>
+              </p:cNvPr>
+              <p:cNvSpPr/>
+              <p:nvPr/>
+            </p:nvSpPr>
+            <p:spPr>
+              <a:xfrm flipV="1">
+                <a:off x="2597097" y="621032"/>
+                <a:ext cx="10083800" cy="36000"/>
+              </a:xfrm>
+              <a:prstGeom prst="roundRect">
+                <a:avLst>
+                  <a:gd name="adj" fmla="val 50000"/>
+                </a:avLst>
+              </a:prstGeom>
+              <a:grpFill/>
+              <a:ln>
+                <a:noFill/>
+              </a:ln>
+            </p:spPr>
+            <p:style>
+              <a:lnRef idx="2">
+                <a:schemeClr val="accent1">
+                  <a:shade val="50000"/>
+                </a:schemeClr>
+              </a:lnRef>
+              <a:fillRef idx="1">
+                <a:schemeClr val="accent1"/>
+              </a:fillRef>
+              <a:effectRef idx="0">
+                <a:schemeClr val="accent1"/>
+              </a:effectRef>
+              <a:fontRef idx="minor">
+                <a:schemeClr val="lt1"/>
+              </a:fontRef>
+            </p:style>
+            <p:txBody>
+              <a:bodyPr rtlCol="0" anchor="ctr"/>
+              <a:lstStyle/>
+              <a:p>
+                <a:pPr algn="ctr"/>
+                <a:endParaRPr lang="zh-CN" altLang="en-US"/>
+              </a:p>
+            </p:txBody>
+          </p:sp>
+          <p:sp>
+            <p:nvSpPr>
+              <p:cNvPr id="32" name="矩形 31">
+                <a:extLst>
+                  <a:ext uri="{FF2B5EF4-FFF2-40B4-BE49-F238E27FC236}">
+                    <a16:creationId xmlns:a16="http://schemas.microsoft.com/office/drawing/2014/main" id="{7DA367D9-F4FA-8212-D44B-407C0F8718B0}"/>
+                  </a:ext>
+                </a:extLst>
+              </p:cNvPr>
+              <p:cNvSpPr/>
+              <p:nvPr/>
+            </p:nvSpPr>
+            <p:spPr>
+              <a:xfrm>
+                <a:off x="2829573" y="243296"/>
+                <a:ext cx="2191947" cy="276995"/>
+              </a:xfrm>
+              <a:prstGeom prst="rect">
+                <a:avLst/>
+              </a:prstGeom>
+              <a:grpFill/>
+            </p:spPr>
+            <p:txBody>
+              <a:bodyPr wrap="none" lIns="91436" tIns="45718" rIns="91436" bIns="45718">
+                <a:spAutoFit/>
+              </a:bodyPr>
+              <a:lstStyle/>
+              <a:p>
+                <a:pPr algn="ctr"/>
+                <a:r>
+                  <a:rPr lang="en-US" altLang="zh-CN" sz="1200" dirty="0">
+                    <a:solidFill>
+                      <a:schemeClr val="bg1"/>
+                    </a:solidFill>
+                    <a:latin typeface="微软雅黑" panose="020B0503020204020204" pitchFamily="34" charset="-122"/>
+                    <a:ea typeface="微软雅黑" panose="020B0503020204020204" pitchFamily="34" charset="-122"/>
+                  </a:rPr>
+                  <a:t>Result and Innovation</a:t>
+                </a:r>
+              </a:p>
+            </p:txBody>
+          </p:sp>
+        </p:grpSp>
+        <p:pic>
+          <p:nvPicPr>
+            <p:cNvPr id="29" name="图片 28">
+              <a:extLst>
+                <a:ext uri="{FF2B5EF4-FFF2-40B4-BE49-F238E27FC236}">
+                  <a16:creationId xmlns:a16="http://schemas.microsoft.com/office/drawing/2014/main" id="{8CF7AE85-BBE0-A6AF-EB62-00E8C61B4CD3}"/>
+                </a:ext>
+              </a:extLst>
+            </p:cNvPr>
+            <p:cNvPicPr>
+              <a:picLocks noChangeAspect="1"/>
+            </p:cNvPicPr>
+            <p:nvPr/>
+          </p:nvPicPr>
+          <p:blipFill>
+            <a:blip r:embed="rId3" cstate="print">
+              <a:extLst>
+                <a:ext uri="{28A0092B-C50C-407E-A947-70E740481C1C}">
+                  <a14:useLocalDpi xmlns:a14="http://schemas.microsoft.com/office/drawing/2010/main" val="0"/>
+                </a:ext>
+              </a:extLst>
+            </a:blip>
+            <a:srcRect l="5863" r="5863"/>
+            <a:stretch/>
+          </p:blipFill>
+          <p:spPr>
+            <a:xfrm>
+              <a:off x="10743083" y="159405"/>
+              <a:ext cx="1264639" cy="444778"/>
+            </a:xfrm>
+            <a:prstGeom prst="rect">
+              <a:avLst/>
+            </a:prstGeom>
+          </p:spPr>
+        </p:pic>
+      </p:grpSp>
+      <p:pic>
+        <p:nvPicPr>
+          <p:cNvPr id="3" name="图片 2">
+            <a:extLst>
+              <a:ext uri="{FF2B5EF4-FFF2-40B4-BE49-F238E27FC236}">
+                <a16:creationId xmlns:a16="http://schemas.microsoft.com/office/drawing/2014/main" id="{7C195EE1-35CE-4121-8CEC-9F970D34821A}"/>
+              </a:ext>
+            </a:extLst>
+          </p:cNvPr>
+          <p:cNvPicPr>
+            <a:picLocks noChangeAspect="1"/>
+          </p:cNvPicPr>
+          <p:nvPr/>
+        </p:nvPicPr>
+        <p:blipFill>
+          <a:blip r:embed="rId4" cstate="print">
+            <a:extLst>
+              <a:ext uri="{28A0092B-C50C-407E-A947-70E740481C1C}">
+                <a14:useLocalDpi xmlns:a14="http://schemas.microsoft.com/office/drawing/2010/main" val="0"/>
+              </a:ext>
+            </a:extLst>
+          </a:blip>
+          <a:stretch>
+            <a:fillRect/>
+          </a:stretch>
+        </p:blipFill>
+        <p:spPr>
+          <a:xfrm>
+            <a:off x="2147913" y="1567543"/>
+            <a:ext cx="8177646" cy="4953158"/>
+          </a:xfrm>
+          <a:prstGeom prst="rect">
+            <a:avLst/>
+          </a:prstGeom>
+        </p:spPr>
+      </p:pic>
+    </p:spTree>
+    <p:extLst>
+      <p:ext uri="{BB962C8B-B14F-4D97-AF65-F5344CB8AC3E}">
+        <p14:creationId xmlns:p14="http://schemas.microsoft.com/office/powerpoint/2010/main" val="210975100"/>
+      </p:ext>
+    </p:extLst>
+  </p:cSld>
+  <p:clrMapOvr>
+    <a:masterClrMapping/>
+  </p:clrMapOvr>
+</p:sld>
+</file>
+
+<file path=ppt/slides/slide21.xml><?xml version="1.0" encoding="utf-8"?>
+<p:sld xmlns:a="http://schemas.openxmlformats.org/drawingml/2006/main" xmlns:r="http://schemas.openxmlformats.org/officeDocument/2006/relationships" xmlns:p="http://schemas.openxmlformats.org/presentationml/2006/main">
+  <p:cSld>
+    <p:spTree>
+      <p:nvGrpSpPr>
+        <p:cNvPr id="1" name=""/>
+        <p:cNvGrpSpPr/>
+        <p:nvPr/>
+      </p:nvGrpSpPr>
+      <p:grpSpPr>
+        <a:xfrm>
+          <a:off x="0" y="0"/>
+          <a:ext cx="0" cy="0"/>
+          <a:chOff x="0" y="0"/>
+          <a:chExt cx="0" cy="0"/>
+        </a:xfrm>
+      </p:grpSpPr>
+      <p:sp>
+        <p:nvSpPr>
+          <p:cNvPr id="17" name="文本框 16">
+            <a:extLst>
+              <a:ext uri="{FF2B5EF4-FFF2-40B4-BE49-F238E27FC236}">
+                <a16:creationId xmlns:a16="http://schemas.microsoft.com/office/drawing/2014/main" id="{6BD956D2-D434-4CA7-B3A8-5493AD9D2A26}"/>
+              </a:ext>
+            </a:extLst>
+          </p:cNvPr>
+          <p:cNvSpPr txBox="1"/>
+          <p:nvPr/>
+        </p:nvSpPr>
+        <p:spPr>
+          <a:xfrm>
+            <a:off x="833016" y="957054"/>
+            <a:ext cx="8063012" cy="523220"/>
+          </a:xfrm>
+          <a:prstGeom prst="rect">
+            <a:avLst/>
+          </a:prstGeom>
+          <a:noFill/>
+        </p:spPr>
+        <p:txBody>
+          <a:bodyPr wrap="square" rtlCol="0">
+            <a:spAutoFit/>
+          </a:bodyPr>
+          <a:lstStyle/>
+          <a:p>
+            <a:r>
+              <a:rPr lang="zh-CN" altLang="en-US" sz="2800" b="1" dirty="0">
+                <a:solidFill>
+                  <a:srgbClr val="740003"/>
+                </a:solidFill>
+                <a:latin typeface="微软雅黑" panose="020B0503020204020204" pitchFamily="34" charset="-122"/>
+                <a:ea typeface="微软雅黑" panose="020B0503020204020204" pitchFamily="34" charset="-122"/>
+              </a:rPr>
+              <a:t>结果展现</a:t>
+            </a:r>
+            <a:r>
+              <a:rPr lang="en-US" altLang="zh-CN" sz="2800" b="1" dirty="0">
+                <a:solidFill>
+                  <a:srgbClr val="740003"/>
+                </a:solidFill>
+                <a:latin typeface="微软雅黑" panose="020B0503020204020204" pitchFamily="34" charset="-122"/>
+                <a:ea typeface="微软雅黑" panose="020B0503020204020204" pitchFamily="34" charset="-122"/>
+              </a:rPr>
+              <a:t>——</a:t>
+            </a:r>
+            <a:r>
+              <a:rPr lang="zh-CN" altLang="en-US" sz="2800" b="1" dirty="0">
+                <a:solidFill>
+                  <a:srgbClr val="740003"/>
+                </a:solidFill>
+                <a:latin typeface="微软雅黑" panose="020B0503020204020204" pitchFamily="34" charset="-122"/>
+                <a:ea typeface="微软雅黑" panose="020B0503020204020204" pitchFamily="34" charset="-122"/>
+              </a:rPr>
+              <a:t>多线程崩溃</a:t>
+            </a:r>
+          </a:p>
+        </p:txBody>
+      </p:sp>
+      <p:grpSp>
+        <p:nvGrpSpPr>
+          <p:cNvPr id="14" name="组合 13">
+            <a:extLst>
+              <a:ext uri="{FF2B5EF4-FFF2-40B4-BE49-F238E27FC236}">
+                <a16:creationId xmlns:a16="http://schemas.microsoft.com/office/drawing/2014/main" id="{013AE987-BB6E-6150-FACF-97D279765600}"/>
+              </a:ext>
+            </a:extLst>
+          </p:cNvPr>
+          <p:cNvGrpSpPr/>
+          <p:nvPr/>
+        </p:nvGrpSpPr>
+        <p:grpSpPr>
+          <a:xfrm>
+            <a:off x="-216816" y="135603"/>
+            <a:ext cx="12897712" cy="614851"/>
+            <a:chOff x="-216816" y="135603"/>
+            <a:chExt cx="12897712" cy="614851"/>
+          </a:xfrm>
+        </p:grpSpPr>
+        <p:grpSp>
+          <p:nvGrpSpPr>
+            <p:cNvPr id="15" name="组合 14">
+              <a:extLst>
+                <a:ext uri="{FF2B5EF4-FFF2-40B4-BE49-F238E27FC236}">
+                  <a16:creationId xmlns:a16="http://schemas.microsoft.com/office/drawing/2014/main" id="{AD343CE6-3401-F42F-5FB7-9E27EB8D2188}"/>
+                </a:ext>
+              </a:extLst>
+            </p:cNvPr>
+            <p:cNvGrpSpPr/>
+            <p:nvPr/>
+          </p:nvGrpSpPr>
+          <p:grpSpPr>
+            <a:xfrm>
+              <a:off x="-216816" y="135603"/>
+              <a:ext cx="1407260" cy="523220"/>
+              <a:chOff x="-254000" y="172720"/>
+              <a:chExt cx="898070" cy="523220"/>
+            </a:xfrm>
+            <a:solidFill>
+              <a:srgbClr val="C00000"/>
+            </a:solidFill>
+          </p:grpSpPr>
+          <p:sp>
+            <p:nvSpPr>
+              <p:cNvPr id="33" name="圆角矩形 4">
+                <a:extLst>
+                  <a:ext uri="{FF2B5EF4-FFF2-40B4-BE49-F238E27FC236}">
+                    <a16:creationId xmlns:a16="http://schemas.microsoft.com/office/drawing/2014/main" id="{F479731E-C8B4-3BAB-00DC-E61D8DBD8331}"/>
+                  </a:ext>
+                </a:extLst>
+              </p:cNvPr>
+              <p:cNvSpPr/>
+              <p:nvPr/>
+            </p:nvSpPr>
+            <p:spPr>
+              <a:xfrm>
+                <a:off x="-254000" y="227083"/>
+                <a:ext cx="898070" cy="439668"/>
+              </a:xfrm>
+              <a:prstGeom prst="roundRect">
+                <a:avLst>
+                  <a:gd name="adj" fmla="val 50000"/>
+                </a:avLst>
+              </a:prstGeom>
+              <a:solidFill>
+                <a:srgbClr val="204E72"/>
+              </a:solidFill>
+              <a:ln>
+                <a:noFill/>
+              </a:ln>
+            </p:spPr>
+            <p:style>
+              <a:lnRef idx="2">
+                <a:schemeClr val="accent1">
+                  <a:shade val="50000"/>
+                </a:schemeClr>
+              </a:lnRef>
+              <a:fillRef idx="1">
+                <a:schemeClr val="accent1"/>
+              </a:fillRef>
+              <a:effectRef idx="0">
+                <a:schemeClr val="accent1"/>
+              </a:effectRef>
+              <a:fontRef idx="minor">
+                <a:schemeClr val="lt1"/>
+              </a:fontRef>
+            </p:style>
+            <p:txBody>
+              <a:bodyPr rtlCol="0" anchor="ctr"/>
+              <a:lstStyle/>
+              <a:p>
+                <a:pPr algn="ctr"/>
+                <a:endParaRPr lang="zh-CN" altLang="en-US"/>
+              </a:p>
+            </p:txBody>
+          </p:sp>
+          <p:sp>
+            <p:nvSpPr>
+              <p:cNvPr id="34" name="文本框 33">
+                <a:extLst>
+                  <a:ext uri="{FF2B5EF4-FFF2-40B4-BE49-F238E27FC236}">
+                    <a16:creationId xmlns:a16="http://schemas.microsoft.com/office/drawing/2014/main" id="{5C53EBD8-B7F3-1439-FD4B-72E5D63D06E7}"/>
+                  </a:ext>
+                </a:extLst>
+              </p:cNvPr>
+              <p:cNvSpPr txBox="1"/>
+              <p:nvPr/>
+            </p:nvSpPr>
+            <p:spPr>
+              <a:xfrm>
+                <a:off x="-84461" y="172720"/>
+                <a:ext cx="716790" cy="523220"/>
+              </a:xfrm>
+              <a:prstGeom prst="rect">
+                <a:avLst/>
+              </a:prstGeom>
+              <a:noFill/>
+            </p:spPr>
+            <p:txBody>
+              <a:bodyPr wrap="square" rtlCol="0">
+                <a:spAutoFit/>
+              </a:bodyPr>
+              <a:lstStyle/>
+              <a:p>
+                <a:pPr algn="r"/>
+                <a:r>
+                  <a:rPr lang="zh-CN" altLang="en-US" sz="2800" b="1" dirty="0">
+                    <a:solidFill>
+                      <a:schemeClr val="bg1"/>
+                    </a:solidFill>
+                    <a:latin typeface="微软雅黑" panose="020B0503020204020204" pitchFamily="34" charset="-122"/>
+                    <a:ea typeface="微软雅黑" panose="020B0503020204020204" pitchFamily="34" charset="-122"/>
+                  </a:rPr>
+                  <a:t>三、</a:t>
+                </a:r>
+              </a:p>
+            </p:txBody>
+          </p:sp>
+        </p:grpSp>
+        <p:sp>
+          <p:nvSpPr>
+            <p:cNvPr id="18" name="文本框 17">
+              <a:extLst>
+                <a:ext uri="{FF2B5EF4-FFF2-40B4-BE49-F238E27FC236}">
+                  <a16:creationId xmlns:a16="http://schemas.microsoft.com/office/drawing/2014/main" id="{D19EF854-9942-A952-6172-B22B25FEE3B9}"/>
+                </a:ext>
+              </a:extLst>
+            </p:cNvPr>
+            <p:cNvSpPr txBox="1"/>
+            <p:nvPr/>
+          </p:nvSpPr>
+          <p:spPr>
+            <a:xfrm>
+              <a:off x="1355413" y="165683"/>
+              <a:ext cx="3057239" cy="584771"/>
+            </a:xfrm>
+            <a:prstGeom prst="rect">
+              <a:avLst/>
+            </a:prstGeom>
+            <a:noFill/>
+          </p:spPr>
+          <p:txBody>
+            <a:bodyPr wrap="none" lIns="91436" tIns="45718" rIns="91436" bIns="45718" rtlCol="0">
+              <a:spAutoFit/>
+            </a:bodyPr>
+            <a:lstStyle/>
+            <a:p>
+              <a:r>
+                <a:rPr lang="zh-CN" altLang="en-US" sz="3200" dirty="0">
+                  <a:solidFill>
+                    <a:schemeClr val="tx1">
+                      <a:lumMod val="65000"/>
+                      <a:lumOff val="35000"/>
+                    </a:schemeClr>
+                  </a:solidFill>
+                  <a:latin typeface="微软雅黑" panose="020B0503020204020204" pitchFamily="34" charset="-122"/>
+                  <a:ea typeface="微软雅黑" panose="020B0503020204020204" pitchFamily="34" charset="-122"/>
+                </a:rPr>
+                <a:t>效果展现与创新</a:t>
+              </a:r>
+            </a:p>
+          </p:txBody>
+        </p:sp>
+        <p:grpSp>
+          <p:nvGrpSpPr>
+            <p:cNvPr id="28" name="组合 27">
+              <a:extLst>
+                <a:ext uri="{FF2B5EF4-FFF2-40B4-BE49-F238E27FC236}">
+                  <a16:creationId xmlns:a16="http://schemas.microsoft.com/office/drawing/2014/main" id="{036A065F-D4A0-CD82-177B-EF17AE64D141}"/>
+                </a:ext>
+              </a:extLst>
+            </p:cNvPr>
+            <p:cNvGrpSpPr/>
+            <p:nvPr/>
+          </p:nvGrpSpPr>
+          <p:grpSpPr>
+            <a:xfrm>
+              <a:off x="4459900" y="217491"/>
+              <a:ext cx="8220996" cy="439541"/>
+              <a:chOff x="2584397" y="217491"/>
+              <a:chExt cx="10096500" cy="439541"/>
+            </a:xfrm>
+            <a:solidFill>
+              <a:srgbClr val="204E72"/>
+            </a:solidFill>
+          </p:grpSpPr>
+          <p:sp>
+            <p:nvSpPr>
+              <p:cNvPr id="30" name="圆角矩形 3">
+                <a:extLst>
+                  <a:ext uri="{FF2B5EF4-FFF2-40B4-BE49-F238E27FC236}">
+                    <a16:creationId xmlns:a16="http://schemas.microsoft.com/office/drawing/2014/main" id="{C32CA8D3-0380-3D05-299C-9CED4AED7EEB}"/>
+                  </a:ext>
+                </a:extLst>
+              </p:cNvPr>
+              <p:cNvSpPr/>
+              <p:nvPr/>
+            </p:nvSpPr>
+            <p:spPr>
+              <a:xfrm>
+                <a:off x="2584397" y="217491"/>
+                <a:ext cx="10083800" cy="328609"/>
+              </a:xfrm>
+              <a:prstGeom prst="roundRect">
+                <a:avLst>
+                  <a:gd name="adj" fmla="val 50000"/>
+                </a:avLst>
+              </a:prstGeom>
+              <a:grpFill/>
+              <a:ln>
+                <a:noFill/>
+              </a:ln>
+            </p:spPr>
+            <p:style>
+              <a:lnRef idx="2">
+                <a:schemeClr val="accent1">
+                  <a:shade val="50000"/>
+                </a:schemeClr>
+              </a:lnRef>
+              <a:fillRef idx="1">
+                <a:schemeClr val="accent1"/>
+              </a:fillRef>
+              <a:effectRef idx="0">
+                <a:schemeClr val="accent1"/>
+              </a:effectRef>
+              <a:fontRef idx="minor">
+                <a:schemeClr val="lt1"/>
+              </a:fontRef>
+            </p:style>
+            <p:txBody>
+              <a:bodyPr rtlCol="0" anchor="ctr"/>
+              <a:lstStyle/>
+              <a:p>
+                <a:pPr algn="ctr"/>
+                <a:endParaRPr lang="zh-CN" altLang="en-US"/>
+              </a:p>
+            </p:txBody>
+          </p:sp>
+          <p:sp>
+            <p:nvSpPr>
+              <p:cNvPr id="31" name="圆角矩形 7">
+                <a:extLst>
+                  <a:ext uri="{FF2B5EF4-FFF2-40B4-BE49-F238E27FC236}">
+                    <a16:creationId xmlns:a16="http://schemas.microsoft.com/office/drawing/2014/main" id="{8BE56C90-5CFE-220B-E0BF-77DA34F16C85}"/>
+                  </a:ext>
+                </a:extLst>
+              </p:cNvPr>
+              <p:cNvSpPr/>
+              <p:nvPr/>
+            </p:nvSpPr>
+            <p:spPr>
+              <a:xfrm flipV="1">
+                <a:off x="2597097" y="621032"/>
+                <a:ext cx="10083800" cy="36000"/>
+              </a:xfrm>
+              <a:prstGeom prst="roundRect">
+                <a:avLst>
+                  <a:gd name="adj" fmla="val 50000"/>
+                </a:avLst>
+              </a:prstGeom>
+              <a:grpFill/>
+              <a:ln>
+                <a:noFill/>
+              </a:ln>
+            </p:spPr>
+            <p:style>
+              <a:lnRef idx="2">
+                <a:schemeClr val="accent1">
+                  <a:shade val="50000"/>
+                </a:schemeClr>
+              </a:lnRef>
+              <a:fillRef idx="1">
+                <a:schemeClr val="accent1"/>
+              </a:fillRef>
+              <a:effectRef idx="0">
+                <a:schemeClr val="accent1"/>
+              </a:effectRef>
+              <a:fontRef idx="minor">
+                <a:schemeClr val="lt1"/>
+              </a:fontRef>
+            </p:style>
+            <p:txBody>
+              <a:bodyPr rtlCol="0" anchor="ctr"/>
+              <a:lstStyle/>
+              <a:p>
+                <a:pPr algn="ctr"/>
+                <a:endParaRPr lang="zh-CN" altLang="en-US"/>
+              </a:p>
+            </p:txBody>
+          </p:sp>
+          <p:sp>
+            <p:nvSpPr>
+              <p:cNvPr id="32" name="矩形 31">
+                <a:extLst>
+                  <a:ext uri="{FF2B5EF4-FFF2-40B4-BE49-F238E27FC236}">
+                    <a16:creationId xmlns:a16="http://schemas.microsoft.com/office/drawing/2014/main" id="{7DA367D9-F4FA-8212-D44B-407C0F8718B0}"/>
+                  </a:ext>
+                </a:extLst>
+              </p:cNvPr>
+              <p:cNvSpPr/>
+              <p:nvPr/>
+            </p:nvSpPr>
+            <p:spPr>
+              <a:xfrm>
+                <a:off x="2829573" y="243296"/>
+                <a:ext cx="2191947" cy="276995"/>
+              </a:xfrm>
+              <a:prstGeom prst="rect">
+                <a:avLst/>
+              </a:prstGeom>
+              <a:grpFill/>
+            </p:spPr>
+            <p:txBody>
+              <a:bodyPr wrap="none" lIns="91436" tIns="45718" rIns="91436" bIns="45718">
+                <a:spAutoFit/>
+              </a:bodyPr>
+              <a:lstStyle/>
+              <a:p>
+                <a:pPr algn="ctr"/>
+                <a:r>
+                  <a:rPr lang="en-US" altLang="zh-CN" sz="1200" dirty="0">
+                    <a:solidFill>
+                      <a:schemeClr val="bg1"/>
+                    </a:solidFill>
+                    <a:latin typeface="微软雅黑" panose="020B0503020204020204" pitchFamily="34" charset="-122"/>
+                    <a:ea typeface="微软雅黑" panose="020B0503020204020204" pitchFamily="34" charset="-122"/>
+                  </a:rPr>
+                  <a:t>Result and Innovation</a:t>
+                </a:r>
+              </a:p>
+            </p:txBody>
+          </p:sp>
+        </p:grpSp>
+        <p:pic>
+          <p:nvPicPr>
+            <p:cNvPr id="29" name="图片 28">
+              <a:extLst>
+                <a:ext uri="{FF2B5EF4-FFF2-40B4-BE49-F238E27FC236}">
+                  <a16:creationId xmlns:a16="http://schemas.microsoft.com/office/drawing/2014/main" id="{8CF7AE85-BBE0-A6AF-EB62-00E8C61B4CD3}"/>
+                </a:ext>
+              </a:extLst>
+            </p:cNvPr>
+            <p:cNvPicPr>
+              <a:picLocks noChangeAspect="1"/>
+            </p:cNvPicPr>
+            <p:nvPr/>
+          </p:nvPicPr>
+          <p:blipFill>
+            <a:blip r:embed="rId3" cstate="print">
+              <a:extLst>
+                <a:ext uri="{28A0092B-C50C-407E-A947-70E740481C1C}">
+                  <a14:useLocalDpi xmlns:a14="http://schemas.microsoft.com/office/drawing/2010/main" val="0"/>
+                </a:ext>
+              </a:extLst>
+            </a:blip>
+            <a:srcRect l="5863" r="5863"/>
+            <a:stretch/>
+          </p:blipFill>
+          <p:spPr>
+            <a:xfrm>
+              <a:off x="10743083" y="159405"/>
+              <a:ext cx="1264639" cy="444778"/>
+            </a:xfrm>
+            <a:prstGeom prst="rect">
+              <a:avLst/>
+            </a:prstGeom>
+          </p:spPr>
+        </p:pic>
+      </p:grpSp>
+      <p:pic>
+        <p:nvPicPr>
+          <p:cNvPr id="5" name="图片 4">
+            <a:extLst>
+              <a:ext uri="{FF2B5EF4-FFF2-40B4-BE49-F238E27FC236}">
+                <a16:creationId xmlns:a16="http://schemas.microsoft.com/office/drawing/2014/main" id="{CE8ECCDF-7177-D8FE-6C63-3E5B6C869B88}"/>
+              </a:ext>
+            </a:extLst>
+          </p:cNvPr>
+          <p:cNvPicPr>
+            <a:picLocks noChangeAspect="1"/>
+          </p:cNvPicPr>
+          <p:nvPr/>
+        </p:nvPicPr>
+        <p:blipFill>
+          <a:blip r:embed="rId4"/>
+          <a:stretch>
+            <a:fillRect/>
+          </a:stretch>
+        </p:blipFill>
+        <p:spPr>
+          <a:xfrm>
+            <a:off x="3924966" y="1620611"/>
+            <a:ext cx="4244098" cy="4861638"/>
+          </a:xfrm>
+          <a:prstGeom prst="rect">
+            <a:avLst/>
+          </a:prstGeom>
+        </p:spPr>
+      </p:pic>
+    </p:spTree>
+    <p:extLst>
+      <p:ext uri="{BB962C8B-B14F-4D97-AF65-F5344CB8AC3E}">
+        <p14:creationId xmlns:p14="http://schemas.microsoft.com/office/powerpoint/2010/main" val="2076076697"/>
+      </p:ext>
+    </p:extLst>
+  </p:cSld>
+  <p:clrMapOvr>
+    <a:masterClrMapping/>
+  </p:clrMapOvr>
+</p:sld>
+</file>
+
+<file path=ppt/slides/slide22.xml><?xml version="1.0" encoding="utf-8"?>
+<p:sld xmlns:a="http://schemas.openxmlformats.org/drawingml/2006/main" xmlns:r="http://schemas.openxmlformats.org/officeDocument/2006/relationships" xmlns:p="http://schemas.openxmlformats.org/presentationml/2006/main">
+  <p:cSld>
+    <p:spTree>
+      <p:nvGrpSpPr>
+        <p:cNvPr id="1" name=""/>
+        <p:cNvGrpSpPr/>
+        <p:nvPr/>
+      </p:nvGrpSpPr>
+      <p:grpSpPr>
+        <a:xfrm>
+          <a:off x="0" y="0"/>
+          <a:ext cx="0" cy="0"/>
+          <a:chOff x="0" y="0"/>
+          <a:chExt cx="0" cy="0"/>
+        </a:xfrm>
+      </p:grpSpPr>
+      <p:sp>
+        <p:nvSpPr>
+          <p:cNvPr id="17" name="文本框 16">
+            <a:extLst>
+              <a:ext uri="{FF2B5EF4-FFF2-40B4-BE49-F238E27FC236}">
+                <a16:creationId xmlns:a16="http://schemas.microsoft.com/office/drawing/2014/main" id="{6BD956D2-D434-4CA7-B3A8-5493AD9D2A26}"/>
+              </a:ext>
+            </a:extLst>
+          </p:cNvPr>
+          <p:cNvSpPr txBox="1"/>
+          <p:nvPr/>
+        </p:nvSpPr>
+        <p:spPr>
+          <a:xfrm>
+            <a:off x="833016" y="957054"/>
+            <a:ext cx="8063012" cy="523220"/>
+          </a:xfrm>
+          <a:prstGeom prst="rect">
+            <a:avLst/>
+          </a:prstGeom>
+          <a:noFill/>
+        </p:spPr>
+        <p:txBody>
+          <a:bodyPr wrap="square" rtlCol="0">
+            <a:spAutoFit/>
+          </a:bodyPr>
+          <a:lstStyle/>
+          <a:p>
+            <a:r>
               <a:rPr lang="en-US" altLang="zh-CN" sz="2800" b="1" dirty="0">
                 <a:solidFill>
                   <a:srgbClr val="740003"/>
@@ -20526,7 +22063,7 @@
           </a:ln>
           <a:extLst>
             <a:ext uri="{C572A759-6A51-4108-AA02-DFA0A04FC94B}">
-              <ma14:wrappingTextBoxFlag xmlns:mc="http://schemas.openxmlformats.org/markup-compatibility/2006" xmlns:a14="http://schemas.microsoft.com/office/drawing/2010/main" xmlns:ma14="http://schemas.microsoft.com/office/mac/drawingml/2011/main" xmlns:m="http://schemas.openxmlformats.org/officeDocument/2006/math" xmlns="" val="1"/>
+              <ma14:wrappingTextBoxFlag xmlns="" xmlns:m="http://schemas.openxmlformats.org/officeDocument/2006/math" xmlns:ma14="http://schemas.microsoft.com/office/mac/drawingml/2011/main" xmlns:a14="http://schemas.microsoft.com/office/drawing/2010/main" xmlns:mc="http://schemas.openxmlformats.org/markup-compatibility/2006" val="1"/>
             </a:ext>
           </a:extLst>
         </p:spPr>
@@ -21344,7 +22881,7 @@
 </p:sld>
 </file>
 
-<file path=ppt/slides/slide21.xml><?xml version="1.0" encoding="utf-8"?>
+<file path=ppt/slides/slide23.xml><?xml version="1.0" encoding="utf-8"?>
 <p:sld xmlns:a="http://schemas.openxmlformats.org/drawingml/2006/main" xmlns:r="http://schemas.openxmlformats.org/officeDocument/2006/relationships" xmlns:p="http://schemas.openxmlformats.org/presentationml/2006/main">
   <p:cSld>
     <p:spTree>
@@ -21600,7 +23137,7 @@
               <a:pPr>
                 <a:defRPr/>
               </a:pPr>
-              <a:t>21</a:t>
+              <a:t>23</a:t>
             </a:fld>
             <a:endParaRPr lang="en-US" altLang="ko-KR">
               <a:latin typeface="Verdana" panose="020B0604030504040204" pitchFamily="34" charset="0"/>
@@ -24908,7 +26445,7 @@
 </p:sld>
 </file>
 
-<file path=ppt/slides/slide22.xml><?xml version="1.0" encoding="utf-8"?>
+<file path=ppt/slides/slide24.xml><?xml version="1.0" encoding="utf-8"?>
 <p:sld xmlns:a="http://schemas.openxmlformats.org/drawingml/2006/main" xmlns:r="http://schemas.openxmlformats.org/officeDocument/2006/relationships" xmlns:p="http://schemas.openxmlformats.org/presentationml/2006/main">
   <p:cSld>
     <p:spTree>
@@ -24991,7 +26528,7 @@
         <p:spPr>
           <a:xfrm>
             <a:off x="610448" y="1765148"/>
-            <a:ext cx="10824366" cy="3836948"/>
+            <a:ext cx="10824366" cy="4703852"/>
           </a:xfrm>
           <a:prstGeom prst="rect">
             <a:avLst/>
@@ -25001,7 +26538,7 @@
           </a:ln>
           <a:extLst>
             <a:ext uri="{C572A759-6A51-4108-AA02-DFA0A04FC94B}">
-              <ma14:wrappingTextBoxFlag xmlns:ma14="http://schemas.microsoft.com/office/mac/drawingml/2011/main" xmlns:a14="http://schemas.microsoft.com/office/drawing/2010/main" xmlns:m="http://schemas.openxmlformats.org/officeDocument/2006/math" xmlns="" val="1"/>
+              <ma14:wrappingTextBoxFlag xmlns="" xmlns:m="http://schemas.openxmlformats.org/officeDocument/2006/math" xmlns:a14="http://schemas.microsoft.com/office/drawing/2010/main" xmlns:ma14="http://schemas.microsoft.com/office/mac/drawingml/2011/main" val="1"/>
             </a:ext>
           </a:extLst>
         </p:spPr>
@@ -25035,6 +26572,66 @@
             <a:r>
               <a:rPr lang="zh-CN" altLang="en-US" dirty="0"/>
               <a:t>版本管理工具的使用更加熟练</a:t>
+            </a:r>
+            <a:endParaRPr lang="en-US" altLang="zh-CN" dirty="0"/>
+          </a:p>
+          <a:p>
+            <a:pPr marL="452119" indent="-452119">
+              <a:spcBef>
+                <a:spcPts val="500"/>
+              </a:spcBef>
+              <a:buSzPct val="100000"/>
+              <a:buFontTx/>
+              <a:buChar char="❑"/>
+              <a:defRPr sz="2400" b="1">
+                <a:solidFill>
+                  <a:srgbClr val="181C69"/>
+                </a:solidFill>
+              </a:defRPr>
+            </a:pPr>
+            <a:endParaRPr lang="en-US" altLang="zh-CN" dirty="0"/>
+          </a:p>
+          <a:p>
+            <a:pPr marL="452119" indent="-452119">
+              <a:spcBef>
+                <a:spcPts val="500"/>
+              </a:spcBef>
+              <a:buSzPct val="100000"/>
+              <a:buFontTx/>
+              <a:buChar char="❑"/>
+              <a:defRPr sz="2400" b="1">
+                <a:solidFill>
+                  <a:srgbClr val="181C69"/>
+                </a:solidFill>
+              </a:defRPr>
+            </a:pPr>
+            <a:r>
+              <a:rPr lang="zh-CN" altLang="en-US" dirty="0"/>
+              <a:t>熟悉了</a:t>
+            </a:r>
+            <a:r>
+              <a:rPr lang="en-US" altLang="zh-CN" dirty="0" err="1"/>
+              <a:t>linux</a:t>
+            </a:r>
+            <a:r>
+              <a:rPr lang="zh-CN" altLang="en-US" dirty="0"/>
+              <a:t>系统编程，学会使用更多</a:t>
+            </a:r>
+            <a:r>
+              <a:rPr lang="en-US" altLang="zh-CN" dirty="0" err="1"/>
+              <a:t>linux</a:t>
+            </a:r>
+            <a:r>
+              <a:rPr lang="zh-CN" altLang="en-US" dirty="0"/>
+              <a:t>命令与编写</a:t>
+            </a:r>
+            <a:r>
+              <a:rPr lang="en-US" altLang="zh-CN" dirty="0"/>
+              <a:t>Shell</a:t>
+            </a:r>
+            <a:r>
+              <a:rPr lang="zh-CN" altLang="en-US" dirty="0"/>
+              <a:t>脚本</a:t>
             </a:r>
             <a:endParaRPr lang="en-US" altLang="zh-CN" dirty="0"/>
           </a:p>
@@ -25610,7 +27207,7 @@
 </p:sld>
 </file>
 
-<file path=ppt/slides/slide23.xml><?xml version="1.0" encoding="utf-8"?>
+<file path=ppt/slides/slide25.xml><?xml version="1.0" encoding="utf-8"?>
 <p:sld xmlns:a="http://schemas.openxmlformats.org/drawingml/2006/main" xmlns:r="http://schemas.openxmlformats.org/officeDocument/2006/relationships" xmlns:p="http://schemas.openxmlformats.org/presentationml/2006/main">
   <p:cSld>
     <p:spTree>
@@ -26105,7 +27702,7 @@
         <p:spPr>
           <a:xfrm>
             <a:off x="610448" y="1765148"/>
-            <a:ext cx="10824366" cy="5273238"/>
+            <a:ext cx="10824366" cy="4142160"/>
           </a:xfrm>
           <a:prstGeom prst="rect">
             <a:avLst/>
@@ -26115,7 +27712,7 @@
           </a:ln>
           <a:extLst>
             <a:ext uri="{C572A759-6A51-4108-AA02-DFA0A04FC94B}">
-              <ma14:wrappingTextBoxFlag xmlns:ma14="http://schemas.microsoft.com/office/mac/drawingml/2011/main" xmlns:a14="http://schemas.microsoft.com/office/drawing/2010/main" xmlns:m="http://schemas.openxmlformats.org/officeDocument/2006/math" xmlns="" val="1"/>
+              <ma14:wrappingTextBoxFlag xmlns="" xmlns:m="http://schemas.openxmlformats.org/officeDocument/2006/math" xmlns:a14="http://schemas.microsoft.com/office/drawing/2010/main" xmlns:ma14="http://schemas.microsoft.com/office/mac/drawingml/2011/main" val="1"/>
             </a:ext>
           </a:extLst>
         </p:spPr>
@@ -26140,144 +27737,31 @@
             </a:pPr>
             <a:r>
               <a:rPr lang="zh-CN" altLang="en-US" dirty="0"/>
-              <a:t>通过</a:t>
+              <a:t>目前</a:t>
+            </a:r>
+            <a:r>
+              <a:rPr lang="en-US" altLang="zh-CN" dirty="0"/>
+              <a:t>eBPF</a:t>
+            </a:r>
+            <a:r>
+              <a:rPr lang="zh-CN" altLang="en-US" dirty="0"/>
+              <a:t>程序只能在</a:t>
+            </a:r>
+            <a:r>
+              <a:rPr lang="en-US" altLang="zh-CN" dirty="0"/>
+              <a:t>x86</a:t>
+            </a:r>
+            <a:r>
+              <a:rPr lang="zh-CN" altLang="en-US" dirty="0"/>
+              <a:t>架构的默认配置的</a:t>
             </a:r>
             <a:r>
               <a:rPr lang="en-US" altLang="zh-CN" dirty="0" err="1"/>
-              <a:t>eBPF</a:t>
+              <a:t>linux</a:t>
             </a:r>
             <a:r>
               <a:rPr lang="zh-CN" altLang="en-US" dirty="0"/>
-              <a:t>从内核读取更多的进程信息</a:t>
-            </a:r>
-          </a:p>
-          <a:p>
-            <a:pPr marL="828039" lvl="1" indent="-375919">
-              <a:spcBef>
-                <a:spcPts val="400"/>
-              </a:spcBef>
-              <a:buClr>
-                <a:srgbClr val="181C69"/>
-              </a:buClr>
-              <a:buSzPct val="100000"/>
-              <a:buFontTx/>
-              <a:buChar char="❑"/>
-              <a:defRPr sz="2000"/>
-            </a:pPr>
-            <a:r>
-              <a:rPr lang="zh-CN" altLang="en-US" b="1" dirty="0"/>
-              <a:t>比如所有的</a:t>
-            </a:r>
-            <a:r>
-              <a:rPr lang="en-US" altLang="zh-CN" b="1" dirty="0"/>
-              <a:t>/proc/&lt;</a:t>
-            </a:r>
-            <a:r>
-              <a:rPr lang="en-US" altLang="zh-CN" b="1" dirty="0" err="1"/>
-              <a:t>pid</a:t>
-            </a:r>
-            <a:r>
-              <a:rPr lang="en-US" altLang="zh-CN" b="1" dirty="0"/>
-              <a:t>&gt;/maps</a:t>
-            </a:r>
-            <a:r>
-              <a:rPr lang="zh-CN" altLang="en-US" b="1" dirty="0"/>
-              <a:t>的信息</a:t>
-            </a:r>
-            <a:endParaRPr lang="en-US" altLang="zh-CN" b="1" dirty="0"/>
-          </a:p>
-          <a:p>
-            <a:pPr marL="828039" lvl="1" indent="-375919">
-              <a:spcBef>
-                <a:spcPts val="400"/>
-              </a:spcBef>
-              <a:buClr>
-                <a:srgbClr val="181C69"/>
-              </a:buClr>
-              <a:buSzPct val="100000"/>
-              <a:buFontTx/>
-              <a:buChar char="❑"/>
-              <a:defRPr sz="2000"/>
-            </a:pPr>
-            <a:r>
-              <a:rPr lang="zh-CN" altLang="en-US" dirty="0"/>
-              <a:t>分析出进程的内存泄漏问题</a:t>
-            </a:r>
-          </a:p>
-          <a:p>
-            <a:pPr marL="452119" indent="-452119">
-              <a:spcBef>
-                <a:spcPts val="500"/>
-              </a:spcBef>
-              <a:buSzPct val="100000"/>
-              <a:buFontTx/>
-              <a:buChar char="❑"/>
-              <a:defRPr sz="2400" b="1">
-                <a:solidFill>
-                  <a:srgbClr val="181C69"/>
-                </a:solidFill>
-              </a:defRPr>
-            </a:pPr>
-            <a:r>
-              <a:rPr lang="zh-CN" altLang="en-US" dirty="0"/>
-              <a:t>通过已有的崩溃进程信息，分析出可能存在的原因</a:t>
-            </a:r>
-          </a:p>
-          <a:p>
-            <a:pPr marL="828039" lvl="1" indent="-375919">
-              <a:spcBef>
-                <a:spcPts val="400"/>
-              </a:spcBef>
-              <a:buClr>
-                <a:srgbClr val="181C69"/>
-              </a:buClr>
-              <a:buSzPct val="100000"/>
-              <a:buFontTx/>
-              <a:buChar char="❑"/>
-              <a:defRPr sz="2000"/>
-            </a:pPr>
-            <a:r>
-              <a:rPr lang="zh-CN" altLang="en-US" dirty="0"/>
-              <a:t>目前</a:t>
-            </a:r>
-            <a:r>
-              <a:rPr lang="zh-CN" altLang="en-US" b="1" dirty="0"/>
-              <a:t>的实现思路为用</a:t>
-            </a:r>
-            <a:r>
-              <a:rPr lang="en-US" altLang="zh-CN" b="1" dirty="0"/>
-              <a:t>switch case</a:t>
-            </a:r>
-            <a:r>
-              <a:rPr lang="zh-CN" altLang="en-US" b="1" dirty="0"/>
-              <a:t>代码逻辑从离散的已知信息中得到某些信号代表的含义</a:t>
-            </a:r>
-            <a:endParaRPr lang="en-US" altLang="zh-CN" b="1" dirty="0"/>
-          </a:p>
-          <a:p>
-            <a:pPr marL="828039" lvl="1" indent="-375919">
-              <a:spcBef>
-                <a:spcPts val="400"/>
-              </a:spcBef>
-              <a:buClr>
-                <a:srgbClr val="181C69"/>
-              </a:buClr>
-              <a:buSzPct val="100000"/>
-              <a:buFontTx/>
-              <a:buChar char="❑"/>
-              <a:defRPr sz="2000"/>
-            </a:pPr>
-            <a:r>
-              <a:rPr lang="zh-CN" altLang="en-US" dirty="0"/>
-              <a:t>可以分析</a:t>
-            </a:r>
-            <a:r>
-              <a:rPr lang="en-US" altLang="zh-CN" dirty="0" err="1"/>
-              <a:t>valgrind</a:t>
-            </a:r>
-            <a:r>
-              <a:rPr lang="zh-CN" altLang="en-US" dirty="0"/>
-              <a:t>的进程运行时内存行为的监控工具的原理来实现更有意义的崩溃分析</a:t>
+              <a:t>操作系统上很好的运行，以后可以为更多不同架构适配。</a:t>
             </a:r>
             <a:endParaRPr lang="en-US" altLang="zh-CN" dirty="0"/>
           </a:p>
@@ -26289,40 +27773,6 @@
               <a:buSzPct val="100000"/>
               <a:buFontTx/>
               <a:buChar char="❑"/>
-              <a:defRPr sz="2400" b="1">
-                <a:solidFill>
-                  <a:srgbClr val="181C69"/>
-                </a:solidFill>
-              </a:defRPr>
-            </a:pPr>
-            <a:r>
-              <a:rPr lang="zh-CN" altLang="en-US" dirty="0"/>
-              <a:t>把崩溃报告用可视化的形式展示出来，如下页</a:t>
-            </a:r>
-            <a:r>
-              <a:rPr lang="en-US" altLang="zh-CN" dirty="0"/>
-              <a:t>PPT</a:t>
-            </a:r>
-            <a:r>
-              <a:rPr lang="zh-CN" altLang="en-US" dirty="0"/>
-              <a:t>中展示的</a:t>
-            </a:r>
-            <a:r>
-              <a:rPr lang="en-US" altLang="zh-CN" dirty="0"/>
-              <a:t>demo</a:t>
-            </a:r>
-            <a:r>
-              <a:rPr lang="zh-CN" altLang="en-US" dirty="0"/>
-              <a:t>。</a:t>
-            </a:r>
-            <a:endParaRPr lang="en-US" altLang="zh-CN" dirty="0"/>
-          </a:p>
-          <a:p>
-            <a:pPr>
-              <a:spcBef>
-                <a:spcPts val="500"/>
-              </a:spcBef>
-              <a:buSzPct val="100000"/>
               <a:defRPr sz="2400" b="1">
                 <a:solidFill>
                   <a:srgbClr val="181C69"/>
@@ -26347,7 +27797,23 @@
             </a:pPr>
             <a:r>
               <a:rPr lang="zh-CN" altLang="en-US" dirty="0"/>
-              <a:t>利用数据库存储进程崩溃信息</a:t>
+              <a:t>采用</a:t>
+            </a:r>
+            <a:r>
+              <a:rPr lang="en-US" altLang="zh-CN" dirty="0" err="1"/>
+              <a:t>bpf_tail_call</a:t>
+            </a:r>
+            <a:r>
+              <a:rPr lang="zh-CN" altLang="en-US" dirty="0"/>
+              <a:t>辅助函数，突破</a:t>
+            </a:r>
+            <a:r>
+              <a:rPr lang="en-US" altLang="zh-CN" dirty="0"/>
+              <a:t>eBPF</a:t>
+            </a:r>
+            <a:r>
+              <a:rPr lang="zh-CN" altLang="en-US" dirty="0"/>
+              <a:t>指令数限制，获取更大循环次数，使得我们的组件更为实用。</a:t>
             </a:r>
             <a:endParaRPr lang="en-US" altLang="zh-CN" dirty="0"/>
           </a:p>
@@ -26359,6 +27825,20 @@
               <a:buSzPct val="100000"/>
               <a:buFontTx/>
               <a:buChar char="❑"/>
+              <a:defRPr sz="2400" b="1">
+                <a:solidFill>
+                  <a:srgbClr val="181C69"/>
+                </a:solidFill>
+              </a:defRPr>
+            </a:pPr>
+            <a:endParaRPr lang="en-US" altLang="zh-CN" dirty="0"/>
+          </a:p>
+          <a:p>
+            <a:pPr>
+              <a:spcBef>
+                <a:spcPts val="500"/>
+              </a:spcBef>
+              <a:buSzPct val="100000"/>
               <a:defRPr sz="2400" b="1">
                 <a:solidFill>
                   <a:srgbClr val="181C69"/>
@@ -26428,553 +27908,7 @@
 </p:sld>
 </file>
 
-<file path=ppt/slides/slide24.xml><?xml version="1.0" encoding="utf-8"?>
-<p:sld xmlns:a="http://schemas.openxmlformats.org/drawingml/2006/main" xmlns:r="http://schemas.openxmlformats.org/officeDocument/2006/relationships" xmlns:p="http://schemas.openxmlformats.org/presentationml/2006/main">
-  <p:cSld>
-    <p:spTree>
-      <p:nvGrpSpPr>
-        <p:cNvPr id="1" name=""/>
-        <p:cNvGrpSpPr/>
-        <p:nvPr/>
-      </p:nvGrpSpPr>
-      <p:grpSpPr>
-        <a:xfrm>
-          <a:off x="0" y="0"/>
-          <a:ext cx="0" cy="0"/>
-          <a:chOff x="0" y="0"/>
-          <a:chExt cx="0" cy="0"/>
-        </a:xfrm>
-      </p:grpSpPr>
-      <p:sp>
-        <p:nvSpPr>
-          <p:cNvPr id="17" name="文本框 16">
-            <a:extLst>
-              <a:ext uri="{FF2B5EF4-FFF2-40B4-BE49-F238E27FC236}">
-                <a16:creationId xmlns:a16="http://schemas.microsoft.com/office/drawing/2014/main" id="{6BD956D2-D434-4CA7-B3A8-5493AD9D2A26}"/>
-              </a:ext>
-            </a:extLst>
-          </p:cNvPr>
-          <p:cNvSpPr txBox="1"/>
-          <p:nvPr/>
-        </p:nvSpPr>
-        <p:spPr>
-          <a:xfrm>
-            <a:off x="833016" y="957054"/>
-            <a:ext cx="8063012" cy="523220"/>
-          </a:xfrm>
-          <a:prstGeom prst="rect">
-            <a:avLst/>
-          </a:prstGeom>
-          <a:noFill/>
-        </p:spPr>
-        <p:txBody>
-          <a:bodyPr wrap="square" rtlCol="0">
-            <a:spAutoFit/>
-          </a:bodyPr>
-          <a:lstStyle/>
-          <a:p>
-            <a:r>
-              <a:rPr lang="en-US" altLang="zh-CN" sz="2800" b="1" dirty="0">
-                <a:solidFill>
-                  <a:srgbClr val="740003"/>
-                </a:solidFill>
-                <a:latin typeface="微软雅黑" panose="020B0503020204020204" pitchFamily="34" charset="-122"/>
-                <a:ea typeface="微软雅黑" panose="020B0503020204020204" pitchFamily="34" charset="-122"/>
-              </a:rPr>
-              <a:t>2. </a:t>
-            </a:r>
-            <a:r>
-              <a:rPr lang="zh-CN" altLang="en-US" sz="2800" b="1" dirty="0">
-                <a:solidFill>
-                  <a:srgbClr val="740003"/>
-                </a:solidFill>
-                <a:latin typeface="微软雅黑" panose="020B0503020204020204" pitchFamily="34" charset="-122"/>
-                <a:ea typeface="微软雅黑" panose="020B0503020204020204" pitchFamily="34" charset="-122"/>
-              </a:rPr>
-              <a:t>展望</a:t>
-            </a:r>
-            <a:r>
-              <a:rPr lang="en-US" altLang="zh-CN" sz="2800" b="1" dirty="0">
-                <a:solidFill>
-                  <a:srgbClr val="740003"/>
-                </a:solidFill>
-                <a:latin typeface="微软雅黑" panose="020B0503020204020204" pitchFamily="34" charset="-122"/>
-                <a:ea typeface="微软雅黑" panose="020B0503020204020204" pitchFamily="34" charset="-122"/>
-              </a:rPr>
-              <a:t>——</a:t>
-            </a:r>
-            <a:r>
-              <a:rPr lang="zh-CN" altLang="en-US" sz="2800" b="1" dirty="0">
-                <a:solidFill>
-                  <a:srgbClr val="740003"/>
-                </a:solidFill>
-                <a:latin typeface="微软雅黑" panose="020B0503020204020204" pitchFamily="34" charset="-122"/>
-                <a:ea typeface="微软雅黑" panose="020B0503020204020204" pitchFamily="34" charset="-122"/>
-              </a:rPr>
-              <a:t>可视化网页</a:t>
-            </a:r>
-            <a:r>
-              <a:rPr lang="en-US" altLang="zh-CN" sz="2800" b="1" dirty="0">
-                <a:solidFill>
-                  <a:srgbClr val="740003"/>
-                </a:solidFill>
-                <a:latin typeface="微软雅黑" panose="020B0503020204020204" pitchFamily="34" charset="-122"/>
-                <a:ea typeface="微软雅黑" panose="020B0503020204020204" pitchFamily="34" charset="-122"/>
-              </a:rPr>
-              <a:t>Demo</a:t>
-            </a:r>
-            <a:endParaRPr lang="zh-CN" altLang="en-US" sz="2800" b="1" dirty="0">
-              <a:solidFill>
-                <a:srgbClr val="740003"/>
-              </a:solidFill>
-              <a:latin typeface="微软雅黑" panose="020B0503020204020204" pitchFamily="34" charset="-122"/>
-              <a:ea typeface="微软雅黑" panose="020B0503020204020204" pitchFamily="34" charset="-122"/>
-            </a:endParaRPr>
-          </a:p>
-        </p:txBody>
-      </p:sp>
-      <p:grpSp>
-        <p:nvGrpSpPr>
-          <p:cNvPr id="13" name="组合 12">
-            <a:extLst>
-              <a:ext uri="{FF2B5EF4-FFF2-40B4-BE49-F238E27FC236}">
-                <a16:creationId xmlns:a16="http://schemas.microsoft.com/office/drawing/2014/main" id="{C87CBD81-73D7-7DC5-781B-58680C3BE8A6}"/>
-              </a:ext>
-            </a:extLst>
-          </p:cNvPr>
-          <p:cNvGrpSpPr/>
-          <p:nvPr/>
-        </p:nvGrpSpPr>
-        <p:grpSpPr>
-          <a:xfrm>
-            <a:off x="-216816" y="135603"/>
-            <a:ext cx="12897712" cy="614851"/>
-            <a:chOff x="-216816" y="135603"/>
-            <a:chExt cx="12897712" cy="614851"/>
-          </a:xfrm>
-        </p:grpSpPr>
-        <p:grpSp>
-          <p:nvGrpSpPr>
-            <p:cNvPr id="16" name="组合 15">
-              <a:extLst>
-                <a:ext uri="{FF2B5EF4-FFF2-40B4-BE49-F238E27FC236}">
-                  <a16:creationId xmlns:a16="http://schemas.microsoft.com/office/drawing/2014/main" id="{F575EC82-FC14-4B87-E0BB-46B8A9702B57}"/>
-                </a:ext>
-              </a:extLst>
-            </p:cNvPr>
-            <p:cNvGrpSpPr/>
-            <p:nvPr/>
-          </p:nvGrpSpPr>
-          <p:grpSpPr>
-            <a:xfrm>
-              <a:off x="-216816" y="135603"/>
-              <a:ext cx="1407260" cy="523220"/>
-              <a:chOff x="-254000" y="172720"/>
-              <a:chExt cx="898070" cy="523220"/>
-            </a:xfrm>
-            <a:solidFill>
-              <a:srgbClr val="C00000"/>
-            </a:solidFill>
-          </p:grpSpPr>
-          <p:sp>
-            <p:nvSpPr>
-              <p:cNvPr id="26" name="圆角矩形 4">
-                <a:extLst>
-                  <a:ext uri="{FF2B5EF4-FFF2-40B4-BE49-F238E27FC236}">
-                    <a16:creationId xmlns:a16="http://schemas.microsoft.com/office/drawing/2014/main" id="{BB301030-0898-0128-011C-36264A839128}"/>
-                  </a:ext>
-                </a:extLst>
-              </p:cNvPr>
-              <p:cNvSpPr/>
-              <p:nvPr/>
-            </p:nvSpPr>
-            <p:spPr>
-              <a:xfrm>
-                <a:off x="-254000" y="227083"/>
-                <a:ext cx="898070" cy="439668"/>
-              </a:xfrm>
-              <a:prstGeom prst="roundRect">
-                <a:avLst>
-                  <a:gd name="adj" fmla="val 50000"/>
-                </a:avLst>
-              </a:prstGeom>
-              <a:solidFill>
-                <a:srgbClr val="204E72"/>
-              </a:solidFill>
-              <a:ln>
-                <a:noFill/>
-              </a:ln>
-            </p:spPr>
-            <p:style>
-              <a:lnRef idx="2">
-                <a:schemeClr val="accent1">
-                  <a:shade val="50000"/>
-                </a:schemeClr>
-              </a:lnRef>
-              <a:fillRef idx="1">
-                <a:schemeClr val="accent1"/>
-              </a:fillRef>
-              <a:effectRef idx="0">
-                <a:schemeClr val="accent1"/>
-              </a:effectRef>
-              <a:fontRef idx="minor">
-                <a:schemeClr val="lt1"/>
-              </a:fontRef>
-            </p:style>
-            <p:txBody>
-              <a:bodyPr rtlCol="0" anchor="ctr"/>
-              <a:lstStyle/>
-              <a:p>
-                <a:pPr algn="ctr"/>
-                <a:endParaRPr lang="zh-CN" altLang="en-US"/>
-              </a:p>
-            </p:txBody>
-          </p:sp>
-          <p:sp>
-            <p:nvSpPr>
-              <p:cNvPr id="27" name="文本框 26">
-                <a:extLst>
-                  <a:ext uri="{FF2B5EF4-FFF2-40B4-BE49-F238E27FC236}">
-                    <a16:creationId xmlns:a16="http://schemas.microsoft.com/office/drawing/2014/main" id="{E2949B94-3252-4E94-1598-2764335FEBB1}"/>
-                  </a:ext>
-                </a:extLst>
-              </p:cNvPr>
-              <p:cNvSpPr txBox="1"/>
-              <p:nvPr/>
-            </p:nvSpPr>
-            <p:spPr>
-              <a:xfrm>
-                <a:off x="-84461" y="172720"/>
-                <a:ext cx="716790" cy="523220"/>
-              </a:xfrm>
-              <a:prstGeom prst="rect">
-                <a:avLst/>
-              </a:prstGeom>
-              <a:noFill/>
-            </p:spPr>
-            <p:txBody>
-              <a:bodyPr wrap="square" rtlCol="0">
-                <a:spAutoFit/>
-              </a:bodyPr>
-              <a:lstStyle/>
-              <a:p>
-                <a:pPr algn="ctr"/>
-                <a:r>
-                  <a:rPr lang="zh-CN" altLang="en-US" sz="2800" b="1" dirty="0">
-                    <a:solidFill>
-                      <a:schemeClr val="bg1"/>
-                    </a:solidFill>
-                    <a:latin typeface="微软雅黑" panose="020B0503020204020204" pitchFamily="34" charset="-122"/>
-                    <a:ea typeface="微软雅黑" panose="020B0503020204020204" pitchFamily="34" charset="-122"/>
-                  </a:rPr>
-                  <a:t>四、</a:t>
-                </a:r>
-              </a:p>
-            </p:txBody>
-          </p:sp>
-        </p:grpSp>
-        <p:sp>
-          <p:nvSpPr>
-            <p:cNvPr id="19" name="文本框 18">
-              <a:extLst>
-                <a:ext uri="{FF2B5EF4-FFF2-40B4-BE49-F238E27FC236}">
-                  <a16:creationId xmlns:a16="http://schemas.microsoft.com/office/drawing/2014/main" id="{0E500DB9-18A5-8EDF-DC9D-B885074DB862}"/>
-                </a:ext>
-              </a:extLst>
-            </p:cNvPr>
-            <p:cNvSpPr txBox="1"/>
-            <p:nvPr/>
-          </p:nvSpPr>
-          <p:spPr>
-            <a:xfrm>
-              <a:off x="1355413" y="165683"/>
-              <a:ext cx="3057239" cy="584771"/>
-            </a:xfrm>
-            <a:prstGeom prst="rect">
-              <a:avLst/>
-            </a:prstGeom>
-            <a:noFill/>
-          </p:spPr>
-          <p:txBody>
-            <a:bodyPr wrap="none" lIns="91436" tIns="45718" rIns="91436" bIns="45718" rtlCol="0">
-              <a:spAutoFit/>
-            </a:bodyPr>
-            <a:lstStyle/>
-            <a:p>
-              <a:r>
-                <a:rPr lang="zh-CN" altLang="en-US" sz="3200" dirty="0">
-                  <a:solidFill>
-                    <a:schemeClr val="tx1">
-                      <a:lumMod val="65000"/>
-                      <a:lumOff val="35000"/>
-                    </a:schemeClr>
-                  </a:solidFill>
-                  <a:latin typeface="微软雅黑" panose="020B0503020204020204" pitchFamily="34" charset="-122"/>
-                  <a:ea typeface="微软雅黑" panose="020B0503020204020204" pitchFamily="34" charset="-122"/>
-                </a:rPr>
-                <a:t>总结与未来展望</a:t>
-              </a:r>
-            </a:p>
-          </p:txBody>
-        </p:sp>
-        <p:grpSp>
-          <p:nvGrpSpPr>
-            <p:cNvPr id="21" name="组合 20">
-              <a:extLst>
-                <a:ext uri="{FF2B5EF4-FFF2-40B4-BE49-F238E27FC236}">
-                  <a16:creationId xmlns:a16="http://schemas.microsoft.com/office/drawing/2014/main" id="{3B513A4D-C503-1932-8E9A-C54FA898826D}"/>
-                </a:ext>
-              </a:extLst>
-            </p:cNvPr>
-            <p:cNvGrpSpPr/>
-            <p:nvPr/>
-          </p:nvGrpSpPr>
-          <p:grpSpPr>
-            <a:xfrm>
-              <a:off x="4412651" y="217491"/>
-              <a:ext cx="8268245" cy="439541"/>
-              <a:chOff x="2584397" y="217491"/>
-              <a:chExt cx="10096500" cy="439541"/>
-            </a:xfrm>
-            <a:solidFill>
-              <a:srgbClr val="204E72"/>
-            </a:solidFill>
-          </p:grpSpPr>
-          <p:sp>
-            <p:nvSpPr>
-              <p:cNvPr id="24" name="圆角矩形 3">
-                <a:extLst>
-                  <a:ext uri="{FF2B5EF4-FFF2-40B4-BE49-F238E27FC236}">
-                    <a16:creationId xmlns:a16="http://schemas.microsoft.com/office/drawing/2014/main" id="{08E5F5EB-3378-A3EE-E9DD-EBE41C6240D1}"/>
-                  </a:ext>
-                </a:extLst>
-              </p:cNvPr>
-              <p:cNvSpPr/>
-              <p:nvPr/>
-            </p:nvSpPr>
-            <p:spPr>
-              <a:xfrm>
-                <a:off x="2584397" y="217491"/>
-                <a:ext cx="10083800" cy="328609"/>
-              </a:xfrm>
-              <a:prstGeom prst="roundRect">
-                <a:avLst>
-                  <a:gd name="adj" fmla="val 50000"/>
-                </a:avLst>
-              </a:prstGeom>
-              <a:grpFill/>
-              <a:ln>
-                <a:noFill/>
-              </a:ln>
-            </p:spPr>
-            <p:style>
-              <a:lnRef idx="2">
-                <a:schemeClr val="accent1">
-                  <a:shade val="50000"/>
-                </a:schemeClr>
-              </a:lnRef>
-              <a:fillRef idx="1">
-                <a:schemeClr val="accent1"/>
-              </a:fillRef>
-              <a:effectRef idx="0">
-                <a:schemeClr val="accent1"/>
-              </a:effectRef>
-              <a:fontRef idx="minor">
-                <a:schemeClr val="lt1"/>
-              </a:fontRef>
-            </p:style>
-            <p:txBody>
-              <a:bodyPr rtlCol="0" anchor="ctr"/>
-              <a:lstStyle/>
-              <a:p>
-                <a:pPr algn="ctr"/>
-                <a:endParaRPr lang="zh-CN" altLang="en-US"/>
-              </a:p>
-            </p:txBody>
-          </p:sp>
-          <p:sp>
-            <p:nvSpPr>
-              <p:cNvPr id="25" name="圆角矩形 7">
-                <a:extLst>
-                  <a:ext uri="{FF2B5EF4-FFF2-40B4-BE49-F238E27FC236}">
-                    <a16:creationId xmlns:a16="http://schemas.microsoft.com/office/drawing/2014/main" id="{E92A8FC3-9441-198D-2A22-2FA3CAEB09EA}"/>
-                  </a:ext>
-                </a:extLst>
-              </p:cNvPr>
-              <p:cNvSpPr/>
-              <p:nvPr/>
-            </p:nvSpPr>
-            <p:spPr>
-              <a:xfrm flipV="1">
-                <a:off x="2597097" y="621032"/>
-                <a:ext cx="10083800" cy="36000"/>
-              </a:xfrm>
-              <a:prstGeom prst="roundRect">
-                <a:avLst>
-                  <a:gd name="adj" fmla="val 50000"/>
-                </a:avLst>
-              </a:prstGeom>
-              <a:grpFill/>
-              <a:ln>
-                <a:noFill/>
-              </a:ln>
-            </p:spPr>
-            <p:style>
-              <a:lnRef idx="2">
-                <a:schemeClr val="accent1">
-                  <a:shade val="50000"/>
-                </a:schemeClr>
-              </a:lnRef>
-              <a:fillRef idx="1">
-                <a:schemeClr val="accent1"/>
-              </a:fillRef>
-              <a:effectRef idx="0">
-                <a:schemeClr val="accent1"/>
-              </a:effectRef>
-              <a:fontRef idx="minor">
-                <a:schemeClr val="lt1"/>
-              </a:fontRef>
-            </p:style>
-            <p:txBody>
-              <a:bodyPr rtlCol="0" anchor="ctr"/>
-              <a:lstStyle/>
-              <a:p>
-                <a:pPr algn="ctr"/>
-                <a:endParaRPr lang="zh-CN" altLang="en-US"/>
-              </a:p>
-            </p:txBody>
-          </p:sp>
-        </p:grpSp>
-        <p:pic>
-          <p:nvPicPr>
-            <p:cNvPr id="22" name="图片 21">
-              <a:extLst>
-                <a:ext uri="{FF2B5EF4-FFF2-40B4-BE49-F238E27FC236}">
-                  <a16:creationId xmlns:a16="http://schemas.microsoft.com/office/drawing/2014/main" id="{96BFF201-84E1-2814-BDDB-394A160D4617}"/>
-                </a:ext>
-              </a:extLst>
-            </p:cNvPr>
-            <p:cNvPicPr>
-              <a:picLocks noChangeAspect="1"/>
-            </p:cNvPicPr>
-            <p:nvPr/>
-          </p:nvPicPr>
-          <p:blipFill>
-            <a:blip r:embed="rId3" cstate="print">
-              <a:extLst>
-                <a:ext uri="{28A0092B-C50C-407E-A947-70E740481C1C}">
-                  <a14:useLocalDpi xmlns:a14="http://schemas.microsoft.com/office/drawing/2010/main" val="0"/>
-                </a:ext>
-              </a:extLst>
-            </a:blip>
-            <a:srcRect l="5863" r="5863"/>
-            <a:stretch/>
-          </p:blipFill>
-          <p:spPr>
-            <a:xfrm>
-              <a:off x="10743083" y="159405"/>
-              <a:ext cx="1264639" cy="444778"/>
-            </a:xfrm>
-            <a:prstGeom prst="rect">
-              <a:avLst/>
-            </a:prstGeom>
-          </p:spPr>
-        </p:pic>
-        <p:sp>
-          <p:nvSpPr>
-            <p:cNvPr id="23" name="矩形 22">
-              <a:extLst>
-                <a:ext uri="{FF2B5EF4-FFF2-40B4-BE49-F238E27FC236}">
-                  <a16:creationId xmlns:a16="http://schemas.microsoft.com/office/drawing/2014/main" id="{77E6AA4B-EE7B-6D6B-A9CB-D7254CDAAF82}"/>
-                </a:ext>
-              </a:extLst>
-            </p:cNvPr>
-            <p:cNvSpPr/>
-            <p:nvPr/>
-          </p:nvSpPr>
-          <p:spPr>
-            <a:xfrm>
-              <a:off x="4532598" y="251251"/>
-              <a:ext cx="2299276" cy="276995"/>
-            </a:xfrm>
-            <a:prstGeom prst="rect">
-              <a:avLst/>
-            </a:prstGeom>
-            <a:solidFill>
-              <a:srgbClr val="204E72"/>
-            </a:solidFill>
-          </p:spPr>
-          <p:txBody>
-            <a:bodyPr wrap="none" lIns="91436" tIns="45718" rIns="91436" bIns="45718">
-              <a:spAutoFit/>
-            </a:bodyPr>
-            <a:lstStyle/>
-            <a:p>
-              <a:pPr algn="ctr"/>
-              <a:r>
-                <a:rPr lang="en-US" altLang="zh-CN" sz="1200" dirty="0">
-                  <a:solidFill>
-                    <a:schemeClr val="bg1"/>
-                  </a:solidFill>
-                  <a:latin typeface="微软雅黑" panose="020B0503020204020204" pitchFamily="34" charset="-122"/>
-                  <a:ea typeface="微软雅黑" panose="020B0503020204020204" pitchFamily="34" charset="-122"/>
-                </a:rPr>
-                <a:t>Conclusion And Future Work</a:t>
-              </a:r>
-            </a:p>
-          </p:txBody>
-        </p:sp>
-      </p:grpSp>
-      <p:pic>
-        <p:nvPicPr>
-          <p:cNvPr id="9" name="图片 8">
-            <a:extLst>
-              <a:ext uri="{FF2B5EF4-FFF2-40B4-BE49-F238E27FC236}">
-                <a16:creationId xmlns:a16="http://schemas.microsoft.com/office/drawing/2014/main" id="{132CC1A6-4C8C-B262-0811-5DC6EA05AFEA}"/>
-              </a:ext>
-            </a:extLst>
-          </p:cNvPr>
-          <p:cNvPicPr>
-            <a:picLocks noChangeAspect="1"/>
-          </p:cNvPicPr>
-          <p:nvPr/>
-        </p:nvPicPr>
-        <p:blipFill>
-          <a:blip r:embed="rId4">
-            <a:extLst>
-              <a:ext uri="{28A0092B-C50C-407E-A947-70E740481C1C}">
-                <a14:useLocalDpi xmlns:a14="http://schemas.microsoft.com/office/drawing/2010/main" val="0"/>
-              </a:ext>
-            </a:extLst>
-          </a:blip>
-          <a:stretch>
-            <a:fillRect/>
-          </a:stretch>
-        </p:blipFill>
-        <p:spPr>
-          <a:xfrm>
-            <a:off x="3791631" y="1599919"/>
-            <a:ext cx="4391474" cy="5060328"/>
-          </a:xfrm>
-          <a:prstGeom prst="rect">
-            <a:avLst/>
-          </a:prstGeom>
-        </p:spPr>
-      </p:pic>
-    </p:spTree>
-    <p:extLst>
-      <p:ext uri="{BB962C8B-B14F-4D97-AF65-F5344CB8AC3E}">
-        <p14:creationId xmlns:p14="http://schemas.microsoft.com/office/powerpoint/2010/main" val="3086701591"/>
-      </p:ext>
-    </p:extLst>
-  </p:cSld>
-  <p:clrMapOvr>
-    <a:masterClrMapping/>
-  </p:clrMapOvr>
-</p:sld>
-</file>
-
-<file path=ppt/slides/slide25.xml><?xml version="1.0" encoding="utf-8"?>
+<file path=ppt/slides/slide26.xml><?xml version="1.0" encoding="utf-8"?>
 <p:sld xmlns:a="http://schemas.openxmlformats.org/drawingml/2006/main" xmlns:r="http://schemas.openxmlformats.org/officeDocument/2006/relationships" xmlns:p="http://schemas.openxmlformats.org/presentationml/2006/main">
   <p:cSld>
     <p:spTree>
@@ -28977,7 +29911,7 @@
           </a:ln>
           <a:extLst>
             <a:ext uri="{C572A759-6A51-4108-AA02-DFA0A04FC94B}">
-              <ma14:wrappingTextBoxFlag xmlns:ma14="http://schemas.microsoft.com/office/mac/drawingml/2011/main" xmlns:a14="http://schemas.microsoft.com/office/drawing/2010/main" xmlns:m="http://schemas.openxmlformats.org/officeDocument/2006/math" xmlns="" val="1"/>
+              <ma14:wrappingTextBoxFlag xmlns="" xmlns:m="http://schemas.openxmlformats.org/officeDocument/2006/math" xmlns:a14="http://schemas.microsoft.com/office/drawing/2010/main" xmlns:ma14="http://schemas.microsoft.com/office/mac/drawingml/2011/main" val="1"/>
             </a:ext>
           </a:extLst>
         </p:spPr>
@@ -32843,7 +33777,7 @@
           </a:ln>
           <a:extLst>
             <a:ext uri="{C572A759-6A51-4108-AA02-DFA0A04FC94B}">
-              <ma14:wrappingTextBoxFlag xmlns:ma14="http://schemas.microsoft.com/office/mac/drawingml/2011/main" xmlns:a14="http://schemas.microsoft.com/office/drawing/2010/main" xmlns:m="http://schemas.openxmlformats.org/officeDocument/2006/math" xmlns="" val="1"/>
+              <ma14:wrappingTextBoxFlag xmlns="" xmlns:m="http://schemas.openxmlformats.org/officeDocument/2006/math" xmlns:a14="http://schemas.microsoft.com/office/drawing/2010/main" xmlns:ma14="http://schemas.microsoft.com/office/mac/drawingml/2011/main" val="1"/>
             </a:ext>
           </a:extLst>
         </p:spPr>
@@ -32940,7 +33874,7 @@
             </a:r>
             <a:r>
               <a:rPr lang="zh-CN" altLang="en-US" dirty="0"/>
-              <a:t>启动地进程有效</a:t>
+              <a:t>启动的进程有效</a:t>
             </a:r>
           </a:p>
           <a:p>
@@ -33108,23 +34042,7 @@
             </a:pPr>
             <a:r>
               <a:rPr lang="zh-CN" altLang="en-US" dirty="0"/>
-              <a:t>只对当前</a:t>
-            </a:r>
-            <a:r>
-              <a:rPr lang="en-US" altLang="zh-CN" dirty="0"/>
-              <a:t>shell</a:t>
-            </a:r>
-            <a:r>
-              <a:rPr lang="zh-CN" altLang="en-US" dirty="0"/>
-              <a:t>且由该</a:t>
-            </a:r>
-            <a:r>
-              <a:rPr lang="en-US" altLang="zh-CN" dirty="0"/>
-              <a:t>shell</a:t>
-            </a:r>
-            <a:r>
-              <a:rPr lang="zh-CN" altLang="en-US" dirty="0"/>
-              <a:t>启动地进程有效</a:t>
+              <a:t>对操作系统全局的进程都有效</a:t>
             </a:r>
           </a:p>
           <a:p>
@@ -34887,7 +35805,7 @@
           </a:ln>
           <a:extLst>
             <a:ext uri="{C572A759-6A51-4108-AA02-DFA0A04FC94B}">
-              <ma14:wrappingTextBoxFlag xmlns:ma14="http://schemas.microsoft.com/office/mac/drawingml/2011/main" xmlns:a14="http://schemas.microsoft.com/office/drawing/2010/main" xmlns:m="http://schemas.openxmlformats.org/officeDocument/2006/math" xmlns="" val="1"/>
+              <ma14:wrappingTextBoxFlag xmlns="" xmlns:m="http://schemas.openxmlformats.org/officeDocument/2006/math" xmlns:a14="http://schemas.microsoft.com/office/drawing/2010/main" xmlns:ma14="http://schemas.microsoft.com/office/mac/drawingml/2011/main" val="1"/>
             </a:ext>
           </a:extLst>
         </p:spPr>
@@ -35783,7 +36701,7 @@
           </a:ln>
           <a:extLst>
             <a:ext uri="{C572A759-6A51-4108-AA02-DFA0A04FC94B}">
-              <ma14:wrappingTextBoxFlag xmlns:ma14="http://schemas.microsoft.com/office/mac/drawingml/2011/main" xmlns:a14="http://schemas.microsoft.com/office/drawing/2010/main" xmlns:m="http://schemas.openxmlformats.org/officeDocument/2006/math" xmlns="" val="1"/>
+              <ma14:wrappingTextBoxFlag xmlns="" xmlns:m="http://schemas.openxmlformats.org/officeDocument/2006/math" xmlns:a14="http://schemas.microsoft.com/office/drawing/2010/main" xmlns:ma14="http://schemas.microsoft.com/office/mac/drawingml/2011/main" val="1"/>
             </a:ext>
           </a:extLst>
         </p:spPr>

--- a/doc/Crashcrawler_SYSU.pptx
+++ b/doc/Crashcrawler_SYSU.pptx
@@ -237,7 +237,7 @@
             <a:fld id="{49A552A8-ECE7-49AA-8726-BE90DBC11947}" type="datetimeFigureOut">
               <a:rPr lang="zh-CN" altLang="en-US" smtClean="0"/>
               <a:pPr/>
-              <a:t>2022/8/14</a:t>
+              <a:t>2022/8/15</a:t>
             </a:fld>
             <a:endParaRPr lang="zh-CN" altLang="en-US"/>
           </a:p>
@@ -3384,7 +3384,7 @@
             <a:fld id="{9C17F9E5-2C3F-427E-9E18-8DB1205C1BD4}" type="datetimeFigureOut">
               <a:rPr lang="zh-CN" altLang="en-US" smtClean="0"/>
               <a:pPr/>
-              <a:t>2022/8/14</a:t>
+              <a:t>2022/8/15</a:t>
             </a:fld>
             <a:endParaRPr lang="zh-CN" altLang="en-US"/>
           </a:p>
@@ -3549,7 +3549,7 @@
             <a:fld id="{9C17F9E5-2C3F-427E-9E18-8DB1205C1BD4}" type="datetimeFigureOut">
               <a:rPr lang="zh-CN" altLang="en-US" smtClean="0"/>
               <a:pPr/>
-              <a:t>2022/8/14</a:t>
+              <a:t>2022/8/15</a:t>
             </a:fld>
             <a:endParaRPr lang="zh-CN" altLang="en-US"/>
           </a:p>
@@ -3724,7 +3724,7 @@
             <a:fld id="{9C17F9E5-2C3F-427E-9E18-8DB1205C1BD4}" type="datetimeFigureOut">
               <a:rPr lang="zh-CN" altLang="en-US" smtClean="0"/>
               <a:pPr/>
-              <a:t>2022/8/14</a:t>
+              <a:t>2022/8/15</a:t>
             </a:fld>
             <a:endParaRPr lang="zh-CN" altLang="en-US"/>
           </a:p>
@@ -3889,7 +3889,7 @@
             <a:fld id="{9C17F9E5-2C3F-427E-9E18-8DB1205C1BD4}" type="datetimeFigureOut">
               <a:rPr lang="zh-CN" altLang="en-US" smtClean="0"/>
               <a:pPr/>
-              <a:t>2022/8/14</a:t>
+              <a:t>2022/8/15</a:t>
             </a:fld>
             <a:endParaRPr lang="zh-CN" altLang="en-US"/>
           </a:p>
@@ -4131,7 +4131,7 @@
             <a:fld id="{9C17F9E5-2C3F-427E-9E18-8DB1205C1BD4}" type="datetimeFigureOut">
               <a:rPr lang="zh-CN" altLang="en-US" smtClean="0"/>
               <a:pPr/>
-              <a:t>2022/8/14</a:t>
+              <a:t>2022/8/15</a:t>
             </a:fld>
             <a:endParaRPr lang="zh-CN" altLang="en-US"/>
           </a:p>
@@ -4357,7 +4357,7 @@
             <a:fld id="{9C17F9E5-2C3F-427E-9E18-8DB1205C1BD4}" type="datetimeFigureOut">
               <a:rPr lang="zh-CN" altLang="en-US" smtClean="0"/>
               <a:pPr/>
-              <a:t>2022/8/14</a:t>
+              <a:t>2022/8/15</a:t>
             </a:fld>
             <a:endParaRPr lang="zh-CN" altLang="en-US"/>
           </a:p>
@@ -4718,7 +4718,7 @@
             <a:fld id="{9C17F9E5-2C3F-427E-9E18-8DB1205C1BD4}" type="datetimeFigureOut">
               <a:rPr lang="zh-CN" altLang="en-US" smtClean="0"/>
               <a:pPr/>
-              <a:t>2022/8/14</a:t>
+              <a:t>2022/8/15</a:t>
             </a:fld>
             <a:endParaRPr lang="zh-CN" altLang="en-US"/>
           </a:p>
@@ -4832,7 +4832,7 @@
             <a:fld id="{9C17F9E5-2C3F-427E-9E18-8DB1205C1BD4}" type="datetimeFigureOut">
               <a:rPr lang="zh-CN" altLang="en-US" smtClean="0"/>
               <a:pPr/>
-              <a:t>2022/8/14</a:t>
+              <a:t>2022/8/15</a:t>
             </a:fld>
             <a:endParaRPr lang="zh-CN" altLang="en-US"/>
           </a:p>
@@ -4924,7 +4924,7 @@
             <a:fld id="{9C17F9E5-2C3F-427E-9E18-8DB1205C1BD4}" type="datetimeFigureOut">
               <a:rPr lang="zh-CN" altLang="en-US" smtClean="0"/>
               <a:pPr/>
-              <a:t>2022/8/14</a:t>
+              <a:t>2022/8/15</a:t>
             </a:fld>
             <a:endParaRPr lang="zh-CN" altLang="en-US"/>
           </a:p>
@@ -5196,7 +5196,7 @@
             <a:fld id="{9C17F9E5-2C3F-427E-9E18-8DB1205C1BD4}" type="datetimeFigureOut">
               <a:rPr lang="zh-CN" altLang="en-US" smtClean="0"/>
               <a:pPr/>
-              <a:t>2022/8/14</a:t>
+              <a:t>2022/8/15</a:t>
             </a:fld>
             <a:endParaRPr lang="zh-CN" altLang="en-US"/>
           </a:p>
@@ -5445,7 +5445,7 @@
             <a:fld id="{9C17F9E5-2C3F-427E-9E18-8DB1205C1BD4}" type="datetimeFigureOut">
               <a:rPr lang="zh-CN" altLang="en-US" smtClean="0"/>
               <a:pPr/>
-              <a:t>2022/8/14</a:t>
+              <a:t>2022/8/15</a:t>
             </a:fld>
             <a:endParaRPr lang="zh-CN" altLang="en-US"/>
           </a:p>
@@ -5662,7 +5662,7 @@
             <a:fld id="{9C17F9E5-2C3F-427E-9E18-8DB1205C1BD4}" type="datetimeFigureOut">
               <a:rPr lang="zh-CN" altLang="en-US" smtClean="0"/>
               <a:pPr/>
-              <a:t>2022/8/14</a:t>
+              <a:t>2022/8/15</a:t>
             </a:fld>
             <a:endParaRPr lang="zh-CN" altLang="en-US"/>
           </a:p>
@@ -6920,7 +6920,7 @@
             <a:p>
               <a:r>
                 <a:rPr lang="en-US" altLang="zh-CN" sz="1400" dirty="0" err="1"/>
-                <a:t>Kprobe_do_exit</a:t>
+                <a:t>kprobe_do_exit</a:t>
               </a:r>
               <a:endParaRPr lang="zh-CN" altLang="en-US" sz="1400" dirty="0"/>
             </a:p>
@@ -8409,8 +8409,8 @@
         </p:nvSpPr>
         <p:spPr>
           <a:xfrm>
-            <a:off x="610448" y="1765148"/>
-            <a:ext cx="10824366" cy="3772828"/>
+            <a:off x="610447" y="1480274"/>
+            <a:ext cx="10824366" cy="6006773"/>
           </a:xfrm>
           <a:prstGeom prst="rect">
             <a:avLst/>
@@ -8420,7 +8420,7 @@
           </a:ln>
           <a:extLst>
             <a:ext uri="{C572A759-6A51-4108-AA02-DFA0A04FC94B}">
-              <ma14:wrappingTextBoxFlag xmlns="" xmlns:m="http://schemas.openxmlformats.org/officeDocument/2006/math" xmlns:a14="http://schemas.microsoft.com/office/drawing/2010/main" xmlns:ma14="http://schemas.microsoft.com/office/mac/drawingml/2011/main" val="1"/>
+              <ma14:wrappingTextBoxFlag xmlns:ma14="http://schemas.microsoft.com/office/mac/drawingml/2011/main" xmlns:a14="http://schemas.microsoft.com/office/drawing/2010/main" xmlns:m="http://schemas.openxmlformats.org/officeDocument/2006/math" xmlns="" val="1"/>
             </a:ext>
           </a:extLst>
         </p:spPr>
@@ -8488,11 +8488,11 @@
             </a:pPr>
             <a:r>
               <a:rPr lang="zh-CN" altLang="en-US" dirty="0"/>
-              <a:t>这种结构化的信息汇总本身就是一份报告</a:t>
+              <a:t>这种结构化的信息汇总本身就是一份报告，报告内容包括：</a:t>
             </a:r>
           </a:p>
           <a:p>
-            <a:pPr marL="828039" lvl="1" indent="-375919">
+            <a:pPr marL="1285239" lvl="2" indent="-375919">
               <a:spcBef>
                 <a:spcPts val="400"/>
               </a:spcBef>
@@ -8505,41 +8505,161 @@
               <a:defRPr sz="2000"/>
             </a:pPr>
             <a:r>
-              <a:rPr lang="zh-CN" altLang="en-US" dirty="0"/>
-              <a:t>包含：系统概况、崩溃信息展示（如：崩溃时间，崩溃指令，崩溃进程信号等基本信息，以及崩溃进程的</a:t>
-            </a:r>
-            <a:r>
-              <a:rPr lang="zh-CN" altLang="en-US" b="1" dirty="0"/>
-              <a:t>栈追踪</a:t>
-            </a:r>
-            <a:r>
-              <a:rPr lang="zh-CN" altLang="en-US" dirty="0"/>
-              <a:t>和线程的</a:t>
-            </a:r>
-            <a:r>
-              <a:rPr lang="zh-CN" altLang="en-US" b="1" dirty="0"/>
-              <a:t>动态依赖库等</a:t>
-            </a:r>
-            <a:r>
-              <a:rPr lang="zh-CN" altLang="en-US" dirty="0"/>
-              <a:t>）</a:t>
-            </a:r>
-            <a:endParaRPr lang="en-US" altLang="zh-CN" dirty="0"/>
+              <a:rPr lang="zh-CN" altLang="en-US" sz="2000" dirty="0"/>
+              <a:t>进程基本信息，如：崩溃时间（日期</a:t>
+            </a:r>
+            <a:r>
+              <a:rPr lang="en-US" altLang="zh-CN" sz="2000" dirty="0"/>
+              <a:t>+</a:t>
+            </a:r>
+            <a:r>
+              <a:rPr lang="zh-CN" altLang="en-US" sz="2000" dirty="0"/>
+              <a:t>时间），崩溃指令，崩溃进程信号，</a:t>
+            </a:r>
+            <a:r>
+              <a:rPr lang="en-US" altLang="zh-CN" sz="2000" dirty="0"/>
+              <a:t>PID</a:t>
+            </a:r>
+            <a:r>
+              <a:rPr lang="zh-CN" altLang="en-US" sz="2000" dirty="0"/>
+              <a:t>等</a:t>
+            </a:r>
           </a:p>
           <a:p>
-            <a:pPr marL="452119" indent="-452119">
+            <a:pPr marL="1285239" lvl="2" indent="-375919">
               <a:spcBef>
-                <a:spcPts val="500"/>
+                <a:spcPts val="400"/>
               </a:spcBef>
+              <a:buClr>
+                <a:srgbClr val="181C69"/>
+              </a:buClr>
               <a:buSzPct val="100000"/>
               <a:buFontTx/>
               <a:buChar char="❑"/>
-              <a:defRPr sz="2400" b="1">
-                <a:solidFill>
-                  <a:srgbClr val="181C69"/>
-                </a:solidFill>
-              </a:defRPr>
+              <a:defRPr sz="2000"/>
             </a:pPr>
+            <a:r>
+              <a:rPr lang="zh-CN" altLang="en-US" sz="2000" dirty="0"/>
+              <a:t>进程时间报告，如：当前主进程分别在用户态和内核态的执行时间，子进程在用户态和内核态的执行时间等；</a:t>
+            </a:r>
+          </a:p>
+          <a:p>
+            <a:pPr marL="1285239" lvl="2" indent="-375919">
+              <a:spcBef>
+                <a:spcPts val="400"/>
+              </a:spcBef>
+              <a:buClr>
+                <a:srgbClr val="181C69"/>
+              </a:buClr>
+              <a:buSzPct val="100000"/>
+              <a:buFontTx/>
+              <a:buChar char="❑"/>
+              <a:defRPr sz="2000"/>
+            </a:pPr>
+            <a:r>
+              <a:rPr lang="zh-CN" altLang="en-US" sz="2000" dirty="0"/>
+              <a:t>进程调度报告，如：进程各种调度策略下的调度优先级，进程创建的子进程数，进程崩溃前所在</a:t>
+            </a:r>
+            <a:r>
+              <a:rPr lang="en-US" altLang="zh-CN" sz="2000" dirty="0"/>
+              <a:t>CPU</a:t>
+            </a:r>
+            <a:r>
+              <a:rPr lang="zh-CN" altLang="en-US" sz="2000" dirty="0"/>
+              <a:t>等；</a:t>
+            </a:r>
+          </a:p>
+          <a:p>
+            <a:pPr marL="1285239" lvl="2" indent="-375919">
+              <a:spcBef>
+                <a:spcPts val="400"/>
+              </a:spcBef>
+              <a:buClr>
+                <a:srgbClr val="181C69"/>
+              </a:buClr>
+              <a:buSzPct val="100000"/>
+              <a:buFontTx/>
+              <a:buChar char="❑"/>
+              <a:defRPr sz="2000"/>
+            </a:pPr>
+            <a:r>
+              <a:rPr lang="zh-CN" altLang="en-US" sz="2000" dirty="0"/>
+              <a:t>进程内存报告，如：进程各段大小（代码段，</a:t>
+            </a:r>
+            <a:r>
+              <a:rPr lang="en-US" altLang="zh-CN" sz="2000" dirty="0"/>
+              <a:t>BSS</a:t>
+            </a:r>
+            <a:r>
+              <a:rPr lang="zh-CN" altLang="en-US" sz="2000" dirty="0"/>
+              <a:t>段</a:t>
+            </a:r>
+            <a:r>
+              <a:rPr lang="en-US" altLang="zh-CN" sz="2000" dirty="0"/>
+              <a:t>), </a:t>
+            </a:r>
+            <a:r>
+              <a:rPr lang="zh-CN" altLang="en-US" sz="2000" dirty="0"/>
+              <a:t>进程</a:t>
+            </a:r>
+            <a:r>
+              <a:rPr lang="en-US" altLang="zh-CN" sz="2000" dirty="0"/>
+              <a:t>RSS</a:t>
+            </a:r>
+            <a:r>
+              <a:rPr lang="zh-CN" altLang="en-US" sz="2000" dirty="0"/>
+              <a:t>大小以及</a:t>
+            </a:r>
+            <a:r>
+              <a:rPr lang="en-US" altLang="zh-CN" sz="2000" dirty="0"/>
+              <a:t>RSS</a:t>
+            </a:r>
+            <a:r>
+              <a:rPr lang="zh-CN" altLang="en-US" sz="2000" dirty="0"/>
+              <a:t>限制，还有不同种类的页错误报告等；</a:t>
+            </a:r>
+          </a:p>
+          <a:p>
+            <a:pPr marL="1285239" lvl="2" indent="-375919">
+              <a:spcBef>
+                <a:spcPts val="400"/>
+              </a:spcBef>
+              <a:buClr>
+                <a:srgbClr val="181C69"/>
+              </a:buClr>
+              <a:buSzPct val="100000"/>
+              <a:buFontTx/>
+              <a:buChar char="❑"/>
+              <a:defRPr sz="2000"/>
+            </a:pPr>
+            <a:r>
+              <a:rPr lang="zh-CN" altLang="en-US" dirty="0"/>
+              <a:t>崩溃进程的栈追踪（用户态和内核态的调度栈）和线程的动态依赖库追踪。在组织文件输出格式时，我们参考了</a:t>
+            </a:r>
+            <a:r>
+              <a:rPr lang="en-US" altLang="zh-CN" dirty="0"/>
+              <a:t>Linux</a:t>
+            </a:r>
+            <a:r>
+              <a:rPr lang="zh-CN" altLang="en-US" dirty="0"/>
+              <a:t>中信息展现形式，对于动态依赖库信息展示格式，我们采取了类似</a:t>
+            </a:r>
+            <a:r>
+              <a:rPr lang="en-US" altLang="zh-CN" dirty="0"/>
+              <a:t>/proc/&lt;</a:t>
+            </a:r>
+            <a:r>
+              <a:rPr lang="en-US" altLang="zh-CN" dirty="0" err="1"/>
+              <a:t>pid</a:t>
+            </a:r>
+            <a:r>
+              <a:rPr lang="en-US" altLang="zh-CN" dirty="0"/>
+              <a:t>&gt;/maps</a:t>
+            </a:r>
+            <a:r>
+              <a:rPr lang="zh-CN" altLang="en-US" dirty="0"/>
+              <a:t>的格式展示对应信息，旨在让使用者快速熟悉信息内容。</a:t>
+            </a:r>
             <a:endParaRPr lang="en-US" altLang="zh-CN" dirty="0"/>
           </a:p>
           <a:p>
@@ -9098,8 +9218,8 @@
           </a:p>
         </p:txBody>
       </p:sp>
-      <mc:AlternateContent xmlns:mc="http://schemas.openxmlformats.org/markup-compatibility/2006">
-        <mc:Choice xmlns:a14="http://schemas.microsoft.com/office/drawing/2010/main" Requires="a14">
+      <mc:AlternateContent xmlns:mc="http://schemas.openxmlformats.org/markup-compatibility/2006" xmlns:a14="http://schemas.microsoft.com/office/drawing/2010/main">
+        <mc:Choice Requires="a14">
           <p:sp>
             <p:nvSpPr>
               <p:cNvPr id="20" name="内容占位符 2">
@@ -9125,7 +9245,7 @@
               </a:ln>
               <a:extLst>
                 <a:ext uri="{C572A759-6A51-4108-AA02-DFA0A04FC94B}">
-                  <ma14:wrappingTextBoxFlag xmlns="" xmlns:m="http://schemas.openxmlformats.org/officeDocument/2006/math" xmlns:ma14="http://schemas.microsoft.com/office/mac/drawingml/2011/main" val="1"/>
+                  <ma14:wrappingTextBoxFlag xmlns:ma14="http://schemas.microsoft.com/office/mac/drawingml/2011/main" xmlns:m="http://schemas.openxmlformats.org/officeDocument/2006/math" xmlns="" val="1"/>
                 </a:ext>
               </a:extLst>
             </p:spPr>
@@ -9604,7 +9724,7 @@
             </p:txBody>
           </p:sp>
         </mc:Choice>
-        <mc:Fallback>
+        <mc:Fallback xmlns="">
           <p:sp>
             <p:nvSpPr>
               <p:cNvPr id="20" name="内容占位符 2">
@@ -10155,7 +10275,7 @@
           </a:ln>
           <a:extLst>
             <a:ext uri="{C572A759-6A51-4108-AA02-DFA0A04FC94B}">
-              <ma14:wrappingTextBoxFlag xmlns="" xmlns:m="http://schemas.openxmlformats.org/officeDocument/2006/math" xmlns:a14="http://schemas.microsoft.com/office/drawing/2010/main" xmlns:ma14="http://schemas.microsoft.com/office/mac/drawingml/2011/main" val="1"/>
+              <ma14:wrappingTextBoxFlag xmlns:ma14="http://schemas.microsoft.com/office/mac/drawingml/2011/main" xmlns:a14="http://schemas.microsoft.com/office/drawing/2010/main" xmlns:m="http://schemas.openxmlformats.org/officeDocument/2006/math" xmlns="" val="1"/>
             </a:ext>
           </a:extLst>
         </p:spPr>
@@ -10879,7 +10999,7 @@
           </a:ln>
           <a:extLst>
             <a:ext uri="{C572A759-6A51-4108-AA02-DFA0A04FC94B}">
-              <ma14:wrappingTextBoxFlag xmlns="" xmlns:m="http://schemas.openxmlformats.org/officeDocument/2006/math" xmlns:a14="http://schemas.microsoft.com/office/drawing/2010/main" xmlns:ma14="http://schemas.microsoft.com/office/mac/drawingml/2011/main" val="1"/>
+              <ma14:wrappingTextBoxFlag xmlns:ma14="http://schemas.microsoft.com/office/mac/drawingml/2011/main" xmlns:a14="http://schemas.microsoft.com/office/drawing/2010/main" xmlns:m="http://schemas.openxmlformats.org/officeDocument/2006/math" xmlns="" val="1"/>
             </a:ext>
           </a:extLst>
         </p:spPr>
@@ -11573,7 +11693,7 @@
           </a:ln>
           <a:extLst>
             <a:ext uri="{C572A759-6A51-4108-AA02-DFA0A04FC94B}">
-              <ma14:wrappingTextBoxFlag xmlns="" xmlns:m="http://schemas.openxmlformats.org/officeDocument/2006/math" xmlns:a14="http://schemas.microsoft.com/office/drawing/2010/main" xmlns:ma14="http://schemas.microsoft.com/office/mac/drawingml/2011/main" val="1"/>
+              <ma14:wrappingTextBoxFlag xmlns:ma14="http://schemas.microsoft.com/office/mac/drawingml/2011/main" xmlns:a14="http://schemas.microsoft.com/office/drawing/2010/main" xmlns:m="http://schemas.openxmlformats.org/officeDocument/2006/math" xmlns="" val="1"/>
             </a:ext>
           </a:extLst>
         </p:spPr>
@@ -22063,7 +22183,7 @@
           </a:ln>
           <a:extLst>
             <a:ext uri="{C572A759-6A51-4108-AA02-DFA0A04FC94B}">
-              <ma14:wrappingTextBoxFlag xmlns="" xmlns:m="http://schemas.openxmlformats.org/officeDocument/2006/math" xmlns:ma14="http://schemas.microsoft.com/office/mac/drawingml/2011/main" xmlns:a14="http://schemas.microsoft.com/office/drawing/2010/main" xmlns:mc="http://schemas.openxmlformats.org/markup-compatibility/2006" val="1"/>
+              <ma14:wrappingTextBoxFlag xmlns:mc="http://schemas.openxmlformats.org/markup-compatibility/2006" xmlns:a14="http://schemas.microsoft.com/office/drawing/2010/main" xmlns:ma14="http://schemas.microsoft.com/office/mac/drawingml/2011/main" xmlns:m="http://schemas.openxmlformats.org/officeDocument/2006/math" xmlns="" val="1"/>
             </a:ext>
           </a:extLst>
         </p:spPr>
@@ -26538,7 +26658,7 @@
           </a:ln>
           <a:extLst>
             <a:ext uri="{C572A759-6A51-4108-AA02-DFA0A04FC94B}">
-              <ma14:wrappingTextBoxFlag xmlns="" xmlns:m="http://schemas.openxmlformats.org/officeDocument/2006/math" xmlns:a14="http://schemas.microsoft.com/office/drawing/2010/main" xmlns:ma14="http://schemas.microsoft.com/office/mac/drawingml/2011/main" val="1"/>
+              <ma14:wrappingTextBoxFlag xmlns:ma14="http://schemas.microsoft.com/office/mac/drawingml/2011/main" xmlns:a14="http://schemas.microsoft.com/office/drawing/2010/main" xmlns:m="http://schemas.openxmlformats.org/officeDocument/2006/math" xmlns="" val="1"/>
             </a:ext>
           </a:extLst>
         </p:spPr>
@@ -27712,7 +27832,7 @@
           </a:ln>
           <a:extLst>
             <a:ext uri="{C572A759-6A51-4108-AA02-DFA0A04FC94B}">
-              <ma14:wrappingTextBoxFlag xmlns="" xmlns:m="http://schemas.openxmlformats.org/officeDocument/2006/math" xmlns:a14="http://schemas.microsoft.com/office/drawing/2010/main" xmlns:ma14="http://schemas.microsoft.com/office/mac/drawingml/2011/main" val="1"/>
+              <ma14:wrappingTextBoxFlag xmlns:ma14="http://schemas.microsoft.com/office/mac/drawingml/2011/main" xmlns:a14="http://schemas.microsoft.com/office/drawing/2010/main" xmlns:m="http://schemas.openxmlformats.org/officeDocument/2006/math" xmlns="" val="1"/>
             </a:ext>
           </a:extLst>
         </p:spPr>
@@ -29911,7 +30031,7 @@
           </a:ln>
           <a:extLst>
             <a:ext uri="{C572A759-6A51-4108-AA02-DFA0A04FC94B}">
-              <ma14:wrappingTextBoxFlag xmlns="" xmlns:m="http://schemas.openxmlformats.org/officeDocument/2006/math" xmlns:a14="http://schemas.microsoft.com/office/drawing/2010/main" xmlns:ma14="http://schemas.microsoft.com/office/mac/drawingml/2011/main" val="1"/>
+              <ma14:wrappingTextBoxFlag xmlns:ma14="http://schemas.microsoft.com/office/mac/drawingml/2011/main" xmlns:a14="http://schemas.microsoft.com/office/drawing/2010/main" xmlns:m="http://schemas.openxmlformats.org/officeDocument/2006/math" xmlns="" val="1"/>
             </a:ext>
           </a:extLst>
         </p:spPr>
@@ -33777,7 +33897,7 @@
           </a:ln>
           <a:extLst>
             <a:ext uri="{C572A759-6A51-4108-AA02-DFA0A04FC94B}">
-              <ma14:wrappingTextBoxFlag xmlns="" xmlns:m="http://schemas.openxmlformats.org/officeDocument/2006/math" xmlns:a14="http://schemas.microsoft.com/office/drawing/2010/main" xmlns:ma14="http://schemas.microsoft.com/office/mac/drawingml/2011/main" val="1"/>
+              <ma14:wrappingTextBoxFlag xmlns:ma14="http://schemas.microsoft.com/office/mac/drawingml/2011/main" xmlns:a14="http://schemas.microsoft.com/office/drawing/2010/main" xmlns:m="http://schemas.openxmlformats.org/officeDocument/2006/math" xmlns="" val="1"/>
             </a:ext>
           </a:extLst>
         </p:spPr>
@@ -35805,7 +35925,7 @@
           </a:ln>
           <a:extLst>
             <a:ext uri="{C572A759-6A51-4108-AA02-DFA0A04FC94B}">
-              <ma14:wrappingTextBoxFlag xmlns="" xmlns:m="http://schemas.openxmlformats.org/officeDocument/2006/math" xmlns:a14="http://schemas.microsoft.com/office/drawing/2010/main" xmlns:ma14="http://schemas.microsoft.com/office/mac/drawingml/2011/main" val="1"/>
+              <ma14:wrappingTextBoxFlag xmlns:ma14="http://schemas.microsoft.com/office/mac/drawingml/2011/main" xmlns:a14="http://schemas.microsoft.com/office/drawing/2010/main" xmlns:m="http://schemas.openxmlformats.org/officeDocument/2006/math" xmlns="" val="1"/>
             </a:ext>
           </a:extLst>
         </p:spPr>
@@ -36701,7 +36821,7 @@
           </a:ln>
           <a:extLst>
             <a:ext uri="{C572A759-6A51-4108-AA02-DFA0A04FC94B}">
-              <ma14:wrappingTextBoxFlag xmlns="" xmlns:m="http://schemas.openxmlformats.org/officeDocument/2006/math" xmlns:a14="http://schemas.microsoft.com/office/drawing/2010/main" xmlns:ma14="http://schemas.microsoft.com/office/mac/drawingml/2011/main" val="1"/>
+              <ma14:wrappingTextBoxFlag xmlns:ma14="http://schemas.microsoft.com/office/mac/drawingml/2011/main" xmlns:a14="http://schemas.microsoft.com/office/drawing/2010/main" xmlns:m="http://schemas.openxmlformats.org/officeDocument/2006/math" xmlns="" val="1"/>
             </a:ext>
           </a:extLst>
         </p:spPr>
